--- a/_front.pptx
+++ b/_front.pptx
@@ -9,22 +9,24 @@
     <p:sldId id="258" r:id="rId3"/>
     <p:sldId id="259" r:id="rId4"/>
     <p:sldId id="260" r:id="rId5"/>
-    <p:sldId id="256" r:id="rId6"/>
-    <p:sldId id="272" r:id="rId7"/>
-    <p:sldId id="265" r:id="rId8"/>
-    <p:sldId id="261" r:id="rId9"/>
-    <p:sldId id="263" r:id="rId10"/>
-    <p:sldId id="264" r:id="rId11"/>
-    <p:sldId id="262" r:id="rId12"/>
-    <p:sldId id="266" r:id="rId13"/>
-    <p:sldId id="270" r:id="rId14"/>
-    <p:sldId id="269" r:id="rId15"/>
-    <p:sldId id="271" r:id="rId16"/>
-    <p:sldId id="273" r:id="rId17"/>
-    <p:sldId id="277" r:id="rId18"/>
-    <p:sldId id="275" r:id="rId19"/>
-    <p:sldId id="267" r:id="rId20"/>
-    <p:sldId id="268" r:id="rId21"/>
+    <p:sldId id="279" r:id="rId6"/>
+    <p:sldId id="256" r:id="rId7"/>
+    <p:sldId id="272" r:id="rId8"/>
+    <p:sldId id="265" r:id="rId9"/>
+    <p:sldId id="261" r:id="rId10"/>
+    <p:sldId id="263" r:id="rId11"/>
+    <p:sldId id="264" r:id="rId12"/>
+    <p:sldId id="262" r:id="rId13"/>
+    <p:sldId id="266" r:id="rId14"/>
+    <p:sldId id="270" r:id="rId15"/>
+    <p:sldId id="269" r:id="rId16"/>
+    <p:sldId id="271" r:id="rId17"/>
+    <p:sldId id="273" r:id="rId18"/>
+    <p:sldId id="278" r:id="rId19"/>
+    <p:sldId id="277" r:id="rId20"/>
+    <p:sldId id="275" r:id="rId21"/>
+    <p:sldId id="267" r:id="rId22"/>
+    <p:sldId id="268" r:id="rId23"/>
   </p:sldIdLst>
   <p:sldSz cx="12192000" cy="6858000"/>
   <p:notesSz cx="6858000" cy="9144000"/>
@@ -132,6 +134,7 @@
             <p14:sldId id="258"/>
             <p14:sldId id="259"/>
             <p14:sldId id="260"/>
+            <p14:sldId id="279"/>
           </p14:sldIdLst>
         </p14:section>
         <p14:section name="Development" id="{75EF748D-3967-F24F-AD8A-6FB62061F2A9}">
@@ -160,6 +163,7 @@
           <p14:sldIdLst>
             <p14:sldId id="271"/>
             <p14:sldId id="273"/>
+            <p14:sldId id="278"/>
             <p14:sldId id="277"/>
             <p14:sldId id="275"/>
             <p14:sldId id="267"/>
@@ -1734,6 +1738,757 @@
 </file>
 
 <file path=ppt/diagrams/colors11.xml><?xml version="1.0" encoding="utf-8"?>
+<dgm:colorsDef xmlns:dgm="http://schemas.openxmlformats.org/drawingml/2006/diagram" xmlns:a="http://schemas.openxmlformats.org/drawingml/2006/main" uniqueId="urn:microsoft.com/office/officeart/2005/8/colors/accent0_3">
+  <dgm:title val=""/>
+  <dgm:desc val=""/>
+  <dgm:catLst>
+    <dgm:cat type="mainScheme" pri="10300"/>
+  </dgm:catLst>
+  <dgm:styleLbl name="node0">
+    <dgm:fillClrLst meth="repeat">
+      <a:schemeClr val="dk2"/>
+    </dgm:fillClrLst>
+    <dgm:linClrLst meth="repeat">
+      <a:schemeClr val="lt2"/>
+    </dgm:linClrLst>
+    <dgm:effectClrLst/>
+    <dgm:txLinClrLst/>
+    <dgm:txFillClrLst/>
+    <dgm:txEffectClrLst/>
+  </dgm:styleLbl>
+  <dgm:styleLbl name="alignNode1">
+    <dgm:fillClrLst meth="repeat">
+      <a:schemeClr val="dk2"/>
+    </dgm:fillClrLst>
+    <dgm:linClrLst meth="repeat">
+      <a:schemeClr val="dk2"/>
+    </dgm:linClrLst>
+    <dgm:effectClrLst/>
+    <dgm:txLinClrLst/>
+    <dgm:txFillClrLst/>
+    <dgm:txEffectClrLst/>
+  </dgm:styleLbl>
+  <dgm:styleLbl name="node1">
+    <dgm:fillClrLst meth="repeat">
+      <a:schemeClr val="dk2"/>
+    </dgm:fillClrLst>
+    <dgm:linClrLst meth="repeat">
+      <a:schemeClr val="lt2"/>
+    </dgm:linClrLst>
+    <dgm:effectClrLst/>
+    <dgm:txLinClrLst/>
+    <dgm:txFillClrLst/>
+    <dgm:txEffectClrLst/>
+  </dgm:styleLbl>
+  <dgm:styleLbl name="lnNode1">
+    <dgm:fillClrLst meth="repeat">
+      <a:schemeClr val="dk2"/>
+    </dgm:fillClrLst>
+    <dgm:linClrLst meth="repeat">
+      <a:schemeClr val="lt2"/>
+    </dgm:linClrLst>
+    <dgm:effectClrLst/>
+    <dgm:txLinClrLst/>
+    <dgm:txFillClrLst/>
+    <dgm:txEffectClrLst/>
+  </dgm:styleLbl>
+  <dgm:styleLbl name="vennNode1">
+    <dgm:fillClrLst meth="repeat">
+      <a:schemeClr val="dk2">
+        <a:alpha val="50000"/>
+      </a:schemeClr>
+    </dgm:fillClrLst>
+    <dgm:linClrLst meth="repeat">
+      <a:schemeClr val="lt2"/>
+    </dgm:linClrLst>
+    <dgm:effectClrLst/>
+    <dgm:txLinClrLst/>
+    <dgm:txFillClrLst/>
+    <dgm:txEffectClrLst/>
+  </dgm:styleLbl>
+  <dgm:styleLbl name="node2">
+    <dgm:fillClrLst meth="repeat">
+      <a:schemeClr val="dk2"/>
+    </dgm:fillClrLst>
+    <dgm:linClrLst meth="repeat">
+      <a:schemeClr val="lt2"/>
+    </dgm:linClrLst>
+    <dgm:effectClrLst/>
+    <dgm:txLinClrLst/>
+    <dgm:txFillClrLst/>
+    <dgm:txEffectClrLst/>
+  </dgm:styleLbl>
+  <dgm:styleLbl name="node3">
+    <dgm:fillClrLst meth="repeat">
+      <a:schemeClr val="dk2"/>
+    </dgm:fillClrLst>
+    <dgm:linClrLst meth="repeat">
+      <a:schemeClr val="lt2"/>
+    </dgm:linClrLst>
+    <dgm:effectClrLst/>
+    <dgm:txLinClrLst/>
+    <dgm:txFillClrLst/>
+    <dgm:txEffectClrLst/>
+  </dgm:styleLbl>
+  <dgm:styleLbl name="node4">
+    <dgm:fillClrLst meth="repeat">
+      <a:schemeClr val="dk2"/>
+    </dgm:fillClrLst>
+    <dgm:linClrLst meth="repeat">
+      <a:schemeClr val="lt2"/>
+    </dgm:linClrLst>
+    <dgm:effectClrLst/>
+    <dgm:txLinClrLst/>
+    <dgm:txFillClrLst/>
+    <dgm:txEffectClrLst/>
+  </dgm:styleLbl>
+  <dgm:styleLbl name="fgImgPlace1">
+    <dgm:fillClrLst meth="repeat">
+      <a:schemeClr val="dk2">
+        <a:tint val="50000"/>
+      </a:schemeClr>
+    </dgm:fillClrLst>
+    <dgm:linClrLst meth="repeat">
+      <a:schemeClr val="lt2"/>
+    </dgm:linClrLst>
+    <dgm:effectClrLst/>
+    <dgm:txLinClrLst/>
+    <dgm:txFillClrLst meth="repeat">
+      <a:schemeClr val="lt2"/>
+    </dgm:txFillClrLst>
+    <dgm:txEffectClrLst/>
+  </dgm:styleLbl>
+  <dgm:styleLbl name="alignImgPlace1">
+    <dgm:fillClrLst meth="repeat">
+      <a:schemeClr val="dk2">
+        <a:tint val="50000"/>
+      </a:schemeClr>
+    </dgm:fillClrLst>
+    <dgm:linClrLst meth="repeat">
+      <a:schemeClr val="dk2">
+        <a:shade val="80000"/>
+      </a:schemeClr>
+    </dgm:linClrLst>
+    <dgm:effectClrLst/>
+    <dgm:txLinClrLst/>
+    <dgm:txFillClrLst meth="repeat">
+      <a:schemeClr val="lt2"/>
+    </dgm:txFillClrLst>
+    <dgm:txEffectClrLst/>
+  </dgm:styleLbl>
+  <dgm:styleLbl name="bgImgPlace1">
+    <dgm:fillClrLst meth="repeat">
+      <a:schemeClr val="dk2">
+        <a:tint val="50000"/>
+      </a:schemeClr>
+    </dgm:fillClrLst>
+    <dgm:linClrLst meth="repeat">
+      <a:schemeClr val="dk2">
+        <a:shade val="80000"/>
+      </a:schemeClr>
+    </dgm:linClrLst>
+    <dgm:effectClrLst/>
+    <dgm:txLinClrLst/>
+    <dgm:txFillClrLst meth="repeat">
+      <a:schemeClr val="lt2"/>
+    </dgm:txFillClrLst>
+    <dgm:txEffectClrLst/>
+  </dgm:styleLbl>
+  <dgm:styleLbl name="sibTrans2D1">
+    <dgm:fillClrLst meth="repeat">
+      <a:schemeClr val="dk2">
+        <a:tint val="60000"/>
+      </a:schemeClr>
+    </dgm:fillClrLst>
+    <dgm:linClrLst meth="repeat">
+      <a:schemeClr val="dk2">
+        <a:tint val="60000"/>
+      </a:schemeClr>
+    </dgm:linClrLst>
+    <dgm:effectClrLst/>
+    <dgm:txLinClrLst/>
+    <dgm:txFillClrLst/>
+    <dgm:txEffectClrLst/>
+  </dgm:styleLbl>
+  <dgm:styleLbl name="fgSibTrans2D1">
+    <dgm:fillClrLst meth="repeat">
+      <a:schemeClr val="dk2">
+        <a:tint val="60000"/>
+      </a:schemeClr>
+    </dgm:fillClrLst>
+    <dgm:linClrLst meth="repeat">
+      <a:schemeClr val="dk2">
+        <a:tint val="60000"/>
+      </a:schemeClr>
+    </dgm:linClrLst>
+    <dgm:effectClrLst/>
+    <dgm:txLinClrLst/>
+    <dgm:txFillClrLst/>
+    <dgm:txEffectClrLst/>
+  </dgm:styleLbl>
+  <dgm:styleLbl name="bgSibTrans2D1">
+    <dgm:fillClrLst meth="repeat">
+      <a:schemeClr val="dk2">
+        <a:tint val="60000"/>
+      </a:schemeClr>
+    </dgm:fillClrLst>
+    <dgm:linClrLst meth="repeat">
+      <a:schemeClr val="dk2">
+        <a:tint val="60000"/>
+      </a:schemeClr>
+    </dgm:linClrLst>
+    <dgm:effectClrLst/>
+    <dgm:txLinClrLst/>
+    <dgm:txFillClrLst/>
+    <dgm:txEffectClrLst/>
+  </dgm:styleLbl>
+  <dgm:styleLbl name="sibTrans1D1">
+    <dgm:fillClrLst meth="repeat">
+      <a:schemeClr val="dk2"/>
+    </dgm:fillClrLst>
+    <dgm:linClrLst meth="repeat">
+      <a:schemeClr val="dk2"/>
+    </dgm:linClrLst>
+    <dgm:effectClrLst/>
+    <dgm:txLinClrLst/>
+    <dgm:txFillClrLst meth="repeat">
+      <a:schemeClr val="lt2"/>
+    </dgm:txFillClrLst>
+    <dgm:txEffectClrLst/>
+  </dgm:styleLbl>
+  <dgm:styleLbl name="callout">
+    <dgm:fillClrLst meth="repeat">
+      <a:schemeClr val="dk2"/>
+    </dgm:fillClrLst>
+    <dgm:linClrLst meth="repeat">
+      <a:schemeClr val="dk2">
+        <a:tint val="50000"/>
+      </a:schemeClr>
+    </dgm:linClrLst>
+    <dgm:effectClrLst/>
+    <dgm:txLinClrLst/>
+    <dgm:txFillClrLst meth="repeat">
+      <a:schemeClr val="lt2"/>
+    </dgm:txFillClrLst>
+    <dgm:txEffectClrLst/>
+  </dgm:styleLbl>
+  <dgm:styleLbl name="asst0">
+    <dgm:fillClrLst meth="repeat">
+      <a:schemeClr val="dk2"/>
+    </dgm:fillClrLst>
+    <dgm:linClrLst meth="repeat">
+      <a:schemeClr val="lt2"/>
+    </dgm:linClrLst>
+    <dgm:effectClrLst/>
+    <dgm:txLinClrLst/>
+    <dgm:txFillClrLst/>
+    <dgm:txEffectClrLst/>
+  </dgm:styleLbl>
+  <dgm:styleLbl name="asst1">
+    <dgm:fillClrLst meth="repeat">
+      <a:schemeClr val="dk2"/>
+    </dgm:fillClrLst>
+    <dgm:linClrLst meth="repeat">
+      <a:schemeClr val="lt2"/>
+    </dgm:linClrLst>
+    <dgm:effectClrLst/>
+    <dgm:txLinClrLst/>
+    <dgm:txFillClrLst/>
+    <dgm:txEffectClrLst/>
+  </dgm:styleLbl>
+  <dgm:styleLbl name="asst2">
+    <dgm:fillClrLst meth="repeat">
+      <a:schemeClr val="dk2"/>
+    </dgm:fillClrLst>
+    <dgm:linClrLst meth="repeat">
+      <a:schemeClr val="lt2"/>
+    </dgm:linClrLst>
+    <dgm:effectClrLst/>
+    <dgm:txLinClrLst/>
+    <dgm:txFillClrLst/>
+    <dgm:txEffectClrLst/>
+  </dgm:styleLbl>
+  <dgm:styleLbl name="asst3">
+    <dgm:fillClrLst meth="repeat">
+      <a:schemeClr val="dk2"/>
+    </dgm:fillClrLst>
+    <dgm:linClrLst meth="repeat">
+      <a:schemeClr val="lt2"/>
+    </dgm:linClrLst>
+    <dgm:effectClrLst/>
+    <dgm:txLinClrLst/>
+    <dgm:txFillClrLst/>
+    <dgm:txEffectClrLst/>
+  </dgm:styleLbl>
+  <dgm:styleLbl name="asst4">
+    <dgm:fillClrLst meth="repeat">
+      <a:schemeClr val="dk2"/>
+    </dgm:fillClrLst>
+    <dgm:linClrLst meth="repeat">
+      <a:schemeClr val="lt2"/>
+    </dgm:linClrLst>
+    <dgm:effectClrLst/>
+    <dgm:txLinClrLst/>
+    <dgm:txFillClrLst/>
+    <dgm:txEffectClrLst/>
+  </dgm:styleLbl>
+  <dgm:styleLbl name="parChTrans2D1">
+    <dgm:fillClrLst meth="repeat">
+      <a:schemeClr val="dk2">
+        <a:tint val="60000"/>
+      </a:schemeClr>
+    </dgm:fillClrLst>
+    <dgm:linClrLst meth="repeat">
+      <a:schemeClr val="dk2">
+        <a:tint val="60000"/>
+      </a:schemeClr>
+    </dgm:linClrLst>
+    <dgm:effectClrLst/>
+    <dgm:txLinClrLst/>
+    <dgm:txFillClrLst meth="repeat">
+      <a:schemeClr val="lt2"/>
+    </dgm:txFillClrLst>
+    <dgm:txEffectClrLst/>
+  </dgm:styleLbl>
+  <dgm:styleLbl name="parChTrans2D2">
+    <dgm:fillClrLst meth="repeat">
+      <a:schemeClr val="dk2"/>
+    </dgm:fillClrLst>
+    <dgm:linClrLst meth="repeat">
+      <a:schemeClr val="dk2"/>
+    </dgm:linClrLst>
+    <dgm:effectClrLst/>
+    <dgm:txLinClrLst/>
+    <dgm:txFillClrLst meth="repeat">
+      <a:schemeClr val="lt2"/>
+    </dgm:txFillClrLst>
+    <dgm:txEffectClrLst/>
+  </dgm:styleLbl>
+  <dgm:styleLbl name="parChTrans2D3">
+    <dgm:fillClrLst meth="repeat">
+      <a:schemeClr val="dk2"/>
+    </dgm:fillClrLst>
+    <dgm:linClrLst meth="repeat">
+      <a:schemeClr val="dk2"/>
+    </dgm:linClrLst>
+    <dgm:effectClrLst/>
+    <dgm:txLinClrLst/>
+    <dgm:txFillClrLst meth="repeat">
+      <a:schemeClr val="lt2"/>
+    </dgm:txFillClrLst>
+    <dgm:txEffectClrLst/>
+  </dgm:styleLbl>
+  <dgm:styleLbl name="parChTrans2D4">
+    <dgm:fillClrLst meth="repeat">
+      <a:schemeClr val="dk2"/>
+    </dgm:fillClrLst>
+    <dgm:linClrLst meth="repeat">
+      <a:schemeClr val="dk2"/>
+    </dgm:linClrLst>
+    <dgm:effectClrLst/>
+    <dgm:txLinClrLst/>
+    <dgm:txFillClrLst meth="repeat">
+      <a:schemeClr val="lt2"/>
+    </dgm:txFillClrLst>
+    <dgm:txEffectClrLst/>
+  </dgm:styleLbl>
+  <dgm:styleLbl name="parChTrans1D1">
+    <dgm:fillClrLst meth="repeat">
+      <a:schemeClr val="dk2"/>
+    </dgm:fillClrLst>
+    <dgm:linClrLst meth="repeat">
+      <a:schemeClr val="dk2">
+        <a:shade val="60000"/>
+      </a:schemeClr>
+    </dgm:linClrLst>
+    <dgm:effectClrLst/>
+    <dgm:txLinClrLst/>
+    <dgm:txFillClrLst meth="repeat">
+      <a:schemeClr val="tx1"/>
+    </dgm:txFillClrLst>
+    <dgm:txEffectClrLst/>
+  </dgm:styleLbl>
+  <dgm:styleLbl name="parChTrans1D2">
+    <dgm:fillClrLst meth="repeat">
+      <a:schemeClr val="dk2"/>
+    </dgm:fillClrLst>
+    <dgm:linClrLst meth="repeat">
+      <a:schemeClr val="dk2">
+        <a:shade val="60000"/>
+      </a:schemeClr>
+    </dgm:linClrLst>
+    <dgm:effectClrLst/>
+    <dgm:txLinClrLst/>
+    <dgm:txFillClrLst meth="repeat">
+      <a:schemeClr val="tx1"/>
+    </dgm:txFillClrLst>
+    <dgm:txEffectClrLst/>
+  </dgm:styleLbl>
+  <dgm:styleLbl name="parChTrans1D3">
+    <dgm:fillClrLst meth="repeat">
+      <a:schemeClr val="dk2"/>
+    </dgm:fillClrLst>
+    <dgm:linClrLst meth="repeat">
+      <a:schemeClr val="dk2">
+        <a:shade val="80000"/>
+      </a:schemeClr>
+    </dgm:linClrLst>
+    <dgm:effectClrLst/>
+    <dgm:txLinClrLst/>
+    <dgm:txFillClrLst meth="repeat">
+      <a:schemeClr val="tx1"/>
+    </dgm:txFillClrLst>
+    <dgm:txEffectClrLst/>
+  </dgm:styleLbl>
+  <dgm:styleLbl name="parChTrans1D4">
+    <dgm:fillClrLst meth="repeat">
+      <a:schemeClr val="dk2"/>
+    </dgm:fillClrLst>
+    <dgm:linClrLst meth="repeat">
+      <a:schemeClr val="dk2">
+        <a:shade val="80000"/>
+      </a:schemeClr>
+    </dgm:linClrLst>
+    <dgm:effectClrLst/>
+    <dgm:txLinClrLst/>
+    <dgm:txFillClrLst meth="repeat">
+      <a:schemeClr val="tx1"/>
+    </dgm:txFillClrLst>
+    <dgm:txEffectClrLst/>
+  </dgm:styleLbl>
+  <dgm:styleLbl name="fgAcc1">
+    <dgm:fillClrLst meth="repeat">
+      <a:schemeClr val="lt2">
+        <a:alpha val="90000"/>
+      </a:schemeClr>
+    </dgm:fillClrLst>
+    <dgm:linClrLst meth="repeat">
+      <a:schemeClr val="dk2"/>
+    </dgm:linClrLst>
+    <dgm:effectClrLst/>
+    <dgm:txLinClrLst/>
+    <dgm:txFillClrLst meth="repeat">
+      <a:schemeClr val="dk1"/>
+    </dgm:txFillClrLst>
+    <dgm:txEffectClrLst/>
+  </dgm:styleLbl>
+  <dgm:styleLbl name="conFgAcc1">
+    <dgm:fillClrLst meth="repeat">
+      <a:schemeClr val="lt2">
+        <a:alpha val="90000"/>
+      </a:schemeClr>
+    </dgm:fillClrLst>
+    <dgm:linClrLst meth="repeat">
+      <a:schemeClr val="dk2"/>
+    </dgm:linClrLst>
+    <dgm:effectClrLst/>
+    <dgm:txLinClrLst/>
+    <dgm:txFillClrLst meth="repeat">
+      <a:schemeClr val="dk1"/>
+    </dgm:txFillClrLst>
+    <dgm:txEffectClrLst/>
+  </dgm:styleLbl>
+  <dgm:styleLbl name="alignAcc1">
+    <dgm:fillClrLst meth="repeat">
+      <a:schemeClr val="lt2">
+        <a:alpha val="90000"/>
+      </a:schemeClr>
+    </dgm:fillClrLst>
+    <dgm:linClrLst meth="repeat">
+      <a:schemeClr val="dk2"/>
+    </dgm:linClrLst>
+    <dgm:effectClrLst/>
+    <dgm:txLinClrLst/>
+    <dgm:txFillClrLst meth="repeat">
+      <a:schemeClr val="dk1"/>
+    </dgm:txFillClrLst>
+    <dgm:txEffectClrLst/>
+  </dgm:styleLbl>
+  <dgm:styleLbl name="trAlignAcc1">
+    <dgm:fillClrLst meth="repeat">
+      <a:schemeClr val="lt2">
+        <a:alpha val="40000"/>
+      </a:schemeClr>
+    </dgm:fillClrLst>
+    <dgm:linClrLst meth="repeat">
+      <a:schemeClr val="dk2"/>
+    </dgm:linClrLst>
+    <dgm:effectClrLst/>
+    <dgm:txLinClrLst/>
+    <dgm:txFillClrLst meth="repeat">
+      <a:schemeClr val="dk1"/>
+    </dgm:txFillClrLst>
+    <dgm:txEffectClrLst/>
+  </dgm:styleLbl>
+  <dgm:styleLbl name="bgAcc1">
+    <dgm:fillClrLst meth="repeat">
+      <a:schemeClr val="lt2">
+        <a:alpha val="90000"/>
+      </a:schemeClr>
+    </dgm:fillClrLst>
+    <dgm:linClrLst meth="repeat">
+      <a:schemeClr val="dk2"/>
+    </dgm:linClrLst>
+    <dgm:effectClrLst/>
+    <dgm:txLinClrLst/>
+    <dgm:txFillClrLst meth="repeat">
+      <a:schemeClr val="dk1"/>
+    </dgm:txFillClrLst>
+    <dgm:txEffectClrLst/>
+  </dgm:styleLbl>
+  <dgm:styleLbl name="solidFgAcc1">
+    <dgm:fillClrLst meth="repeat">
+      <a:schemeClr val="lt2"/>
+    </dgm:fillClrLst>
+    <dgm:linClrLst meth="repeat">
+      <a:schemeClr val="dk2"/>
+    </dgm:linClrLst>
+    <dgm:effectClrLst/>
+    <dgm:txLinClrLst/>
+    <dgm:txFillClrLst meth="repeat">
+      <a:schemeClr val="dk1"/>
+    </dgm:txFillClrLst>
+    <dgm:txEffectClrLst/>
+  </dgm:styleLbl>
+  <dgm:styleLbl name="solidAlignAcc1">
+    <dgm:fillClrLst meth="repeat">
+      <a:schemeClr val="lt2"/>
+    </dgm:fillClrLst>
+    <dgm:linClrLst meth="repeat">
+      <a:schemeClr val="dk2"/>
+    </dgm:linClrLst>
+    <dgm:effectClrLst/>
+    <dgm:txLinClrLst/>
+    <dgm:txFillClrLst meth="repeat">
+      <a:schemeClr val="dk1"/>
+    </dgm:txFillClrLst>
+    <dgm:txEffectClrLst/>
+  </dgm:styleLbl>
+  <dgm:styleLbl name="solidBgAcc1">
+    <dgm:fillClrLst meth="repeat">
+      <a:schemeClr val="lt2"/>
+    </dgm:fillClrLst>
+    <dgm:linClrLst meth="repeat">
+      <a:schemeClr val="dk2"/>
+    </dgm:linClrLst>
+    <dgm:effectClrLst/>
+    <dgm:txLinClrLst/>
+    <dgm:txFillClrLst meth="repeat">
+      <a:schemeClr val="dk1"/>
+    </dgm:txFillClrLst>
+    <dgm:txEffectClrLst/>
+  </dgm:styleLbl>
+  <dgm:styleLbl name="fgAccFollowNode1">
+    <dgm:fillClrLst meth="repeat">
+      <a:schemeClr val="dk2">
+        <a:alpha val="90000"/>
+        <a:tint val="40000"/>
+      </a:schemeClr>
+    </dgm:fillClrLst>
+    <dgm:linClrLst meth="repeat">
+      <a:schemeClr val="dk2">
+        <a:alpha val="90000"/>
+        <a:tint val="40000"/>
+      </a:schemeClr>
+    </dgm:linClrLst>
+    <dgm:effectClrLst/>
+    <dgm:txLinClrLst/>
+    <dgm:txFillClrLst meth="repeat">
+      <a:schemeClr val="dk1"/>
+    </dgm:txFillClrLst>
+    <dgm:txEffectClrLst/>
+  </dgm:styleLbl>
+  <dgm:styleLbl name="alignAccFollowNode1">
+    <dgm:fillClrLst meth="repeat">
+      <a:schemeClr val="dk2">
+        <a:alpha val="90000"/>
+        <a:tint val="40000"/>
+      </a:schemeClr>
+    </dgm:fillClrLst>
+    <dgm:linClrLst meth="repeat">
+      <a:schemeClr val="dk2">
+        <a:alpha val="90000"/>
+        <a:tint val="40000"/>
+      </a:schemeClr>
+    </dgm:linClrLst>
+    <dgm:effectClrLst/>
+    <dgm:txLinClrLst/>
+    <dgm:txFillClrLst meth="repeat">
+      <a:schemeClr val="dk1"/>
+    </dgm:txFillClrLst>
+    <dgm:txEffectClrLst/>
+  </dgm:styleLbl>
+  <dgm:styleLbl name="bgAccFollowNode1">
+    <dgm:fillClrLst meth="repeat">
+      <a:schemeClr val="dk2">
+        <a:alpha val="90000"/>
+        <a:tint val="40000"/>
+      </a:schemeClr>
+    </dgm:fillClrLst>
+    <dgm:linClrLst meth="repeat">
+      <a:schemeClr val="dk2">
+        <a:alpha val="90000"/>
+        <a:tint val="40000"/>
+      </a:schemeClr>
+    </dgm:linClrLst>
+    <dgm:effectClrLst/>
+    <dgm:txLinClrLst/>
+    <dgm:txFillClrLst meth="repeat">
+      <a:schemeClr val="dk1"/>
+    </dgm:txFillClrLst>
+    <dgm:txEffectClrLst/>
+  </dgm:styleLbl>
+  <dgm:styleLbl name="fgAcc0">
+    <dgm:fillClrLst meth="repeat">
+      <a:schemeClr val="lt2">
+        <a:alpha val="90000"/>
+      </a:schemeClr>
+    </dgm:fillClrLst>
+    <dgm:linClrLst meth="repeat">
+      <a:schemeClr val="dk2"/>
+    </dgm:linClrLst>
+    <dgm:effectClrLst/>
+    <dgm:txLinClrLst/>
+    <dgm:txFillClrLst meth="repeat">
+      <a:schemeClr val="dk1"/>
+    </dgm:txFillClrLst>
+    <dgm:txEffectClrLst/>
+  </dgm:styleLbl>
+  <dgm:styleLbl name="fgAcc2">
+    <dgm:fillClrLst meth="repeat">
+      <a:schemeClr val="lt2">
+        <a:alpha val="90000"/>
+      </a:schemeClr>
+    </dgm:fillClrLst>
+    <dgm:linClrLst meth="repeat">
+      <a:schemeClr val="dk2"/>
+    </dgm:linClrLst>
+    <dgm:effectClrLst/>
+    <dgm:txLinClrLst/>
+    <dgm:txFillClrLst meth="repeat">
+      <a:schemeClr val="dk1"/>
+    </dgm:txFillClrLst>
+    <dgm:txEffectClrLst/>
+  </dgm:styleLbl>
+  <dgm:styleLbl name="fgAcc3">
+    <dgm:fillClrLst meth="repeat">
+      <a:schemeClr val="lt2">
+        <a:alpha val="90000"/>
+      </a:schemeClr>
+    </dgm:fillClrLst>
+    <dgm:linClrLst meth="repeat">
+      <a:schemeClr val="dk2"/>
+    </dgm:linClrLst>
+    <dgm:effectClrLst/>
+    <dgm:txLinClrLst/>
+    <dgm:txFillClrLst meth="repeat">
+      <a:schemeClr val="dk1"/>
+    </dgm:txFillClrLst>
+    <dgm:txEffectClrLst/>
+  </dgm:styleLbl>
+  <dgm:styleLbl name="fgAcc4">
+    <dgm:fillClrLst meth="repeat">
+      <a:schemeClr val="lt2">
+        <a:alpha val="90000"/>
+      </a:schemeClr>
+    </dgm:fillClrLst>
+    <dgm:linClrLst meth="repeat">
+      <a:schemeClr val="dk2"/>
+    </dgm:linClrLst>
+    <dgm:effectClrLst/>
+    <dgm:txLinClrLst/>
+    <dgm:txFillClrLst meth="repeat">
+      <a:schemeClr val="dk1"/>
+    </dgm:txFillClrLst>
+    <dgm:txEffectClrLst/>
+  </dgm:styleLbl>
+  <dgm:styleLbl name="bgShp">
+    <dgm:fillClrLst meth="repeat">
+      <a:schemeClr val="dk2">
+        <a:tint val="40000"/>
+      </a:schemeClr>
+    </dgm:fillClrLst>
+    <dgm:linClrLst meth="repeat">
+      <a:schemeClr val="dk2"/>
+    </dgm:linClrLst>
+    <dgm:effectClrLst/>
+    <dgm:txLinClrLst/>
+    <dgm:txFillClrLst meth="repeat">
+      <a:schemeClr val="dk1"/>
+    </dgm:txFillClrLst>
+    <dgm:txEffectClrLst/>
+  </dgm:styleLbl>
+  <dgm:styleLbl name="dkBgShp">
+    <dgm:fillClrLst meth="repeat">
+      <a:schemeClr val="dk2">
+        <a:shade val="80000"/>
+      </a:schemeClr>
+    </dgm:fillClrLst>
+    <dgm:linClrLst meth="repeat">
+      <a:schemeClr val="dk2"/>
+    </dgm:linClrLst>
+    <dgm:effectClrLst/>
+    <dgm:txLinClrLst/>
+    <dgm:txFillClrLst meth="repeat">
+      <a:schemeClr val="lt1"/>
+    </dgm:txFillClrLst>
+    <dgm:txEffectClrLst/>
+  </dgm:styleLbl>
+  <dgm:styleLbl name="trBgShp">
+    <dgm:fillClrLst meth="repeat">
+      <a:schemeClr val="dk2">
+        <a:tint val="50000"/>
+        <a:alpha val="40000"/>
+      </a:schemeClr>
+    </dgm:fillClrLst>
+    <dgm:linClrLst meth="repeat">
+      <a:schemeClr val="dk2"/>
+    </dgm:linClrLst>
+    <dgm:effectClrLst/>
+    <dgm:txLinClrLst/>
+    <dgm:txFillClrLst meth="repeat">
+      <a:schemeClr val="lt1"/>
+    </dgm:txFillClrLst>
+    <dgm:txEffectClrLst/>
+  </dgm:styleLbl>
+  <dgm:styleLbl name="fgShp">
+    <dgm:fillClrLst meth="repeat">
+      <a:schemeClr val="dk2">
+        <a:tint val="60000"/>
+      </a:schemeClr>
+    </dgm:fillClrLst>
+    <dgm:linClrLst meth="repeat">
+      <a:schemeClr val="lt2"/>
+    </dgm:linClrLst>
+    <dgm:effectClrLst/>
+    <dgm:txLinClrLst/>
+    <dgm:txFillClrLst meth="repeat">
+      <a:schemeClr val="dk1"/>
+    </dgm:txFillClrLst>
+    <dgm:txEffectClrLst/>
+  </dgm:styleLbl>
+  <dgm:styleLbl name="revTx">
+    <dgm:fillClrLst meth="repeat">
+      <a:schemeClr val="lt2">
+        <a:alpha val="0"/>
+      </a:schemeClr>
+    </dgm:fillClrLst>
+    <dgm:linClrLst meth="repeat">
+      <a:schemeClr val="dk1">
+        <a:alpha val="0"/>
+      </a:schemeClr>
+    </dgm:linClrLst>
+    <dgm:effectClrLst/>
+    <dgm:txLinClrLst/>
+    <dgm:txFillClrLst meth="repeat">
+      <a:schemeClr val="tx1"/>
+    </dgm:txFillClrLst>
+    <dgm:txEffectClrLst/>
+  </dgm:styleLbl>
+</dgm:colorsDef>
+</file>
+
+<file path=ppt/diagrams/colors12.xml><?xml version="1.0" encoding="utf-8"?>
 <dgm:colorsDef xmlns:dgm="http://schemas.openxmlformats.org/drawingml/2006/diagram" xmlns:a="http://schemas.openxmlformats.org/drawingml/2006/main" uniqueId="urn:microsoft.com/office/officeart/2005/8/colors/accent0_3">
   <dgm:title val=""/>
   <dgm:desc val=""/>
@@ -9215,6 +9970,43 @@
 </file>
 
 <file path=ppt/diagrams/data11.xml><?xml version="1.0" encoding="utf-8"?>
+<dgm:dataModel xmlns:dgm="http://schemas.openxmlformats.org/drawingml/2006/diagram" xmlns:a="http://schemas.openxmlformats.org/drawingml/2006/main">
+  <dgm:ptLst>
+    <dgm:pt modelId="{1A576890-154F-4248-9DC0-6F3C42121396}" type="doc">
+      <dgm:prSet loTypeId="urn:microsoft.com/office/officeart/2005/8/layout/venn2" loCatId="" qsTypeId="urn:microsoft.com/office/officeart/2005/8/quickstyle/simple1" qsCatId="simple" csTypeId="urn:microsoft.com/office/officeart/2005/8/colors/accent0_3" csCatId="mainScheme" phldr="1"/>
+      <dgm:spPr/>
+      <dgm:t>
+        <a:bodyPr/>
+        <a:lstStyle/>
+        <a:p>
+          <a:endParaRPr lang="sv-SE"/>
+        </a:p>
+      </dgm:t>
+    </dgm:pt>
+    <dgm:pt modelId="{950286A6-E8DD-1347-8E4B-B3E002FAD681}" type="pres">
+      <dgm:prSet presAssocID="{1A576890-154F-4248-9DC0-6F3C42121396}" presName="Name0" presStyleCnt="0">
+        <dgm:presLayoutVars>
+          <dgm:chMax val="7"/>
+          <dgm:resizeHandles val="exact"/>
+        </dgm:presLayoutVars>
+      </dgm:prSet>
+      <dgm:spPr/>
+    </dgm:pt>
+  </dgm:ptLst>
+  <dgm:cxnLst>
+    <dgm:cxn modelId="{A814844F-DD17-CD46-8E73-F53EC8723637}" type="presOf" srcId="{1A576890-154F-4248-9DC0-6F3C42121396}" destId="{950286A6-E8DD-1347-8E4B-B3E002FAD681}" srcOrd="0" destOrd="0" presId="urn:microsoft.com/office/officeart/2005/8/layout/venn2"/>
+  </dgm:cxnLst>
+  <dgm:bg/>
+  <dgm:whole/>
+  <dgm:extLst>
+    <a:ext uri="http://schemas.microsoft.com/office/drawing/2008/diagram">
+      <dsp:dataModelExt xmlns:dsp="http://schemas.microsoft.com/office/drawing/2008/diagram" relId="rId6" minVer="http://schemas.openxmlformats.org/drawingml/2006/diagram"/>
+    </a:ext>
+  </dgm:extLst>
+</dgm:dataModel>
+</file>
+
+<file path=ppt/diagrams/data12.xml><?xml version="1.0" encoding="utf-8"?>
 <dgm:dataModel xmlns:dgm="http://schemas.openxmlformats.org/drawingml/2006/diagram" xmlns:a="http://schemas.openxmlformats.org/drawingml/2006/main">
   <dgm:ptLst>
     <dgm:pt modelId="{1A576890-154F-4248-9DC0-6F3C42121396}" type="doc">
@@ -14760,6 +15552,18 @@
 </file>
 
 <file path=ppt/diagrams/drawing11.xml><?xml version="1.0" encoding="utf-8"?>
+<dsp:drawing xmlns:dgm="http://schemas.openxmlformats.org/drawingml/2006/diagram" xmlns:dsp="http://schemas.microsoft.com/office/drawing/2008/diagram" xmlns:a="http://schemas.openxmlformats.org/drawingml/2006/main">
+  <dsp:spTree>
+    <dsp:nvGrpSpPr>
+      <dsp:cNvPr id="0" name=""/>
+      <dsp:cNvGrpSpPr/>
+    </dsp:nvGrpSpPr>
+    <dsp:grpSpPr/>
+  </dsp:spTree>
+</dsp:drawing>
+</file>
+
+<file path=ppt/diagrams/drawing12.xml><?xml version="1.0" encoding="utf-8"?>
 <dsp:drawing xmlns:dgm="http://schemas.openxmlformats.org/drawingml/2006/diagram" xmlns:dsp="http://schemas.microsoft.com/office/drawing/2008/diagram" xmlns:a="http://schemas.openxmlformats.org/drawingml/2006/main">
   <dsp:spTree>
     <dsp:nvGrpSpPr>
@@ -20945,6 +21749,668 @@
 </dgm:layoutDef>
 </file>
 
+<file path=ppt/diagrams/layout12.xml><?xml version="1.0" encoding="utf-8"?>
+<dgm:layoutDef xmlns:dgm="http://schemas.openxmlformats.org/drawingml/2006/diagram" xmlns:a="http://schemas.openxmlformats.org/drawingml/2006/main" uniqueId="urn:microsoft.com/office/officeart/2005/8/layout/venn2">
+  <dgm:title val=""/>
+  <dgm:desc val=""/>
+  <dgm:catLst>
+    <dgm:cat type="relationship" pri="30000"/>
+  </dgm:catLst>
+  <dgm:sampData>
+    <dgm:dataModel>
+      <dgm:ptLst>
+        <dgm:pt modelId="0" type="doc"/>
+        <dgm:pt modelId="1">
+          <dgm:prSet phldr="1"/>
+        </dgm:pt>
+        <dgm:pt modelId="2">
+          <dgm:prSet phldr="1"/>
+        </dgm:pt>
+        <dgm:pt modelId="3">
+          <dgm:prSet phldr="1"/>
+        </dgm:pt>
+        <dgm:pt modelId="4">
+          <dgm:prSet phldr="1"/>
+        </dgm:pt>
+      </dgm:ptLst>
+      <dgm:cxnLst>
+        <dgm:cxn modelId="5" srcId="0" destId="1" srcOrd="0" destOrd="0"/>
+        <dgm:cxn modelId="6" srcId="0" destId="2" srcOrd="1" destOrd="0"/>
+        <dgm:cxn modelId="7" srcId="0" destId="3" srcOrd="2" destOrd="0"/>
+        <dgm:cxn modelId="8" srcId="0" destId="4" srcOrd="3" destOrd="0"/>
+      </dgm:cxnLst>
+      <dgm:bg/>
+      <dgm:whole/>
+    </dgm:dataModel>
+  </dgm:sampData>
+  <dgm:styleData>
+    <dgm:dataModel>
+      <dgm:ptLst>
+        <dgm:pt modelId="0" type="doc"/>
+        <dgm:pt modelId="1"/>
+        <dgm:pt modelId="2"/>
+      </dgm:ptLst>
+      <dgm:cxnLst>
+        <dgm:cxn modelId="3" srcId="0" destId="1" srcOrd="0" destOrd="0"/>
+        <dgm:cxn modelId="4" srcId="0" destId="2" srcOrd="1" destOrd="0"/>
+      </dgm:cxnLst>
+      <dgm:bg/>
+      <dgm:whole/>
+    </dgm:dataModel>
+  </dgm:styleData>
+  <dgm:clrData>
+    <dgm:dataModel>
+      <dgm:ptLst>
+        <dgm:pt modelId="0" type="doc"/>
+        <dgm:pt modelId="1"/>
+        <dgm:pt modelId="2"/>
+        <dgm:pt modelId="3"/>
+        <dgm:pt modelId="4"/>
+      </dgm:ptLst>
+      <dgm:cxnLst>
+        <dgm:cxn modelId="5" srcId="0" destId="1" srcOrd="0" destOrd="0"/>
+        <dgm:cxn modelId="6" srcId="0" destId="2" srcOrd="1" destOrd="0"/>
+        <dgm:cxn modelId="7" srcId="0" destId="3" srcOrd="2" destOrd="0"/>
+        <dgm:cxn modelId="8" srcId="0" destId="4" srcOrd="3" destOrd="0"/>
+      </dgm:cxnLst>
+      <dgm:bg/>
+      <dgm:whole/>
+    </dgm:dataModel>
+  </dgm:clrData>
+  <dgm:layoutNode name="Name0">
+    <dgm:varLst>
+      <dgm:chMax val="7"/>
+      <dgm:resizeHandles val="exact"/>
+    </dgm:varLst>
+    <dgm:alg type="composite">
+      <dgm:param type="ar" val="1"/>
+    </dgm:alg>
+    <dgm:shape xmlns:r="http://schemas.openxmlformats.org/officeDocument/2006/relationships" r:blip="">
+      <dgm:adjLst/>
+    </dgm:shape>
+    <dgm:presOf/>
+    <dgm:choose name="Name1">
+      <dgm:if name="Name2" axis="ch" ptType="node" func="cnt" op="lte" val="3">
+        <dgm:constrLst>
+          <dgm:constr type="w" for="ch" forName="comp1" refType="w"/>
+          <dgm:constr type="h" for="ch" forName="comp1" refType="w" refFor="ch" refForName="comp1"/>
+          <dgm:constr type="w" for="ch" forName="comp2" refType="w" fact="0.75"/>
+          <dgm:constr type="h" for="ch" forName="comp2" refType="w" refFor="ch" refForName="comp2"/>
+          <dgm:constr type="ctrX" for="ch" forName="comp2" refType="ctrX" refFor="ch" refForName="comp1"/>
+          <dgm:constr type="b" for="ch" forName="comp2" refType="b" refFor="ch" refForName="comp1"/>
+          <dgm:constr type="w" for="ch" forName="comp3" refType="w" fact="0.5"/>
+          <dgm:constr type="h" for="ch" forName="comp3" refType="w" refFor="ch" refForName="comp3"/>
+          <dgm:constr type="ctrX" for="ch" forName="comp3" refType="ctrX" refFor="ch" refForName="comp1"/>
+          <dgm:constr type="b" for="ch" forName="comp3" refType="b" refFor="ch" refForName="comp1"/>
+          <dgm:constr type="primFontSz" for="des" ptType="node" op="equ" val="65"/>
+        </dgm:constrLst>
+      </dgm:if>
+      <dgm:if name="Name3" axis="ch" ptType="node" func="cnt" op="equ" val="4">
+        <dgm:constrLst>
+          <dgm:constr type="w" for="ch" forName="comp1" refType="w"/>
+          <dgm:constr type="h" for="ch" forName="comp1" refType="w" refFor="ch" refForName="comp1"/>
+          <dgm:constr type="w" for="ch" forName="comp2" refType="w" fact="0.8"/>
+          <dgm:constr type="h" for="ch" forName="comp2" refType="w" refFor="ch" refForName="comp2"/>
+          <dgm:constr type="ctrX" for="ch" forName="comp2" refType="ctrX" refFor="ch" refForName="comp1"/>
+          <dgm:constr type="b" for="ch" forName="comp2" refType="b" refFor="ch" refForName="comp1"/>
+          <dgm:constr type="w" for="ch" forName="comp3" refType="w" fact="0.6"/>
+          <dgm:constr type="h" for="ch" forName="comp3" refType="w" refFor="ch" refForName="comp3"/>
+          <dgm:constr type="ctrX" for="ch" forName="comp3" refType="ctrX" refFor="ch" refForName="comp1"/>
+          <dgm:constr type="b" for="ch" forName="comp3" refType="b" refFor="ch" refForName="comp1"/>
+          <dgm:constr type="w" for="ch" forName="comp4" refType="w" fact="0.4"/>
+          <dgm:constr type="h" for="ch" forName="comp4" refType="w" refFor="ch" refForName="comp4"/>
+          <dgm:constr type="ctrX" for="ch" forName="comp4" refType="ctrX" refFor="ch" refForName="comp1"/>
+          <dgm:constr type="b" for="ch" forName="comp4" refType="b" refFor="ch" refForName="comp1"/>
+          <dgm:constr type="primFontSz" for="des" ptType="node" op="equ" val="65"/>
+        </dgm:constrLst>
+      </dgm:if>
+      <dgm:else name="Name4">
+        <dgm:constrLst>
+          <dgm:constr type="w" for="ch" forName="comp1" refType="w"/>
+          <dgm:constr type="h" for="ch" forName="comp1" refType="w" refFor="ch" refForName="comp1"/>
+          <dgm:constr type="w" for="ch" forName="comp2" refType="w" fact="0.85"/>
+          <dgm:constr type="h" for="ch" forName="comp2" refType="w" refFor="ch" refForName="comp2"/>
+          <dgm:constr type="ctrX" for="ch" forName="comp2" refType="ctrX" refFor="ch" refForName="comp1"/>
+          <dgm:constr type="b" for="ch" forName="comp2" refType="b" refFor="ch" refForName="comp1"/>
+          <dgm:constr type="w" for="ch" forName="comp3" refType="w" fact="0.7"/>
+          <dgm:constr type="h" for="ch" forName="comp3" refType="w" refFor="ch" refForName="comp3"/>
+          <dgm:constr type="ctrX" for="ch" forName="comp3" refType="ctrX" refFor="ch" refForName="comp1"/>
+          <dgm:constr type="b" for="ch" forName="comp3" refType="b" refFor="ch" refForName="comp1"/>
+          <dgm:constr type="w" for="ch" forName="comp4" refType="w" fact="0.55"/>
+          <dgm:constr type="h" for="ch" forName="comp4" refType="w" refFor="ch" refForName="comp4"/>
+          <dgm:constr type="ctrX" for="ch" forName="comp4" refType="ctrX" refFor="ch" refForName="comp1"/>
+          <dgm:constr type="b" for="ch" forName="comp4" refType="b" refFor="ch" refForName="comp1"/>
+          <dgm:constr type="w" for="ch" forName="comp5" refType="w" fact="0.4"/>
+          <dgm:constr type="h" for="ch" forName="comp5" refType="w" refFor="ch" refForName="comp5"/>
+          <dgm:constr type="ctrX" for="ch" forName="comp5" refType="ctrX" refFor="ch" refForName="comp1"/>
+          <dgm:constr type="b" for="ch" forName="comp5" refType="b" refFor="ch" refForName="comp1"/>
+          <dgm:constr type="w" for="ch" forName="comp6" refType="w" fact="0.25"/>
+          <dgm:constr type="h" for="ch" forName="comp6" refType="w" refFor="ch" refForName="comp6"/>
+          <dgm:constr type="ctrX" for="ch" forName="comp6" refType="ctrX" refFor="ch" refForName="comp1"/>
+          <dgm:constr type="b" for="ch" forName="comp6" refType="b" refFor="ch" refForName="comp1"/>
+          <dgm:constr type="w" for="ch" forName="comp7" refType="w" fact="0.15"/>
+          <dgm:constr type="h" for="ch" forName="comp7" refType="w" refFor="ch" refForName="comp7"/>
+          <dgm:constr type="ctrX" for="ch" forName="comp7" refType="ctrX" refFor="ch" refForName="comp1"/>
+          <dgm:constr type="b" for="ch" forName="comp7" refType="b" refFor="ch" refForName="comp1"/>
+          <dgm:constr type="primFontSz" for="des" ptType="node" op="equ" val="65"/>
+        </dgm:constrLst>
+      </dgm:else>
+    </dgm:choose>
+    <dgm:ruleLst/>
+    <dgm:choose name="Name5">
+      <dgm:if name="Name6" axis="ch" ptType="node" func="cnt" op="gte" val="1">
+        <dgm:layoutNode name="comp1">
+          <dgm:alg type="composite"/>
+          <dgm:shape xmlns:r="http://schemas.openxmlformats.org/officeDocument/2006/relationships" r:blip="">
+            <dgm:adjLst/>
+          </dgm:shape>
+          <dgm:presOf/>
+          <dgm:choose name="Name7">
+            <dgm:if name="Name8" axis="ch" ptType="node" func="cnt" op="equ" val="1">
+              <dgm:constrLst>
+                <dgm:constr type="w" for="ch" forName="circle1" refType="w"/>
+                <dgm:constr type="h" for="ch" forName="circle1" refType="h"/>
+                <dgm:constr type="ctrX" for="ch" forName="circle1" refType="w" fact="0.5"/>
+                <dgm:constr type="ctrY" for="ch" forName="circle1" refType="h" fact="0.5"/>
+                <dgm:constr type="ctrX" for="ch" forName="c1text" refType="w" fact="0.5"/>
+                <dgm:constr type="ctrY" for="ch" forName="c1text" refType="h" fact="0.5"/>
+                <dgm:constr type="w" for="ch" forName="c1text" refType="w" refFor="ch" refForName="circle1" fact="0.70711"/>
+                <dgm:constr type="h" for="ch" forName="c1text" refType="h" refFor="ch" refForName="circle1" fact="0.5"/>
+              </dgm:constrLst>
+            </dgm:if>
+            <dgm:if name="Name9" axis="ch" ptType="node" func="cnt" op="equ" val="2">
+              <dgm:constrLst>
+                <dgm:constr type="w" for="ch" forName="circle1" refType="w"/>
+                <dgm:constr type="h" for="ch" forName="circle1" refType="h"/>
+                <dgm:constr type="ctrX" for="ch" forName="circle1" refType="w" fact="0.5"/>
+                <dgm:constr type="ctrY" for="ch" forName="circle1" refType="h" fact="0.5"/>
+                <dgm:constr type="ctrX" for="ch" forName="c1text" refType="w" fact="0.5"/>
+                <dgm:constr type="ctrY" for="ch" forName="c1text" refType="h" fact="0.16"/>
+                <dgm:constr type="w" for="ch" forName="c1text" refType="w" refFor="ch" refForName="circle1" fact="0.525"/>
+                <dgm:constr type="h" for="ch" forName="c1text" refType="h" refFor="ch" refForName="circle1" fact="0.17"/>
+              </dgm:constrLst>
+            </dgm:if>
+            <dgm:if name="Name10" axis="ch" ptType="node" func="cnt" op="equ" val="3">
+              <dgm:constrLst>
+                <dgm:constr type="w" for="ch" forName="circle1" refType="w"/>
+                <dgm:constr type="h" for="ch" forName="circle1" refType="h"/>
+                <dgm:constr type="ctrX" for="ch" forName="circle1" refType="w" fact="0.5"/>
+                <dgm:constr type="ctrY" for="ch" forName="circle1" refType="h" fact="0.5"/>
+                <dgm:constr type="ctrX" for="ch" forName="c1text" refType="w" fact="0.5"/>
+                <dgm:constr type="ctrY" for="ch" forName="c1text" refType="h" fact="0.125"/>
+                <dgm:constr type="w" for="ch" forName="c1text" refType="w" refFor="ch" refForName="circle1" fact="0.3495"/>
+                <dgm:constr type="h" for="ch" forName="c1text" refType="h" refFor="ch" refForName="circle1" fact="0.15"/>
+              </dgm:constrLst>
+            </dgm:if>
+            <dgm:if name="Name11" axis="ch" ptType="node" func="cnt" op="equ" val="4">
+              <dgm:constrLst>
+                <dgm:constr type="w" for="ch" forName="circle1" refType="w"/>
+                <dgm:constr type="h" for="ch" forName="circle1" refType="h"/>
+                <dgm:constr type="ctrX" for="ch" forName="circle1" refType="w" fact="0.5"/>
+                <dgm:constr type="ctrY" for="ch" forName="circle1" refType="h" fact="0.5"/>
+                <dgm:constr type="ctrX" for="ch" forName="c1text" refType="w" fact="0.5"/>
+                <dgm:constr type="ctrY" for="ch" forName="c1text" refType="h" fact="0.125"/>
+                <dgm:constr type="w" for="ch" forName="c1text" refType="w" refFor="ch" refForName="circle1" fact="0.2796"/>
+                <dgm:constr type="h" for="ch" forName="c1text" refType="h" refFor="ch" refForName="circle1" fact="0.15"/>
+              </dgm:constrLst>
+            </dgm:if>
+            <dgm:if name="Name12" axis="ch" ptType="node" func="cnt" op="gte" val="5">
+              <dgm:constrLst>
+                <dgm:constr type="w" for="ch" forName="circle1" refType="w"/>
+                <dgm:constr type="h" for="ch" forName="circle1" refType="h"/>
+                <dgm:constr type="ctrX" for="ch" forName="circle1" refType="w" fact="0.5"/>
+                <dgm:constr type="ctrY" for="ch" forName="circle1" refType="h" fact="0.5"/>
+                <dgm:constr type="ctrX" for="ch" forName="c1text" refType="w" fact="0.5"/>
+                <dgm:constr type="ctrY" for="ch" forName="c1text" refType="h" fact="0.1"/>
+                <dgm:constr type="w" for="ch" forName="c1text" refType="w" refFor="ch" refForName="circle1" fact="0.375"/>
+                <dgm:constr type="h" for="ch" forName="c1text" refType="h" refFor="ch" refForName="circle1" fact="0.1"/>
+              </dgm:constrLst>
+            </dgm:if>
+            <dgm:else name="Name13"/>
+          </dgm:choose>
+          <dgm:ruleLst/>
+          <dgm:layoutNode name="circle1" styleLbl="node1">
+            <dgm:alg type="sp"/>
+            <dgm:shape xmlns:r="http://schemas.openxmlformats.org/officeDocument/2006/relationships" type="ellipse" r:blip="">
+              <dgm:adjLst/>
+            </dgm:shape>
+            <dgm:presOf axis="ch desOrSelf" ptType="node node" st="1 1" cnt="1 0"/>
+            <dgm:constrLst>
+              <dgm:constr type="h" refType="w"/>
+            </dgm:constrLst>
+            <dgm:ruleLst/>
+          </dgm:layoutNode>
+          <dgm:layoutNode name="c1text">
+            <dgm:varLst>
+              <dgm:bulletEnabled val="1"/>
+            </dgm:varLst>
+            <dgm:alg type="tx"/>
+            <dgm:shape xmlns:r="http://schemas.openxmlformats.org/officeDocument/2006/relationships" type="rect" r:blip="" hideGeom="1">
+              <dgm:adjLst/>
+            </dgm:shape>
+            <dgm:presOf axis="ch desOrSelf" ptType="node node" st="1 1" cnt="1 0"/>
+            <dgm:constrLst/>
+            <dgm:ruleLst>
+              <dgm:rule type="primFontSz" val="5" fact="NaN" max="NaN"/>
+            </dgm:ruleLst>
+          </dgm:layoutNode>
+        </dgm:layoutNode>
+      </dgm:if>
+      <dgm:else name="Name14"/>
+    </dgm:choose>
+    <dgm:choose name="Name15">
+      <dgm:if name="Name16" axis="ch" ptType="node" func="cnt" op="gte" val="2">
+        <dgm:layoutNode name="comp2">
+          <dgm:alg type="composite"/>
+          <dgm:shape xmlns:r="http://schemas.openxmlformats.org/officeDocument/2006/relationships" r:blip="">
+            <dgm:adjLst/>
+          </dgm:shape>
+          <dgm:presOf/>
+          <dgm:choose name="Name17">
+            <dgm:if name="Name18" axis="ch" ptType="node" func="cnt" op="equ" val="2">
+              <dgm:constrLst>
+                <dgm:constr type="w" for="ch" forName="circle2" refType="w"/>
+                <dgm:constr type="h" for="ch" forName="circle2" refType="h"/>
+                <dgm:constr type="ctrX" for="ch" forName="circle2" refType="w" fact="0.5"/>
+                <dgm:constr type="ctrY" for="ch" forName="circle2" refType="h" fact="0.5"/>
+                <dgm:constr type="ctrX" for="ch" forName="c2text" refType="w" fact="0.5"/>
+                <dgm:constr type="ctrY" for="ch" forName="c2text" refType="h" fact="0.5"/>
+                <dgm:constr type="w" for="ch" forName="c2text" refType="w" refFor="ch" refForName="circle2" fact="0.70711"/>
+                <dgm:constr type="h" for="ch" forName="c2text" refType="h" refFor="ch" refForName="circle2" fact="0.5"/>
+              </dgm:constrLst>
+            </dgm:if>
+            <dgm:if name="Name19" axis="ch" ptType="node" func="cnt" op="equ" val="3">
+              <dgm:constrLst>
+                <dgm:constr type="w" for="ch" forName="circle2" refType="w"/>
+                <dgm:constr type="h" for="ch" forName="circle2" refType="h"/>
+                <dgm:constr type="ctrX" for="ch" forName="circle2" refType="w" fact="0.5"/>
+                <dgm:constr type="ctrY" for="ch" forName="circle2" refType="h" fact="0.5"/>
+                <dgm:constr type="ctrX" for="ch" forName="c2text" refType="w" fact="0.5"/>
+                <dgm:constr type="ctrY" for="ch" forName="c2text" refType="h" fact="0.15625"/>
+                <dgm:constr type="w" for="ch" forName="c2text" refType="w" refFor="ch" refForName="circle2" fact="0.466"/>
+                <dgm:constr type="h" for="ch" forName="c2text" refType="h" refFor="ch" refForName="circle2" fact="0.1875"/>
+              </dgm:constrLst>
+            </dgm:if>
+            <dgm:if name="Name20" axis="ch" ptType="node" func="cnt" op="equ" val="4">
+              <dgm:constrLst>
+                <dgm:constr type="w" for="ch" forName="circle2" refType="w"/>
+                <dgm:constr type="h" for="ch" forName="circle2" refType="h"/>
+                <dgm:constr type="ctrX" for="ch" forName="circle2" refType="w" fact="0.5"/>
+                <dgm:constr type="ctrY" for="ch" forName="circle2" refType="h" fact="0.5"/>
+                <dgm:constr type="ctrX" for="ch" forName="c2text" refType="w" fact="0.5"/>
+                <dgm:constr type="ctrY" for="ch" forName="c2text" refType="h" fact="0.15"/>
+                <dgm:constr type="w" for="ch" forName="c2text" refType="w" refFor="ch" refForName="circle2" fact="0.3495"/>
+                <dgm:constr type="h" for="ch" forName="c2text" refType="h" refFor="ch" refForName="circle2" fact="0.18"/>
+              </dgm:constrLst>
+            </dgm:if>
+            <dgm:if name="Name21" axis="ch" ptType="node" func="cnt" op="gte" val="5">
+              <dgm:constrLst>
+                <dgm:constr type="w" for="ch" forName="circle2" refType="w"/>
+                <dgm:constr type="h" for="ch" forName="circle2" refType="h"/>
+                <dgm:constr type="ctrX" for="ch" forName="circle2" refType="w" fact="0.5"/>
+                <dgm:constr type="ctrY" for="ch" forName="circle2" refType="h" fact="0.5"/>
+                <dgm:constr type="ctrX" for="ch" forName="c2text" refType="w" fact="0.5"/>
+                <dgm:constr type="ctrY" for="ch" forName="c2text" refType="h" fact="0.115"/>
+                <dgm:constr type="w" for="ch" forName="c2text" refType="w" refFor="ch" refForName="circle2" fact="0.43125"/>
+                <dgm:constr type="h" for="ch" forName="c2text" refType="h" refFor="ch" refForName="circle2" fact="0.115"/>
+              </dgm:constrLst>
+            </dgm:if>
+            <dgm:else name="Name22"/>
+          </dgm:choose>
+          <dgm:ruleLst/>
+          <dgm:layoutNode name="circle2" styleLbl="node1">
+            <dgm:alg type="sp"/>
+            <dgm:shape xmlns:r="http://schemas.openxmlformats.org/officeDocument/2006/relationships" type="ellipse" r:blip="">
+              <dgm:adjLst/>
+            </dgm:shape>
+            <dgm:presOf axis="ch desOrSelf" ptType="node node" st="2 1" cnt="1 0"/>
+            <dgm:constrLst>
+              <dgm:constr type="h" refType="w"/>
+            </dgm:constrLst>
+            <dgm:ruleLst/>
+          </dgm:layoutNode>
+          <dgm:layoutNode name="c2text">
+            <dgm:varLst>
+              <dgm:bulletEnabled val="1"/>
+            </dgm:varLst>
+            <dgm:alg type="tx"/>
+            <dgm:shape xmlns:r="http://schemas.openxmlformats.org/officeDocument/2006/relationships" type="rect" r:blip="" hideGeom="1">
+              <dgm:adjLst/>
+            </dgm:shape>
+            <dgm:presOf axis="ch desOrSelf" ptType="node node" st="2 1" cnt="1 0"/>
+            <dgm:constrLst/>
+            <dgm:ruleLst>
+              <dgm:rule type="primFontSz" val="5" fact="NaN" max="NaN"/>
+            </dgm:ruleLst>
+          </dgm:layoutNode>
+        </dgm:layoutNode>
+      </dgm:if>
+      <dgm:else name="Name23"/>
+    </dgm:choose>
+    <dgm:choose name="Name24">
+      <dgm:if name="Name25" axis="ch" ptType="node" func="cnt" op="gte" val="3">
+        <dgm:layoutNode name="comp3">
+          <dgm:alg type="composite"/>
+          <dgm:shape xmlns:r="http://schemas.openxmlformats.org/officeDocument/2006/relationships" r:blip="">
+            <dgm:adjLst/>
+          </dgm:shape>
+          <dgm:presOf/>
+          <dgm:choose name="Name26">
+            <dgm:if name="Name27" axis="ch" ptType="node" func="cnt" op="equ" val="3">
+              <dgm:constrLst>
+                <dgm:constr type="w" for="ch" forName="circle3" refType="w"/>
+                <dgm:constr type="h" for="ch" forName="circle3" refType="h"/>
+                <dgm:constr type="ctrX" for="ch" forName="circle3" refType="w" fact="0.5"/>
+                <dgm:constr type="ctrY" for="ch" forName="circle3" refType="h" fact="0.5"/>
+                <dgm:constr type="ctrX" for="ch" forName="c3text" refType="w" fact="0.5"/>
+                <dgm:constr type="ctrY" for="ch" forName="c3text" refType="h" fact="0.5"/>
+                <dgm:constr type="w" for="ch" forName="c3text" refType="w" refFor="ch" refForName="circle3" fact="0.70711"/>
+                <dgm:constr type="h" for="ch" forName="c3text" refType="h" refFor="ch" refForName="circle3" fact="0.5"/>
+              </dgm:constrLst>
+            </dgm:if>
+            <dgm:if name="Name28" axis="ch" ptType="node" func="cnt" op="equ" val="4">
+              <dgm:constrLst>
+                <dgm:constr type="w" for="ch" forName="circle3" refType="w"/>
+                <dgm:constr type="h" for="ch" forName="circle3" refType="h"/>
+                <dgm:constr type="ctrX" for="ch" forName="circle3" refType="w" fact="0.5"/>
+                <dgm:constr type="ctrY" for="ch" forName="circle3" refType="h" fact="0.5"/>
+                <dgm:constr type="ctrX" for="ch" forName="c3text" refType="w" fact="0.5"/>
+                <dgm:constr type="ctrY" for="ch" forName="c3text" refType="h" fact="0.1875"/>
+                <dgm:constr type="w" for="ch" forName="c3text" refType="w" refFor="ch" refForName="circle3" fact="0.466"/>
+                <dgm:constr type="h" for="ch" forName="c3text" refType="h" refFor="ch" refForName="circle3" fact="0.225"/>
+              </dgm:constrLst>
+            </dgm:if>
+            <dgm:if name="Name29" axis="ch" ptType="node" func="cnt" op="gte" val="5">
+              <dgm:constrLst>
+                <dgm:constr type="w" for="ch" forName="circle3" refType="w"/>
+                <dgm:constr type="h" for="ch" forName="circle3" refType="h"/>
+                <dgm:constr type="ctrX" for="ch" forName="circle3" refType="w" fact="0.5"/>
+                <dgm:constr type="ctrY" for="ch" forName="circle3" refType="h" fact="0.5"/>
+                <dgm:constr type="ctrX" for="ch" forName="c3text" refType="w" fact="0.5"/>
+                <dgm:constr type="ctrY" for="ch" forName="c3text" refType="h" fact="0.138"/>
+                <dgm:constr type="w" for="ch" forName="c3text" refType="w" refFor="ch" refForName="circle3" fact="0.5175"/>
+                <dgm:constr type="h" for="ch" forName="c3text" refType="h" refFor="ch" refForName="circle3" fact="0.138"/>
+              </dgm:constrLst>
+            </dgm:if>
+            <dgm:else name="Name30"/>
+          </dgm:choose>
+          <dgm:ruleLst/>
+          <dgm:layoutNode name="circle3" styleLbl="node1">
+            <dgm:alg type="sp"/>
+            <dgm:shape xmlns:r="http://schemas.openxmlformats.org/officeDocument/2006/relationships" type="ellipse" r:blip="">
+              <dgm:adjLst/>
+            </dgm:shape>
+            <dgm:presOf axis="ch desOrSelf" ptType="node node" st="3 1" cnt="1 0"/>
+            <dgm:constrLst>
+              <dgm:constr type="h" refType="w"/>
+            </dgm:constrLst>
+            <dgm:ruleLst/>
+          </dgm:layoutNode>
+          <dgm:layoutNode name="c3text">
+            <dgm:varLst>
+              <dgm:bulletEnabled val="1"/>
+            </dgm:varLst>
+            <dgm:alg type="tx"/>
+            <dgm:shape xmlns:r="http://schemas.openxmlformats.org/officeDocument/2006/relationships" type="rect" r:blip="" hideGeom="1">
+              <dgm:adjLst/>
+            </dgm:shape>
+            <dgm:presOf axis="ch desOrSelf" ptType="node node" st="3 1" cnt="1 0"/>
+            <dgm:constrLst/>
+            <dgm:ruleLst>
+              <dgm:rule type="primFontSz" val="5" fact="NaN" max="NaN"/>
+            </dgm:ruleLst>
+          </dgm:layoutNode>
+        </dgm:layoutNode>
+      </dgm:if>
+      <dgm:else name="Name31"/>
+    </dgm:choose>
+    <dgm:choose name="Name32">
+      <dgm:if name="Name33" axis="ch" ptType="node" func="cnt" op="gte" val="4">
+        <dgm:layoutNode name="comp4">
+          <dgm:alg type="composite"/>
+          <dgm:shape xmlns:r="http://schemas.openxmlformats.org/officeDocument/2006/relationships" r:blip="">
+            <dgm:adjLst/>
+          </dgm:shape>
+          <dgm:presOf/>
+          <dgm:choose name="Name34">
+            <dgm:if name="Name35" axis="ch" ptType="node" func="cnt" op="equ" val="4">
+              <dgm:constrLst>
+                <dgm:constr type="w" for="ch" forName="circle4" refType="w"/>
+                <dgm:constr type="h" for="ch" forName="circle4" refType="h"/>
+                <dgm:constr type="ctrX" for="ch" forName="circle4" refType="w" fact="0.5"/>
+                <dgm:constr type="ctrY" for="ch" forName="circle4" refType="h" fact="0.5"/>
+                <dgm:constr type="ctrX" for="ch" forName="c4text" refType="w" fact="0.5"/>
+                <dgm:constr type="ctrY" for="ch" forName="c4text" refType="h" fact="0.5"/>
+                <dgm:constr type="w" for="ch" forName="c4text" refType="w" refFor="ch" refForName="circle4" fact="0.70711"/>
+                <dgm:constr type="h" for="ch" forName="c4text" refType="h" refFor="ch" refForName="circle4" fact="0.5"/>
+              </dgm:constrLst>
+            </dgm:if>
+            <dgm:if name="Name36" axis="ch" ptType="node" func="cnt" op="gte" val="5">
+              <dgm:constrLst>
+                <dgm:constr type="w" for="ch" forName="circle4" refType="w"/>
+                <dgm:constr type="h" for="ch" forName="circle4" refType="h"/>
+                <dgm:constr type="ctrX" for="ch" forName="circle4" refType="w" fact="0.5"/>
+                <dgm:constr type="ctrY" for="ch" forName="circle4" refType="h" fact="0.5"/>
+                <dgm:constr type="ctrX" for="ch" forName="c4text" refType="w" fact="0.5"/>
+                <dgm:constr type="ctrY" for="ch" forName="c4text" refType="h" fact="0.18"/>
+                <dgm:constr type="w" for="ch" forName="c4text" refType="w" refFor="ch" refForName="circle4" fact="0.54"/>
+                <dgm:constr type="h" for="ch" forName="c4text" refType="h" refFor="ch" refForName="circle4" fact="0.18"/>
+              </dgm:constrLst>
+            </dgm:if>
+            <dgm:else name="Name37"/>
+          </dgm:choose>
+          <dgm:ruleLst/>
+          <dgm:layoutNode name="circle4" styleLbl="node1">
+            <dgm:alg type="sp"/>
+            <dgm:shape xmlns:r="http://schemas.openxmlformats.org/officeDocument/2006/relationships" type="ellipse" r:blip="">
+              <dgm:adjLst/>
+            </dgm:shape>
+            <dgm:presOf axis="ch desOrSelf" ptType="node node" st="4 1" cnt="1 0"/>
+            <dgm:constrLst>
+              <dgm:constr type="h" refType="w"/>
+            </dgm:constrLst>
+            <dgm:ruleLst/>
+          </dgm:layoutNode>
+          <dgm:layoutNode name="c4text">
+            <dgm:varLst>
+              <dgm:bulletEnabled val="1"/>
+            </dgm:varLst>
+            <dgm:alg type="tx"/>
+            <dgm:shape xmlns:r="http://schemas.openxmlformats.org/officeDocument/2006/relationships" type="rect" r:blip="" hideGeom="1">
+              <dgm:adjLst/>
+            </dgm:shape>
+            <dgm:presOf axis="ch desOrSelf" ptType="node node" st="4 1" cnt="1 0"/>
+            <dgm:constrLst/>
+            <dgm:ruleLst>
+              <dgm:rule type="primFontSz" val="5" fact="NaN" max="NaN"/>
+            </dgm:ruleLst>
+          </dgm:layoutNode>
+        </dgm:layoutNode>
+      </dgm:if>
+      <dgm:else name="Name38"/>
+    </dgm:choose>
+    <dgm:choose name="Name39">
+      <dgm:if name="Name40" axis="ch" ptType="node" func="cnt" op="gte" val="5">
+        <dgm:layoutNode name="comp5">
+          <dgm:alg type="composite"/>
+          <dgm:shape xmlns:r="http://schemas.openxmlformats.org/officeDocument/2006/relationships" r:blip="">
+            <dgm:adjLst/>
+          </dgm:shape>
+          <dgm:presOf/>
+          <dgm:choose name="Name41">
+            <dgm:if name="Name42" axis="ch" ptType="node" func="cnt" op="equ" val="5">
+              <dgm:constrLst>
+                <dgm:constr type="w" for="ch" forName="circle5" refType="w"/>
+                <dgm:constr type="h" for="ch" forName="circle5" refType="h"/>
+                <dgm:constr type="ctrX" for="ch" forName="circle5" refType="w" fact="0.5"/>
+                <dgm:constr type="ctrY" for="ch" forName="circle5" refType="h" fact="0.5"/>
+                <dgm:constr type="ctrX" for="ch" forName="c5text" refType="w" fact="0.5"/>
+                <dgm:constr type="ctrY" for="ch" forName="c5text" refType="h" fact="0.5"/>
+                <dgm:constr type="w" for="ch" forName="c5text" refType="w" refFor="ch" refForName="circle5" fact="0.70711"/>
+                <dgm:constr type="h" for="ch" forName="c5text" refType="h" refFor="ch" refForName="circle5" fact="0.5"/>
+              </dgm:constrLst>
+            </dgm:if>
+            <dgm:if name="Name43" axis="ch" ptType="node" func="cnt" op="gte" val="6">
+              <dgm:constrLst>
+                <dgm:constr type="w" for="ch" forName="circle5" refType="w"/>
+                <dgm:constr type="h" for="ch" forName="circle5" refType="h"/>
+                <dgm:constr type="ctrX" for="ch" forName="circle5" refType="w" fact="0.5"/>
+                <dgm:constr type="ctrY" for="ch" forName="circle5" refType="h" fact="0.5"/>
+                <dgm:constr type="ctrX" for="ch" forName="c5text" refType="w" fact="0.5"/>
+                <dgm:constr type="ctrY" for="ch" forName="c5text" refType="h" fact="0.25"/>
+                <dgm:constr type="w" for="ch" forName="c5text" refType="w" refFor="ch" refForName="circle5" fact="0.65"/>
+                <dgm:constr type="h" for="ch" forName="c5text" refType="h" refFor="ch" refForName="circle5" fact="0.25"/>
+              </dgm:constrLst>
+            </dgm:if>
+            <dgm:else name="Name44"/>
+          </dgm:choose>
+          <dgm:ruleLst/>
+          <dgm:layoutNode name="circle5" styleLbl="node1">
+            <dgm:alg type="sp"/>
+            <dgm:shape xmlns:r="http://schemas.openxmlformats.org/officeDocument/2006/relationships" type="ellipse" r:blip="">
+              <dgm:adjLst/>
+            </dgm:shape>
+            <dgm:presOf axis="ch desOrSelf" ptType="node node" st="5 1" cnt="1 0"/>
+            <dgm:constrLst>
+              <dgm:constr type="h" refType="w"/>
+            </dgm:constrLst>
+            <dgm:ruleLst/>
+          </dgm:layoutNode>
+          <dgm:layoutNode name="c5text">
+            <dgm:varLst>
+              <dgm:bulletEnabled val="1"/>
+            </dgm:varLst>
+            <dgm:alg type="tx"/>
+            <dgm:shape xmlns:r="http://schemas.openxmlformats.org/officeDocument/2006/relationships" type="rect" r:blip="" hideGeom="1">
+              <dgm:adjLst/>
+            </dgm:shape>
+            <dgm:presOf axis="ch desOrSelf" ptType="node node" st="5 1" cnt="1 0"/>
+            <dgm:constrLst/>
+            <dgm:ruleLst>
+              <dgm:rule type="primFontSz" val="5" fact="NaN" max="NaN"/>
+            </dgm:ruleLst>
+          </dgm:layoutNode>
+        </dgm:layoutNode>
+      </dgm:if>
+      <dgm:else name="Name45"/>
+    </dgm:choose>
+    <dgm:choose name="Name46">
+      <dgm:if name="Name47" axis="ch" ptType="node" func="cnt" op="gte" val="6">
+        <dgm:layoutNode name="comp6">
+          <dgm:alg type="composite"/>
+          <dgm:shape xmlns:r="http://schemas.openxmlformats.org/officeDocument/2006/relationships" r:blip="">
+            <dgm:adjLst/>
+          </dgm:shape>
+          <dgm:presOf/>
+          <dgm:choose name="Name48">
+            <dgm:if name="Name49" axis="ch" ptType="node" func="cnt" op="equ" val="6">
+              <dgm:constrLst>
+                <dgm:constr type="w" for="ch" forName="circle6" refType="w"/>
+                <dgm:constr type="h" for="ch" forName="circle6" refType="h"/>
+                <dgm:constr type="ctrX" for="ch" forName="circle6" refType="w" fact="0.5"/>
+                <dgm:constr type="ctrY" for="ch" forName="circle6" refType="h" fact="0.5"/>
+                <dgm:constr type="ctrX" for="ch" forName="c6text" refType="w" fact="0.5"/>
+                <dgm:constr type="ctrY" for="ch" forName="c6text" refType="h" fact="0.5"/>
+                <dgm:constr type="w" for="ch" forName="c6text" refType="w" refFor="ch" refForName="circle6" fact="0.70711"/>
+                <dgm:constr type="h" for="ch" forName="c6text" refType="h" refFor="ch" refForName="circle6" fact="0.5"/>
+              </dgm:constrLst>
+            </dgm:if>
+            <dgm:if name="Name50" axis="ch" ptType="node" func="cnt" op="gte" val="7">
+              <dgm:constrLst>
+                <dgm:constr type="w" for="ch" forName="circle6" refType="w"/>
+                <dgm:constr type="h" for="ch" forName="circle6" refType="h"/>
+                <dgm:constr type="ctrX" for="ch" forName="circle6" refType="w" fact="0.5"/>
+                <dgm:constr type="ctrY" for="ch" forName="circle6" refType="h" fact="0.5"/>
+                <dgm:constr type="ctrX" for="ch" forName="c6text" refType="w" fact="0.5"/>
+                <dgm:constr type="ctrY" for="ch" forName="c6text" refType="h" fact="0.27"/>
+                <dgm:constr type="w" for="ch" forName="c6text" refType="w" refFor="ch" refForName="circle6" fact="0.68"/>
+                <dgm:constr type="h" for="ch" forName="c6text" refType="h" refFor="ch" refForName="circle6" fact="0.241"/>
+              </dgm:constrLst>
+            </dgm:if>
+            <dgm:else name="Name51"/>
+          </dgm:choose>
+          <dgm:ruleLst/>
+          <dgm:layoutNode name="circle6" styleLbl="node1">
+            <dgm:alg type="sp"/>
+            <dgm:shape xmlns:r="http://schemas.openxmlformats.org/officeDocument/2006/relationships" type="ellipse" r:blip="">
+              <dgm:adjLst/>
+            </dgm:shape>
+            <dgm:presOf axis="ch desOrSelf" ptType="node node" st="6 1" cnt="1 0"/>
+            <dgm:constrLst>
+              <dgm:constr type="h" refType="w"/>
+            </dgm:constrLst>
+            <dgm:ruleLst/>
+          </dgm:layoutNode>
+          <dgm:layoutNode name="c6text">
+            <dgm:varLst>
+              <dgm:bulletEnabled val="1"/>
+            </dgm:varLst>
+            <dgm:alg type="tx"/>
+            <dgm:shape xmlns:r="http://schemas.openxmlformats.org/officeDocument/2006/relationships" type="rect" r:blip="" hideGeom="1">
+              <dgm:adjLst/>
+            </dgm:shape>
+            <dgm:presOf axis="ch desOrSelf" ptType="node node" st="6 1" cnt="1 0"/>
+            <dgm:constrLst/>
+            <dgm:ruleLst>
+              <dgm:rule type="primFontSz" val="5" fact="NaN" max="NaN"/>
+            </dgm:ruleLst>
+          </dgm:layoutNode>
+        </dgm:layoutNode>
+      </dgm:if>
+      <dgm:else name="Name52"/>
+    </dgm:choose>
+    <dgm:choose name="Name53">
+      <dgm:if name="Name54" axis="ch" ptType="node" func="cnt" op="gte" val="7">
+        <dgm:layoutNode name="comp7">
+          <dgm:alg type="composite"/>
+          <dgm:shape xmlns:r="http://schemas.openxmlformats.org/officeDocument/2006/relationships" r:blip="">
+            <dgm:adjLst/>
+          </dgm:shape>
+          <dgm:presOf/>
+          <dgm:constrLst>
+            <dgm:constr type="w" for="ch" forName="circle7" refType="w"/>
+            <dgm:constr type="h" for="ch" forName="circle7" refType="h"/>
+            <dgm:constr type="ctrX" for="ch" forName="circle7" refType="w" fact="0.5"/>
+            <dgm:constr type="ctrY" for="ch" forName="circle7" refType="h" fact="0.5"/>
+            <dgm:constr type="ctrX" for="ch" forName="c7text" refType="w" fact="0.5"/>
+            <dgm:constr type="ctrY" for="ch" forName="c7text" refType="h" fact="0.5"/>
+            <dgm:constr type="w" for="ch" forName="c7text" refType="w" refFor="ch" refForName="circle7" fact="0.70711"/>
+            <dgm:constr type="h" for="ch" forName="c7text" refType="h" refFor="ch" refForName="circle7" fact="0.5"/>
+          </dgm:constrLst>
+          <dgm:ruleLst/>
+          <dgm:layoutNode name="circle7" styleLbl="node1">
+            <dgm:alg type="sp"/>
+            <dgm:shape xmlns:r="http://schemas.openxmlformats.org/officeDocument/2006/relationships" type="ellipse" r:blip="">
+              <dgm:adjLst/>
+            </dgm:shape>
+            <dgm:presOf axis="ch desOrSelf" ptType="node node" st="7 1" cnt="1 0"/>
+            <dgm:constrLst>
+              <dgm:constr type="h" refType="w"/>
+            </dgm:constrLst>
+            <dgm:ruleLst/>
+          </dgm:layoutNode>
+          <dgm:layoutNode name="c7text">
+            <dgm:varLst>
+              <dgm:bulletEnabled val="1"/>
+            </dgm:varLst>
+            <dgm:alg type="tx"/>
+            <dgm:shape xmlns:r="http://schemas.openxmlformats.org/officeDocument/2006/relationships" type="rect" r:blip="" hideGeom="1">
+              <dgm:adjLst/>
+            </dgm:shape>
+            <dgm:presOf axis="ch desOrSelf" ptType="node node" st="7 1" cnt="1 0"/>
+            <dgm:constrLst/>
+            <dgm:ruleLst>
+              <dgm:rule type="primFontSz" val="5" fact="NaN" max="NaN"/>
+            </dgm:ruleLst>
+          </dgm:layoutNode>
+        </dgm:layoutNode>
+      </dgm:if>
+      <dgm:else name="Name55"/>
+    </dgm:choose>
+  </dgm:layoutNode>
+</dgm:layoutDef>
+</file>
+
 <file path=ppt/diagrams/layout2.xml><?xml version="1.0" encoding="utf-8"?>
 <dgm:layoutDef xmlns:dgm="http://schemas.openxmlformats.org/drawingml/2006/diagram" xmlns:a="http://schemas.openxmlformats.org/drawingml/2006/main" uniqueId="urn:microsoft.com/office/officeart/2008/layout/LinedList">
   <dgm:title val=""/>
@@ -29523,6 +30989,1040 @@
 </dgm:styleDef>
 </file>
 
+<file path=ppt/diagrams/quickStyle12.xml><?xml version="1.0" encoding="utf-8"?>
+<dgm:styleDef xmlns:dgm="http://schemas.openxmlformats.org/drawingml/2006/diagram" xmlns:a="http://schemas.openxmlformats.org/drawingml/2006/main" uniqueId="urn:microsoft.com/office/officeart/2005/8/quickstyle/simple1">
+  <dgm:title val=""/>
+  <dgm:desc val=""/>
+  <dgm:catLst>
+    <dgm:cat type="simple" pri="10100"/>
+  </dgm:catLst>
+  <dgm:scene3d>
+    <a:camera prst="orthographicFront"/>
+    <a:lightRig rig="threePt" dir="t"/>
+  </dgm:scene3d>
+  <dgm:styleLbl name="node0">
+    <dgm:scene3d>
+      <a:camera prst="orthographicFront"/>
+      <a:lightRig rig="threePt" dir="t"/>
+    </dgm:scene3d>
+    <dgm:sp3d/>
+    <dgm:txPr/>
+    <dgm:style>
+      <a:lnRef idx="2">
+        <a:scrgbClr r="0" g="0" b="0"/>
+      </a:lnRef>
+      <a:fillRef idx="1">
+        <a:scrgbClr r="0" g="0" b="0"/>
+      </a:fillRef>
+      <a:effectRef idx="0">
+        <a:scrgbClr r="0" g="0" b="0"/>
+      </a:effectRef>
+      <a:fontRef idx="minor">
+        <a:schemeClr val="lt1"/>
+      </a:fontRef>
+    </dgm:style>
+  </dgm:styleLbl>
+  <dgm:styleLbl name="lnNode1">
+    <dgm:scene3d>
+      <a:camera prst="orthographicFront"/>
+      <a:lightRig rig="threePt" dir="t"/>
+    </dgm:scene3d>
+    <dgm:sp3d/>
+    <dgm:txPr/>
+    <dgm:style>
+      <a:lnRef idx="2">
+        <a:scrgbClr r="0" g="0" b="0"/>
+      </a:lnRef>
+      <a:fillRef idx="1">
+        <a:scrgbClr r="0" g="0" b="0"/>
+      </a:fillRef>
+      <a:effectRef idx="0">
+        <a:scrgbClr r="0" g="0" b="0"/>
+      </a:effectRef>
+      <a:fontRef idx="minor">
+        <a:schemeClr val="lt1"/>
+      </a:fontRef>
+    </dgm:style>
+  </dgm:styleLbl>
+  <dgm:styleLbl name="vennNode1">
+    <dgm:scene3d>
+      <a:camera prst="orthographicFront"/>
+      <a:lightRig rig="threePt" dir="t"/>
+    </dgm:scene3d>
+    <dgm:sp3d/>
+    <dgm:txPr/>
+    <dgm:style>
+      <a:lnRef idx="2">
+        <a:scrgbClr r="0" g="0" b="0"/>
+      </a:lnRef>
+      <a:fillRef idx="1">
+        <a:scrgbClr r="0" g="0" b="0"/>
+      </a:fillRef>
+      <a:effectRef idx="0">
+        <a:scrgbClr r="0" g="0" b="0"/>
+      </a:effectRef>
+      <a:fontRef idx="minor">
+        <a:schemeClr val="tx1"/>
+      </a:fontRef>
+    </dgm:style>
+  </dgm:styleLbl>
+  <dgm:styleLbl name="alignNode1">
+    <dgm:scene3d>
+      <a:camera prst="orthographicFront"/>
+      <a:lightRig rig="threePt" dir="t"/>
+    </dgm:scene3d>
+    <dgm:sp3d/>
+    <dgm:txPr/>
+    <dgm:style>
+      <a:lnRef idx="2">
+        <a:scrgbClr r="0" g="0" b="0"/>
+      </a:lnRef>
+      <a:fillRef idx="1">
+        <a:scrgbClr r="0" g="0" b="0"/>
+      </a:fillRef>
+      <a:effectRef idx="0">
+        <a:scrgbClr r="0" g="0" b="0"/>
+      </a:effectRef>
+      <a:fontRef idx="minor">
+        <a:schemeClr val="lt1"/>
+      </a:fontRef>
+    </dgm:style>
+  </dgm:styleLbl>
+  <dgm:styleLbl name="node1">
+    <dgm:scene3d>
+      <a:camera prst="orthographicFront"/>
+      <a:lightRig rig="threePt" dir="t"/>
+    </dgm:scene3d>
+    <dgm:sp3d/>
+    <dgm:txPr/>
+    <dgm:style>
+      <a:lnRef idx="2">
+        <a:scrgbClr r="0" g="0" b="0"/>
+      </a:lnRef>
+      <a:fillRef idx="1">
+        <a:scrgbClr r="0" g="0" b="0"/>
+      </a:fillRef>
+      <a:effectRef idx="0">
+        <a:scrgbClr r="0" g="0" b="0"/>
+      </a:effectRef>
+      <a:fontRef idx="minor">
+        <a:schemeClr val="lt1"/>
+      </a:fontRef>
+    </dgm:style>
+  </dgm:styleLbl>
+  <dgm:styleLbl name="node2">
+    <dgm:scene3d>
+      <a:camera prst="orthographicFront"/>
+      <a:lightRig rig="threePt" dir="t"/>
+    </dgm:scene3d>
+    <dgm:sp3d/>
+    <dgm:txPr/>
+    <dgm:style>
+      <a:lnRef idx="2">
+        <a:scrgbClr r="0" g="0" b="0"/>
+      </a:lnRef>
+      <a:fillRef idx="1">
+        <a:scrgbClr r="0" g="0" b="0"/>
+      </a:fillRef>
+      <a:effectRef idx="0">
+        <a:scrgbClr r="0" g="0" b="0"/>
+      </a:effectRef>
+      <a:fontRef idx="minor">
+        <a:schemeClr val="lt1"/>
+      </a:fontRef>
+    </dgm:style>
+  </dgm:styleLbl>
+  <dgm:styleLbl name="node3">
+    <dgm:scene3d>
+      <a:camera prst="orthographicFront"/>
+      <a:lightRig rig="threePt" dir="t"/>
+    </dgm:scene3d>
+    <dgm:sp3d/>
+    <dgm:txPr/>
+    <dgm:style>
+      <a:lnRef idx="2">
+        <a:scrgbClr r="0" g="0" b="0"/>
+      </a:lnRef>
+      <a:fillRef idx="1">
+        <a:scrgbClr r="0" g="0" b="0"/>
+      </a:fillRef>
+      <a:effectRef idx="0">
+        <a:scrgbClr r="0" g="0" b="0"/>
+      </a:effectRef>
+      <a:fontRef idx="minor">
+        <a:schemeClr val="lt1"/>
+      </a:fontRef>
+    </dgm:style>
+  </dgm:styleLbl>
+  <dgm:styleLbl name="node4">
+    <dgm:scene3d>
+      <a:camera prst="orthographicFront"/>
+      <a:lightRig rig="threePt" dir="t"/>
+    </dgm:scene3d>
+    <dgm:sp3d/>
+    <dgm:txPr/>
+    <dgm:style>
+      <a:lnRef idx="2">
+        <a:scrgbClr r="0" g="0" b="0"/>
+      </a:lnRef>
+      <a:fillRef idx="1">
+        <a:scrgbClr r="0" g="0" b="0"/>
+      </a:fillRef>
+      <a:effectRef idx="0">
+        <a:scrgbClr r="0" g="0" b="0"/>
+      </a:effectRef>
+      <a:fontRef idx="minor">
+        <a:schemeClr val="lt1"/>
+      </a:fontRef>
+    </dgm:style>
+  </dgm:styleLbl>
+  <dgm:styleLbl name="fgImgPlace1">
+    <dgm:scene3d>
+      <a:camera prst="orthographicFront"/>
+      <a:lightRig rig="threePt" dir="t"/>
+    </dgm:scene3d>
+    <dgm:sp3d/>
+    <dgm:txPr/>
+    <dgm:style>
+      <a:lnRef idx="2">
+        <a:scrgbClr r="0" g="0" b="0"/>
+      </a:lnRef>
+      <a:fillRef idx="1">
+        <a:scrgbClr r="0" g="0" b="0"/>
+      </a:fillRef>
+      <a:effectRef idx="0">
+        <a:scrgbClr r="0" g="0" b="0"/>
+      </a:effectRef>
+      <a:fontRef idx="minor"/>
+    </dgm:style>
+  </dgm:styleLbl>
+  <dgm:styleLbl name="alignImgPlace1">
+    <dgm:scene3d>
+      <a:camera prst="orthographicFront"/>
+      <a:lightRig rig="threePt" dir="t"/>
+    </dgm:scene3d>
+    <dgm:sp3d/>
+    <dgm:txPr/>
+    <dgm:style>
+      <a:lnRef idx="2">
+        <a:scrgbClr r="0" g="0" b="0"/>
+      </a:lnRef>
+      <a:fillRef idx="1">
+        <a:scrgbClr r="0" g="0" b="0"/>
+      </a:fillRef>
+      <a:effectRef idx="0">
+        <a:scrgbClr r="0" g="0" b="0"/>
+      </a:effectRef>
+      <a:fontRef idx="minor"/>
+    </dgm:style>
+  </dgm:styleLbl>
+  <dgm:styleLbl name="bgImgPlace1">
+    <dgm:scene3d>
+      <a:camera prst="orthographicFront"/>
+      <a:lightRig rig="threePt" dir="t"/>
+    </dgm:scene3d>
+    <dgm:sp3d/>
+    <dgm:txPr/>
+    <dgm:style>
+      <a:lnRef idx="2">
+        <a:scrgbClr r="0" g="0" b="0"/>
+      </a:lnRef>
+      <a:fillRef idx="1">
+        <a:scrgbClr r="0" g="0" b="0"/>
+      </a:fillRef>
+      <a:effectRef idx="0">
+        <a:scrgbClr r="0" g="0" b="0"/>
+      </a:effectRef>
+      <a:fontRef idx="minor"/>
+    </dgm:style>
+  </dgm:styleLbl>
+  <dgm:styleLbl name="sibTrans2D1">
+    <dgm:scene3d>
+      <a:camera prst="orthographicFront"/>
+      <a:lightRig rig="threePt" dir="t"/>
+    </dgm:scene3d>
+    <dgm:sp3d/>
+    <dgm:txPr/>
+    <dgm:style>
+      <a:lnRef idx="0">
+        <a:scrgbClr r="0" g="0" b="0"/>
+      </a:lnRef>
+      <a:fillRef idx="1">
+        <a:scrgbClr r="0" g="0" b="0"/>
+      </a:fillRef>
+      <a:effectRef idx="0">
+        <a:scrgbClr r="0" g="0" b="0"/>
+      </a:effectRef>
+      <a:fontRef idx="minor">
+        <a:schemeClr val="lt1"/>
+      </a:fontRef>
+    </dgm:style>
+  </dgm:styleLbl>
+  <dgm:styleLbl name="fgSibTrans2D1">
+    <dgm:scene3d>
+      <a:camera prst="orthographicFront"/>
+      <a:lightRig rig="threePt" dir="t"/>
+    </dgm:scene3d>
+    <dgm:sp3d/>
+    <dgm:txPr/>
+    <dgm:style>
+      <a:lnRef idx="0">
+        <a:scrgbClr r="0" g="0" b="0"/>
+      </a:lnRef>
+      <a:fillRef idx="1">
+        <a:scrgbClr r="0" g="0" b="0"/>
+      </a:fillRef>
+      <a:effectRef idx="0">
+        <a:scrgbClr r="0" g="0" b="0"/>
+      </a:effectRef>
+      <a:fontRef idx="minor">
+        <a:schemeClr val="lt1"/>
+      </a:fontRef>
+    </dgm:style>
+  </dgm:styleLbl>
+  <dgm:styleLbl name="bgSibTrans2D1">
+    <dgm:scene3d>
+      <a:camera prst="orthographicFront"/>
+      <a:lightRig rig="threePt" dir="t"/>
+    </dgm:scene3d>
+    <dgm:sp3d/>
+    <dgm:txPr/>
+    <dgm:style>
+      <a:lnRef idx="0">
+        <a:scrgbClr r="0" g="0" b="0"/>
+      </a:lnRef>
+      <a:fillRef idx="1">
+        <a:scrgbClr r="0" g="0" b="0"/>
+      </a:fillRef>
+      <a:effectRef idx="0">
+        <a:scrgbClr r="0" g="0" b="0"/>
+      </a:effectRef>
+      <a:fontRef idx="minor">
+        <a:schemeClr val="lt1"/>
+      </a:fontRef>
+    </dgm:style>
+  </dgm:styleLbl>
+  <dgm:styleLbl name="sibTrans1D1">
+    <dgm:scene3d>
+      <a:camera prst="orthographicFront"/>
+      <a:lightRig rig="threePt" dir="t"/>
+    </dgm:scene3d>
+    <dgm:sp3d/>
+    <dgm:txPr/>
+    <dgm:style>
+      <a:lnRef idx="1">
+        <a:scrgbClr r="0" g="0" b="0"/>
+      </a:lnRef>
+      <a:fillRef idx="0">
+        <a:scrgbClr r="0" g="0" b="0"/>
+      </a:fillRef>
+      <a:effectRef idx="0">
+        <a:scrgbClr r="0" g="0" b="0"/>
+      </a:effectRef>
+      <a:fontRef idx="minor"/>
+    </dgm:style>
+  </dgm:styleLbl>
+  <dgm:styleLbl name="callout">
+    <dgm:scene3d>
+      <a:camera prst="orthographicFront"/>
+      <a:lightRig rig="threePt" dir="t"/>
+    </dgm:scene3d>
+    <dgm:sp3d/>
+    <dgm:txPr/>
+    <dgm:style>
+      <a:lnRef idx="2">
+        <a:scrgbClr r="0" g="0" b="0"/>
+      </a:lnRef>
+      <a:fillRef idx="1">
+        <a:scrgbClr r="0" g="0" b="0"/>
+      </a:fillRef>
+      <a:effectRef idx="0">
+        <a:scrgbClr r="0" g="0" b="0"/>
+      </a:effectRef>
+      <a:fontRef idx="minor"/>
+    </dgm:style>
+  </dgm:styleLbl>
+  <dgm:styleLbl name="asst0">
+    <dgm:scene3d>
+      <a:camera prst="orthographicFront"/>
+      <a:lightRig rig="threePt" dir="t"/>
+    </dgm:scene3d>
+    <dgm:sp3d/>
+    <dgm:txPr/>
+    <dgm:style>
+      <a:lnRef idx="2">
+        <a:scrgbClr r="0" g="0" b="0"/>
+      </a:lnRef>
+      <a:fillRef idx="1">
+        <a:scrgbClr r="0" g="0" b="0"/>
+      </a:fillRef>
+      <a:effectRef idx="0">
+        <a:scrgbClr r="0" g="0" b="0"/>
+      </a:effectRef>
+      <a:fontRef idx="minor">
+        <a:schemeClr val="lt1"/>
+      </a:fontRef>
+    </dgm:style>
+  </dgm:styleLbl>
+  <dgm:styleLbl name="asst1">
+    <dgm:scene3d>
+      <a:camera prst="orthographicFront"/>
+      <a:lightRig rig="threePt" dir="t"/>
+    </dgm:scene3d>
+    <dgm:sp3d/>
+    <dgm:txPr/>
+    <dgm:style>
+      <a:lnRef idx="2">
+        <a:scrgbClr r="0" g="0" b="0"/>
+      </a:lnRef>
+      <a:fillRef idx="1">
+        <a:scrgbClr r="0" g="0" b="0"/>
+      </a:fillRef>
+      <a:effectRef idx="0">
+        <a:scrgbClr r="0" g="0" b="0"/>
+      </a:effectRef>
+      <a:fontRef idx="minor">
+        <a:schemeClr val="lt1"/>
+      </a:fontRef>
+    </dgm:style>
+  </dgm:styleLbl>
+  <dgm:styleLbl name="asst2">
+    <dgm:scene3d>
+      <a:camera prst="orthographicFront"/>
+      <a:lightRig rig="threePt" dir="t"/>
+    </dgm:scene3d>
+    <dgm:sp3d/>
+    <dgm:txPr/>
+    <dgm:style>
+      <a:lnRef idx="2">
+        <a:scrgbClr r="0" g="0" b="0"/>
+      </a:lnRef>
+      <a:fillRef idx="1">
+        <a:scrgbClr r="0" g="0" b="0"/>
+      </a:fillRef>
+      <a:effectRef idx="0">
+        <a:scrgbClr r="0" g="0" b="0"/>
+      </a:effectRef>
+      <a:fontRef idx="minor">
+        <a:schemeClr val="lt1"/>
+      </a:fontRef>
+    </dgm:style>
+  </dgm:styleLbl>
+  <dgm:styleLbl name="asst3">
+    <dgm:scene3d>
+      <a:camera prst="orthographicFront"/>
+      <a:lightRig rig="threePt" dir="t"/>
+    </dgm:scene3d>
+    <dgm:sp3d/>
+    <dgm:txPr/>
+    <dgm:style>
+      <a:lnRef idx="2">
+        <a:scrgbClr r="0" g="0" b="0"/>
+      </a:lnRef>
+      <a:fillRef idx="1">
+        <a:scrgbClr r="0" g="0" b="0"/>
+      </a:fillRef>
+      <a:effectRef idx="0">
+        <a:scrgbClr r="0" g="0" b="0"/>
+      </a:effectRef>
+      <a:fontRef idx="minor">
+        <a:schemeClr val="lt1"/>
+      </a:fontRef>
+    </dgm:style>
+  </dgm:styleLbl>
+  <dgm:styleLbl name="asst4">
+    <dgm:scene3d>
+      <a:camera prst="orthographicFront"/>
+      <a:lightRig rig="threePt" dir="t"/>
+    </dgm:scene3d>
+    <dgm:sp3d/>
+    <dgm:txPr/>
+    <dgm:style>
+      <a:lnRef idx="2">
+        <a:scrgbClr r="0" g="0" b="0"/>
+      </a:lnRef>
+      <a:fillRef idx="1">
+        <a:scrgbClr r="0" g="0" b="0"/>
+      </a:fillRef>
+      <a:effectRef idx="0">
+        <a:scrgbClr r="0" g="0" b="0"/>
+      </a:effectRef>
+      <a:fontRef idx="minor">
+        <a:schemeClr val="lt1"/>
+      </a:fontRef>
+    </dgm:style>
+  </dgm:styleLbl>
+  <dgm:styleLbl name="parChTrans2D1">
+    <dgm:scene3d>
+      <a:camera prst="orthographicFront"/>
+      <a:lightRig rig="threePt" dir="t"/>
+    </dgm:scene3d>
+    <dgm:sp3d/>
+    <dgm:txPr/>
+    <dgm:style>
+      <a:lnRef idx="2">
+        <a:scrgbClr r="0" g="0" b="0"/>
+      </a:lnRef>
+      <a:fillRef idx="1">
+        <a:scrgbClr r="0" g="0" b="0"/>
+      </a:fillRef>
+      <a:effectRef idx="0">
+        <a:scrgbClr r="0" g="0" b="0"/>
+      </a:effectRef>
+      <a:fontRef idx="minor">
+        <a:schemeClr val="lt1"/>
+      </a:fontRef>
+    </dgm:style>
+  </dgm:styleLbl>
+  <dgm:styleLbl name="parChTrans2D2">
+    <dgm:scene3d>
+      <a:camera prst="orthographicFront"/>
+      <a:lightRig rig="threePt" dir="t"/>
+    </dgm:scene3d>
+    <dgm:sp3d/>
+    <dgm:txPr/>
+    <dgm:style>
+      <a:lnRef idx="2">
+        <a:scrgbClr r="0" g="0" b="0"/>
+      </a:lnRef>
+      <a:fillRef idx="1">
+        <a:scrgbClr r="0" g="0" b="0"/>
+      </a:fillRef>
+      <a:effectRef idx="0">
+        <a:scrgbClr r="0" g="0" b="0"/>
+      </a:effectRef>
+      <a:fontRef idx="minor">
+        <a:schemeClr val="lt1"/>
+      </a:fontRef>
+    </dgm:style>
+  </dgm:styleLbl>
+  <dgm:styleLbl name="parChTrans2D3">
+    <dgm:scene3d>
+      <a:camera prst="orthographicFront"/>
+      <a:lightRig rig="threePt" dir="t"/>
+    </dgm:scene3d>
+    <dgm:sp3d/>
+    <dgm:txPr/>
+    <dgm:style>
+      <a:lnRef idx="2">
+        <a:scrgbClr r="0" g="0" b="0"/>
+      </a:lnRef>
+      <a:fillRef idx="1">
+        <a:scrgbClr r="0" g="0" b="0"/>
+      </a:fillRef>
+      <a:effectRef idx="0">
+        <a:scrgbClr r="0" g="0" b="0"/>
+      </a:effectRef>
+      <a:fontRef idx="minor">
+        <a:schemeClr val="lt1"/>
+      </a:fontRef>
+    </dgm:style>
+  </dgm:styleLbl>
+  <dgm:styleLbl name="parChTrans2D4">
+    <dgm:scene3d>
+      <a:camera prst="orthographicFront"/>
+      <a:lightRig rig="threePt" dir="t"/>
+    </dgm:scene3d>
+    <dgm:sp3d/>
+    <dgm:txPr/>
+    <dgm:style>
+      <a:lnRef idx="2">
+        <a:scrgbClr r="0" g="0" b="0"/>
+      </a:lnRef>
+      <a:fillRef idx="1">
+        <a:scrgbClr r="0" g="0" b="0"/>
+      </a:fillRef>
+      <a:effectRef idx="0">
+        <a:scrgbClr r="0" g="0" b="0"/>
+      </a:effectRef>
+      <a:fontRef idx="minor">
+        <a:schemeClr val="lt1"/>
+      </a:fontRef>
+    </dgm:style>
+  </dgm:styleLbl>
+  <dgm:styleLbl name="parChTrans1D1">
+    <dgm:scene3d>
+      <a:camera prst="orthographicFront"/>
+      <a:lightRig rig="threePt" dir="t"/>
+    </dgm:scene3d>
+    <dgm:sp3d/>
+    <dgm:txPr/>
+    <dgm:style>
+      <a:lnRef idx="2">
+        <a:scrgbClr r="0" g="0" b="0"/>
+      </a:lnRef>
+      <a:fillRef idx="0">
+        <a:scrgbClr r="0" g="0" b="0"/>
+      </a:fillRef>
+      <a:effectRef idx="0">
+        <a:scrgbClr r="0" g="0" b="0"/>
+      </a:effectRef>
+      <a:fontRef idx="minor"/>
+    </dgm:style>
+  </dgm:styleLbl>
+  <dgm:styleLbl name="parChTrans1D2">
+    <dgm:scene3d>
+      <a:camera prst="orthographicFront"/>
+      <a:lightRig rig="threePt" dir="t"/>
+    </dgm:scene3d>
+    <dgm:sp3d/>
+    <dgm:txPr/>
+    <dgm:style>
+      <a:lnRef idx="2">
+        <a:scrgbClr r="0" g="0" b="0"/>
+      </a:lnRef>
+      <a:fillRef idx="0">
+        <a:scrgbClr r="0" g="0" b="0"/>
+      </a:fillRef>
+      <a:effectRef idx="0">
+        <a:scrgbClr r="0" g="0" b="0"/>
+      </a:effectRef>
+      <a:fontRef idx="minor"/>
+    </dgm:style>
+  </dgm:styleLbl>
+  <dgm:styleLbl name="parChTrans1D3">
+    <dgm:scene3d>
+      <a:camera prst="orthographicFront"/>
+      <a:lightRig rig="threePt" dir="t"/>
+    </dgm:scene3d>
+    <dgm:sp3d/>
+    <dgm:txPr/>
+    <dgm:style>
+      <a:lnRef idx="2">
+        <a:scrgbClr r="0" g="0" b="0"/>
+      </a:lnRef>
+      <a:fillRef idx="0">
+        <a:scrgbClr r="0" g="0" b="0"/>
+      </a:fillRef>
+      <a:effectRef idx="0">
+        <a:scrgbClr r="0" g="0" b="0"/>
+      </a:effectRef>
+      <a:fontRef idx="minor"/>
+    </dgm:style>
+  </dgm:styleLbl>
+  <dgm:styleLbl name="parChTrans1D4">
+    <dgm:scene3d>
+      <a:camera prst="orthographicFront"/>
+      <a:lightRig rig="threePt" dir="t"/>
+    </dgm:scene3d>
+    <dgm:sp3d/>
+    <dgm:txPr/>
+    <dgm:style>
+      <a:lnRef idx="2">
+        <a:scrgbClr r="0" g="0" b="0"/>
+      </a:lnRef>
+      <a:fillRef idx="0">
+        <a:scrgbClr r="0" g="0" b="0"/>
+      </a:fillRef>
+      <a:effectRef idx="0">
+        <a:scrgbClr r="0" g="0" b="0"/>
+      </a:effectRef>
+      <a:fontRef idx="minor"/>
+    </dgm:style>
+  </dgm:styleLbl>
+  <dgm:styleLbl name="fgAcc1">
+    <dgm:scene3d>
+      <a:camera prst="orthographicFront"/>
+      <a:lightRig rig="threePt" dir="t"/>
+    </dgm:scene3d>
+    <dgm:sp3d/>
+    <dgm:txPr/>
+    <dgm:style>
+      <a:lnRef idx="2">
+        <a:scrgbClr r="0" g="0" b="0"/>
+      </a:lnRef>
+      <a:fillRef idx="1">
+        <a:scrgbClr r="0" g="0" b="0"/>
+      </a:fillRef>
+      <a:effectRef idx="0">
+        <a:scrgbClr r="0" g="0" b="0"/>
+      </a:effectRef>
+      <a:fontRef idx="minor"/>
+    </dgm:style>
+  </dgm:styleLbl>
+  <dgm:styleLbl name="conFgAcc1">
+    <dgm:scene3d>
+      <a:camera prst="orthographicFront"/>
+      <a:lightRig rig="threePt" dir="t"/>
+    </dgm:scene3d>
+    <dgm:sp3d/>
+    <dgm:txPr/>
+    <dgm:style>
+      <a:lnRef idx="2">
+        <a:scrgbClr r="0" g="0" b="0"/>
+      </a:lnRef>
+      <a:fillRef idx="1">
+        <a:scrgbClr r="0" g="0" b="0"/>
+      </a:fillRef>
+      <a:effectRef idx="0">
+        <a:scrgbClr r="0" g="0" b="0"/>
+      </a:effectRef>
+      <a:fontRef idx="minor"/>
+    </dgm:style>
+  </dgm:styleLbl>
+  <dgm:styleLbl name="alignAcc1">
+    <dgm:scene3d>
+      <a:camera prst="orthographicFront"/>
+      <a:lightRig rig="threePt" dir="t"/>
+    </dgm:scene3d>
+    <dgm:sp3d/>
+    <dgm:txPr/>
+    <dgm:style>
+      <a:lnRef idx="2">
+        <a:scrgbClr r="0" g="0" b="0"/>
+      </a:lnRef>
+      <a:fillRef idx="1">
+        <a:scrgbClr r="0" g="0" b="0"/>
+      </a:fillRef>
+      <a:effectRef idx="0">
+        <a:scrgbClr r="0" g="0" b="0"/>
+      </a:effectRef>
+      <a:fontRef idx="minor"/>
+    </dgm:style>
+  </dgm:styleLbl>
+  <dgm:styleLbl name="trAlignAcc1">
+    <dgm:scene3d>
+      <a:camera prst="orthographicFront"/>
+      <a:lightRig rig="threePt" dir="t"/>
+    </dgm:scene3d>
+    <dgm:sp3d/>
+    <dgm:txPr/>
+    <dgm:style>
+      <a:lnRef idx="1">
+        <a:scrgbClr r="0" g="0" b="0"/>
+      </a:lnRef>
+      <a:fillRef idx="1">
+        <a:scrgbClr r="0" g="0" b="0"/>
+      </a:fillRef>
+      <a:effectRef idx="0">
+        <a:scrgbClr r="0" g="0" b="0"/>
+      </a:effectRef>
+      <a:fontRef idx="minor"/>
+    </dgm:style>
+  </dgm:styleLbl>
+  <dgm:styleLbl name="bgAcc1">
+    <dgm:scene3d>
+      <a:camera prst="orthographicFront"/>
+      <a:lightRig rig="threePt" dir="t"/>
+    </dgm:scene3d>
+    <dgm:sp3d/>
+    <dgm:txPr/>
+    <dgm:style>
+      <a:lnRef idx="2">
+        <a:scrgbClr r="0" g="0" b="0"/>
+      </a:lnRef>
+      <a:fillRef idx="1">
+        <a:scrgbClr r="0" g="0" b="0"/>
+      </a:fillRef>
+      <a:effectRef idx="0">
+        <a:scrgbClr r="0" g="0" b="0"/>
+      </a:effectRef>
+      <a:fontRef idx="minor"/>
+    </dgm:style>
+  </dgm:styleLbl>
+  <dgm:styleLbl name="solidFgAcc1">
+    <dgm:scene3d>
+      <a:camera prst="orthographicFront"/>
+      <a:lightRig rig="threePt" dir="t"/>
+    </dgm:scene3d>
+    <dgm:sp3d/>
+    <dgm:txPr/>
+    <dgm:style>
+      <a:lnRef idx="2">
+        <a:scrgbClr r="0" g="0" b="0"/>
+      </a:lnRef>
+      <a:fillRef idx="1">
+        <a:scrgbClr r="0" g="0" b="0"/>
+      </a:fillRef>
+      <a:effectRef idx="0">
+        <a:scrgbClr r="0" g="0" b="0"/>
+      </a:effectRef>
+      <a:fontRef idx="minor"/>
+    </dgm:style>
+  </dgm:styleLbl>
+  <dgm:styleLbl name="solidAlignAcc1">
+    <dgm:scene3d>
+      <a:camera prst="orthographicFront"/>
+      <a:lightRig rig="threePt" dir="t"/>
+    </dgm:scene3d>
+    <dgm:sp3d/>
+    <dgm:txPr/>
+    <dgm:style>
+      <a:lnRef idx="2">
+        <a:scrgbClr r="0" g="0" b="0"/>
+      </a:lnRef>
+      <a:fillRef idx="1">
+        <a:scrgbClr r="0" g="0" b="0"/>
+      </a:fillRef>
+      <a:effectRef idx="0">
+        <a:scrgbClr r="0" g="0" b="0"/>
+      </a:effectRef>
+      <a:fontRef idx="minor"/>
+    </dgm:style>
+  </dgm:styleLbl>
+  <dgm:styleLbl name="solidBgAcc1">
+    <dgm:scene3d>
+      <a:camera prst="orthographicFront"/>
+      <a:lightRig rig="threePt" dir="t"/>
+    </dgm:scene3d>
+    <dgm:sp3d/>
+    <dgm:txPr/>
+    <dgm:style>
+      <a:lnRef idx="2">
+        <a:scrgbClr r="0" g="0" b="0"/>
+      </a:lnRef>
+      <a:fillRef idx="1">
+        <a:scrgbClr r="0" g="0" b="0"/>
+      </a:fillRef>
+      <a:effectRef idx="0">
+        <a:scrgbClr r="0" g="0" b="0"/>
+      </a:effectRef>
+      <a:fontRef idx="minor"/>
+    </dgm:style>
+  </dgm:styleLbl>
+  <dgm:styleLbl name="fgAccFollowNode1">
+    <dgm:scene3d>
+      <a:camera prst="orthographicFront"/>
+      <a:lightRig rig="threePt" dir="t"/>
+    </dgm:scene3d>
+    <dgm:sp3d/>
+    <dgm:txPr/>
+    <dgm:style>
+      <a:lnRef idx="2">
+        <a:scrgbClr r="0" g="0" b="0"/>
+      </a:lnRef>
+      <a:fillRef idx="1">
+        <a:scrgbClr r="0" g="0" b="0"/>
+      </a:fillRef>
+      <a:effectRef idx="0">
+        <a:scrgbClr r="0" g="0" b="0"/>
+      </a:effectRef>
+      <a:fontRef idx="minor"/>
+    </dgm:style>
+  </dgm:styleLbl>
+  <dgm:styleLbl name="alignAccFollowNode1">
+    <dgm:scene3d>
+      <a:camera prst="orthographicFront"/>
+      <a:lightRig rig="threePt" dir="t"/>
+    </dgm:scene3d>
+    <dgm:sp3d/>
+    <dgm:txPr/>
+    <dgm:style>
+      <a:lnRef idx="2">
+        <a:scrgbClr r="0" g="0" b="0"/>
+      </a:lnRef>
+      <a:fillRef idx="1">
+        <a:scrgbClr r="0" g="0" b="0"/>
+      </a:fillRef>
+      <a:effectRef idx="0">
+        <a:scrgbClr r="0" g="0" b="0"/>
+      </a:effectRef>
+      <a:fontRef idx="minor"/>
+    </dgm:style>
+  </dgm:styleLbl>
+  <dgm:styleLbl name="bgAccFollowNode1">
+    <dgm:scene3d>
+      <a:camera prst="orthographicFront"/>
+      <a:lightRig rig="threePt" dir="t"/>
+    </dgm:scene3d>
+    <dgm:sp3d/>
+    <dgm:txPr/>
+    <dgm:style>
+      <a:lnRef idx="2">
+        <a:scrgbClr r="0" g="0" b="0"/>
+      </a:lnRef>
+      <a:fillRef idx="1">
+        <a:scrgbClr r="0" g="0" b="0"/>
+      </a:fillRef>
+      <a:effectRef idx="0">
+        <a:scrgbClr r="0" g="0" b="0"/>
+      </a:effectRef>
+      <a:fontRef idx="minor"/>
+    </dgm:style>
+  </dgm:styleLbl>
+  <dgm:styleLbl name="fgAcc0">
+    <dgm:scene3d>
+      <a:camera prst="orthographicFront"/>
+      <a:lightRig rig="threePt" dir="t"/>
+    </dgm:scene3d>
+    <dgm:sp3d/>
+    <dgm:txPr/>
+    <dgm:style>
+      <a:lnRef idx="2">
+        <a:scrgbClr r="0" g="0" b="0"/>
+      </a:lnRef>
+      <a:fillRef idx="1">
+        <a:scrgbClr r="0" g="0" b="0"/>
+      </a:fillRef>
+      <a:effectRef idx="0">
+        <a:scrgbClr r="0" g="0" b="0"/>
+      </a:effectRef>
+      <a:fontRef idx="minor"/>
+    </dgm:style>
+  </dgm:styleLbl>
+  <dgm:styleLbl name="fgAcc2">
+    <dgm:scene3d>
+      <a:camera prst="orthographicFront"/>
+      <a:lightRig rig="threePt" dir="t"/>
+    </dgm:scene3d>
+    <dgm:sp3d/>
+    <dgm:txPr/>
+    <dgm:style>
+      <a:lnRef idx="2">
+        <a:scrgbClr r="0" g="0" b="0"/>
+      </a:lnRef>
+      <a:fillRef idx="1">
+        <a:scrgbClr r="0" g="0" b="0"/>
+      </a:fillRef>
+      <a:effectRef idx="0">
+        <a:scrgbClr r="0" g="0" b="0"/>
+      </a:effectRef>
+      <a:fontRef idx="minor"/>
+    </dgm:style>
+  </dgm:styleLbl>
+  <dgm:styleLbl name="fgAcc3">
+    <dgm:scene3d>
+      <a:camera prst="orthographicFront"/>
+      <a:lightRig rig="threePt" dir="t"/>
+    </dgm:scene3d>
+    <dgm:sp3d/>
+    <dgm:txPr/>
+    <dgm:style>
+      <a:lnRef idx="2">
+        <a:scrgbClr r="0" g="0" b="0"/>
+      </a:lnRef>
+      <a:fillRef idx="1">
+        <a:scrgbClr r="0" g="0" b="0"/>
+      </a:fillRef>
+      <a:effectRef idx="0">
+        <a:scrgbClr r="0" g="0" b="0"/>
+      </a:effectRef>
+      <a:fontRef idx="minor"/>
+    </dgm:style>
+  </dgm:styleLbl>
+  <dgm:styleLbl name="fgAcc4">
+    <dgm:scene3d>
+      <a:camera prst="orthographicFront"/>
+      <a:lightRig rig="threePt" dir="t"/>
+    </dgm:scene3d>
+    <dgm:sp3d/>
+    <dgm:txPr/>
+    <dgm:style>
+      <a:lnRef idx="2">
+        <a:scrgbClr r="0" g="0" b="0"/>
+      </a:lnRef>
+      <a:fillRef idx="1">
+        <a:scrgbClr r="0" g="0" b="0"/>
+      </a:fillRef>
+      <a:effectRef idx="0">
+        <a:scrgbClr r="0" g="0" b="0"/>
+      </a:effectRef>
+      <a:fontRef idx="minor"/>
+    </dgm:style>
+  </dgm:styleLbl>
+  <dgm:styleLbl name="bgShp">
+    <dgm:scene3d>
+      <a:camera prst="orthographicFront"/>
+      <a:lightRig rig="threePt" dir="t"/>
+    </dgm:scene3d>
+    <dgm:sp3d/>
+    <dgm:txPr/>
+    <dgm:style>
+      <a:lnRef idx="0">
+        <a:scrgbClr r="0" g="0" b="0"/>
+      </a:lnRef>
+      <a:fillRef idx="1">
+        <a:scrgbClr r="0" g="0" b="0"/>
+      </a:fillRef>
+      <a:effectRef idx="0">
+        <a:scrgbClr r="0" g="0" b="0"/>
+      </a:effectRef>
+      <a:fontRef idx="minor"/>
+    </dgm:style>
+  </dgm:styleLbl>
+  <dgm:styleLbl name="dkBgShp">
+    <dgm:scene3d>
+      <a:camera prst="orthographicFront"/>
+      <a:lightRig rig="threePt" dir="t"/>
+    </dgm:scene3d>
+    <dgm:sp3d/>
+    <dgm:txPr/>
+    <dgm:style>
+      <a:lnRef idx="0">
+        <a:scrgbClr r="0" g="0" b="0"/>
+      </a:lnRef>
+      <a:fillRef idx="1">
+        <a:scrgbClr r="0" g="0" b="0"/>
+      </a:fillRef>
+      <a:effectRef idx="0">
+        <a:scrgbClr r="0" g="0" b="0"/>
+      </a:effectRef>
+      <a:fontRef idx="minor"/>
+    </dgm:style>
+  </dgm:styleLbl>
+  <dgm:styleLbl name="trBgShp">
+    <dgm:scene3d>
+      <a:camera prst="orthographicFront"/>
+      <a:lightRig rig="threePt" dir="t"/>
+    </dgm:scene3d>
+    <dgm:sp3d/>
+    <dgm:txPr/>
+    <dgm:style>
+      <a:lnRef idx="0">
+        <a:scrgbClr r="0" g="0" b="0"/>
+      </a:lnRef>
+      <a:fillRef idx="1">
+        <a:scrgbClr r="0" g="0" b="0"/>
+      </a:fillRef>
+      <a:effectRef idx="0">
+        <a:scrgbClr r="0" g="0" b="0"/>
+      </a:effectRef>
+      <a:fontRef idx="minor"/>
+    </dgm:style>
+  </dgm:styleLbl>
+  <dgm:styleLbl name="fgShp">
+    <dgm:scene3d>
+      <a:camera prst="orthographicFront"/>
+      <a:lightRig rig="threePt" dir="t"/>
+    </dgm:scene3d>
+    <dgm:sp3d/>
+    <dgm:txPr/>
+    <dgm:style>
+      <a:lnRef idx="2">
+        <a:scrgbClr r="0" g="0" b="0"/>
+      </a:lnRef>
+      <a:fillRef idx="1">
+        <a:scrgbClr r="0" g="0" b="0"/>
+      </a:fillRef>
+      <a:effectRef idx="0">
+        <a:scrgbClr r="0" g="0" b="0"/>
+      </a:effectRef>
+      <a:fontRef idx="minor"/>
+    </dgm:style>
+  </dgm:styleLbl>
+  <dgm:styleLbl name="revTx">
+    <dgm:scene3d>
+      <a:camera prst="orthographicFront"/>
+      <a:lightRig rig="threePt" dir="t"/>
+    </dgm:scene3d>
+    <dgm:sp3d/>
+    <dgm:txPr/>
+    <dgm:style>
+      <a:lnRef idx="0">
+        <a:scrgbClr r="0" g="0" b="0"/>
+      </a:lnRef>
+      <a:fillRef idx="0">
+        <a:scrgbClr r="0" g="0" b="0"/>
+      </a:fillRef>
+      <a:effectRef idx="0">
+        <a:scrgbClr r="0" g="0" b="0"/>
+      </a:effectRef>
+      <a:fontRef idx="minor"/>
+    </dgm:style>
+  </dgm:styleLbl>
+</dgm:styleDef>
+</file>
+
 <file path=ppt/diagrams/quickStyle2.xml><?xml version="1.0" encoding="utf-8"?>
 <dgm:styleDef xmlns:dgm="http://schemas.openxmlformats.org/drawingml/2006/diagram" xmlns:a="http://schemas.openxmlformats.org/drawingml/2006/main" uniqueId="urn:microsoft.com/office/officeart/2005/8/quickstyle/simple1">
   <dgm:title val=""/>
@@ -37944,7 +40444,7 @@
           <a:p>
             <a:fld id="{A50AC2E7-8F4D-554A-901E-6A4499ED67A8}" type="datetimeFigureOut">
               <a:rPr lang="sv-SE" smtClean="0"/>
-              <a:t>2021-04-21</a:t>
+              <a:t>2021-04-22</a:t>
             </a:fld>
             <a:endParaRPr lang="sv-SE"/>
           </a:p>
@@ -38119,7 +40619,7 @@
           <a:p>
             <a:fld id="{A50AC2E7-8F4D-554A-901E-6A4499ED67A8}" type="datetimeFigureOut">
               <a:rPr lang="sv-SE" smtClean="0"/>
-              <a:t>2021-04-21</a:t>
+              <a:t>2021-04-22</a:t>
             </a:fld>
             <a:endParaRPr lang="sv-SE"/>
           </a:p>
@@ -38304,7 +40804,7 @@
           <a:p>
             <a:fld id="{A50AC2E7-8F4D-554A-901E-6A4499ED67A8}" type="datetimeFigureOut">
               <a:rPr lang="sv-SE" smtClean="0"/>
-              <a:t>2021-04-21</a:t>
+              <a:t>2021-04-22</a:t>
             </a:fld>
             <a:endParaRPr lang="sv-SE"/>
           </a:p>
@@ -38479,7 +40979,7 @@
           <a:p>
             <a:fld id="{A50AC2E7-8F4D-554A-901E-6A4499ED67A8}" type="datetimeFigureOut">
               <a:rPr lang="sv-SE" smtClean="0"/>
-              <a:t>2021-04-21</a:t>
+              <a:t>2021-04-22</a:t>
             </a:fld>
             <a:endParaRPr lang="sv-SE"/>
           </a:p>
@@ -38759,7 +41259,7 @@
           <a:p>
             <a:fld id="{A50AC2E7-8F4D-554A-901E-6A4499ED67A8}" type="datetimeFigureOut">
               <a:rPr lang="sv-SE" smtClean="0"/>
-              <a:t>2021-04-21</a:t>
+              <a:t>2021-04-22</a:t>
             </a:fld>
             <a:endParaRPr lang="sv-SE"/>
           </a:p>
@@ -38977,7 +41477,7 @@
           <a:p>
             <a:fld id="{A50AC2E7-8F4D-554A-901E-6A4499ED67A8}" type="datetimeFigureOut">
               <a:rPr lang="sv-SE" smtClean="0"/>
-              <a:t>2021-04-21</a:t>
+              <a:t>2021-04-22</a:t>
             </a:fld>
             <a:endParaRPr lang="sv-SE"/>
           </a:p>
@@ -39355,7 +41855,7 @@
           <a:p>
             <a:fld id="{A50AC2E7-8F4D-554A-901E-6A4499ED67A8}" type="datetimeFigureOut">
               <a:rPr lang="sv-SE" smtClean="0"/>
-              <a:t>2021-04-21</a:t>
+              <a:t>2021-04-22</a:t>
             </a:fld>
             <a:endParaRPr lang="sv-SE"/>
           </a:p>
@@ -39497,7 +41997,7 @@
           <a:p>
             <a:fld id="{A50AC2E7-8F4D-554A-901E-6A4499ED67A8}" type="datetimeFigureOut">
               <a:rPr lang="sv-SE" smtClean="0"/>
-              <a:t>2021-04-21</a:t>
+              <a:t>2021-04-22</a:t>
             </a:fld>
             <a:endParaRPr lang="sv-SE"/>
           </a:p>
@@ -39610,7 +42110,7 @@
           <a:p>
             <a:fld id="{A50AC2E7-8F4D-554A-901E-6A4499ED67A8}" type="datetimeFigureOut">
               <a:rPr lang="sv-SE" smtClean="0"/>
-              <a:t>2021-04-21</a:t>
+              <a:t>2021-04-22</a:t>
             </a:fld>
             <a:endParaRPr lang="sv-SE"/>
           </a:p>
@@ -39902,7 +42402,7 @@
           <a:p>
             <a:fld id="{A50AC2E7-8F4D-554A-901E-6A4499ED67A8}" type="datetimeFigureOut">
               <a:rPr lang="sv-SE" smtClean="0"/>
-              <a:t>2021-04-21</a:t>
+              <a:t>2021-04-22</a:t>
             </a:fld>
             <a:endParaRPr lang="sv-SE"/>
           </a:p>
@@ -40200,7 +42700,7 @@
           <a:p>
             <a:fld id="{A50AC2E7-8F4D-554A-901E-6A4499ED67A8}" type="datetimeFigureOut">
               <a:rPr lang="sv-SE" smtClean="0"/>
-              <a:t>2021-04-21</a:t>
+              <a:t>2021-04-22</a:t>
             </a:fld>
             <a:endParaRPr lang="sv-SE"/>
           </a:p>
@@ -40448,7 +42948,7 @@
           <a:p>
             <a:fld id="{A50AC2E7-8F4D-554A-901E-6A4499ED67A8}" type="datetimeFigureOut">
               <a:rPr lang="sv-SE" smtClean="0"/>
-              <a:t>2021-04-21</a:t>
+              <a:t>2021-04-22</a:t>
             </a:fld>
             <a:endParaRPr lang="sv-SE"/>
           </a:p>
@@ -40900,7 +43400,7 @@
         </p:blipFill>
         <p:spPr>
           <a:xfrm>
-            <a:off x="368968" y="1085514"/>
+            <a:off x="0" y="1075488"/>
             <a:ext cx="12169758" cy="4753812"/>
           </a:xfrm>
           <a:prstGeom prst="rect">
@@ -41066,6 +43566,266 @@
         <a:gradFill flip="none" rotWithShape="1">
           <a:gsLst>
             <a:gs pos="0">
+              <a:schemeClr val="accent6">
+                <a:lumMod val="5000"/>
+                <a:lumOff val="95000"/>
+              </a:schemeClr>
+            </a:gs>
+            <a:gs pos="74000">
+              <a:schemeClr val="accent6">
+                <a:lumMod val="45000"/>
+                <a:lumOff val="55000"/>
+              </a:schemeClr>
+            </a:gs>
+            <a:gs pos="83000">
+              <a:schemeClr val="accent6">
+                <a:lumMod val="45000"/>
+                <a:lumOff val="55000"/>
+              </a:schemeClr>
+            </a:gs>
+            <a:gs pos="100000">
+              <a:schemeClr val="accent6">
+                <a:lumMod val="30000"/>
+                <a:lumOff val="70000"/>
+              </a:schemeClr>
+            </a:gs>
+          </a:gsLst>
+          <a:lin ang="5400000" scaled="1"/>
+          <a:tileRect/>
+        </a:gradFill>
+        <a:effectLst/>
+      </p:bgPr>
+    </p:bg>
+    <p:spTree>
+      <p:nvGrpSpPr>
+        <p:cNvPr id="1" name=""/>
+        <p:cNvGrpSpPr/>
+        <p:nvPr/>
+      </p:nvGrpSpPr>
+      <p:grpSpPr>
+        <a:xfrm>
+          <a:off x="0" y="0"/>
+          <a:ext cx="0" cy="0"/>
+          <a:chOff x="0" y="0"/>
+          <a:chExt cx="0" cy="0"/>
+        </a:xfrm>
+      </p:grpSpPr>
+      <p:graphicFrame>
+        <p:nvGraphicFramePr>
+          <p:cNvPr id="4" name="Diagram 3">
+            <a:extLst>
+              <a:ext uri="{FF2B5EF4-FFF2-40B4-BE49-F238E27FC236}">
+                <a16:creationId xmlns:a16="http://schemas.microsoft.com/office/drawing/2014/main" id="{D7E22FCD-B510-BC4C-8DAD-3C1F033C772A}"/>
+              </a:ext>
+            </a:extLst>
+          </p:cNvPr>
+          <p:cNvGraphicFramePr/>
+          <p:nvPr>
+            <p:extLst>
+              <p:ext uri="{D42A27DB-BD31-4B8C-83A1-F6EECF244321}">
+                <p14:modId xmlns:p14="http://schemas.microsoft.com/office/powerpoint/2010/main" val="3645283802"/>
+              </p:ext>
+            </p:extLst>
+          </p:nvPr>
+        </p:nvGraphicFramePr>
+        <p:xfrm>
+          <a:off x="426624" y="1289184"/>
+          <a:ext cx="7117176" cy="5568816"/>
+        </p:xfrm>
+        <a:graphic>
+          <a:graphicData uri="http://schemas.openxmlformats.org/drawingml/2006/diagram">
+            <dgm:relIds xmlns:dgm="http://schemas.openxmlformats.org/drawingml/2006/diagram" xmlns:r="http://schemas.openxmlformats.org/officeDocument/2006/relationships" r:dm="rId2" r:lo="rId3" r:qs="rId4" r:cs="rId5"/>
+          </a:graphicData>
+        </a:graphic>
+      </p:graphicFrame>
+      <p:sp>
+        <p:nvSpPr>
+          <p:cNvPr id="5" name="textruta 4">
+            <a:extLst>
+              <a:ext uri="{FF2B5EF4-FFF2-40B4-BE49-F238E27FC236}">
+                <a16:creationId xmlns:a16="http://schemas.microsoft.com/office/drawing/2014/main" id="{3A182EC3-41B9-6246-A106-B0A22895D137}"/>
+              </a:ext>
+            </a:extLst>
+          </p:cNvPr>
+          <p:cNvSpPr txBox="1"/>
+          <p:nvPr/>
+        </p:nvSpPr>
+        <p:spPr>
+          <a:xfrm>
+            <a:off x="201880" y="182320"/>
+            <a:ext cx="2339102" cy="769441"/>
+          </a:xfrm>
+          <a:prstGeom prst="rect">
+            <a:avLst/>
+          </a:prstGeom>
+          <a:noFill/>
+          <a:effectLst/>
+        </p:spPr>
+        <p:txBody>
+          <a:bodyPr wrap="none" rtlCol="0">
+            <a:spAutoFit/>
+          </a:bodyPr>
+          <a:lstStyle/>
+          <a:p>
+            <a:pPr algn="r"/>
+            <a:r>
+              <a:rPr lang="en-US" sz="2800" b="1" dirty="0">
+                <a:effectLst>
+                  <a:outerShdw blurRad="50800" dist="50800" dir="5400000" algn="ctr" rotWithShape="0">
+                    <a:schemeClr val="bg1"/>
+                  </a:outerShdw>
+                </a:effectLst>
+                <a:latin typeface="Arial" panose="020B0604020202020204" pitchFamily="34" charset="0"/>
+                <a:cs typeface="Arial" panose="020B0604020202020204" pitchFamily="34" charset="0"/>
+              </a:rPr>
+              <a:t>front</a:t>
+            </a:r>
+            <a:r>
+              <a:rPr lang="en-US" sz="2400" dirty="0">
+                <a:effectLst>
+                  <a:outerShdw blurRad="50800" dist="50800" dir="5400000" algn="ctr" rotWithShape="0">
+                    <a:schemeClr val="bg1"/>
+                  </a:outerShdw>
+                </a:effectLst>
+                <a:latin typeface="Arial" panose="020B0604020202020204" pitchFamily="34" charset="0"/>
+                <a:cs typeface="Arial" panose="020B0604020202020204" pitchFamily="34" charset="0"/>
+              </a:rPr>
+              <a:t> Business</a:t>
+            </a:r>
+          </a:p>
+          <a:p>
+            <a:r>
+              <a:rPr lang="en-US" sz="1600" dirty="0">
+                <a:solidFill>
+                  <a:schemeClr val="tx1">
+                    <a:lumMod val="85000"/>
+                    <a:lumOff val="15000"/>
+                  </a:schemeClr>
+                </a:solidFill>
+                <a:effectLst>
+                  <a:outerShdw blurRad="50800" dist="50800" dir="5400000" algn="ctr" rotWithShape="0">
+                    <a:schemeClr val="bg1"/>
+                  </a:outerShdw>
+                </a:effectLst>
+                <a:latin typeface="Arial" panose="020B0604020202020204" pitchFamily="34" charset="0"/>
+                <a:cs typeface="Arial" panose="020B0604020202020204" pitchFamily="34" charset="0"/>
+              </a:rPr>
+              <a:t>Pricing model</a:t>
+            </a:r>
+            <a:endParaRPr lang="en-US" sz="1400" dirty="0">
+              <a:solidFill>
+                <a:schemeClr val="tx1">
+                  <a:lumMod val="85000"/>
+                  <a:lumOff val="15000"/>
+                </a:schemeClr>
+              </a:solidFill>
+              <a:effectLst>
+                <a:outerShdw blurRad="50800" dist="50800" dir="5400000" algn="ctr" rotWithShape="0">
+                  <a:schemeClr val="bg1"/>
+                </a:outerShdw>
+              </a:effectLst>
+              <a:latin typeface="Arial" panose="020B0604020202020204" pitchFamily="34" charset="0"/>
+              <a:cs typeface="Arial" panose="020B0604020202020204" pitchFamily="34" charset="0"/>
+            </a:endParaRPr>
+          </a:p>
+        </p:txBody>
+      </p:sp>
+      <p:graphicFrame>
+        <p:nvGraphicFramePr>
+          <p:cNvPr id="12" name="Diagram 11">
+            <a:extLst>
+              <a:ext uri="{FF2B5EF4-FFF2-40B4-BE49-F238E27FC236}">
+                <a16:creationId xmlns:a16="http://schemas.microsoft.com/office/drawing/2014/main" id="{8CEE0125-5935-D34A-8E57-441BEBB98459}"/>
+              </a:ext>
+            </a:extLst>
+          </p:cNvPr>
+          <p:cNvGraphicFramePr/>
+          <p:nvPr>
+            <p:extLst>
+              <p:ext uri="{D42A27DB-BD31-4B8C-83A1-F6EECF244321}">
+                <p14:modId xmlns:p14="http://schemas.microsoft.com/office/powerpoint/2010/main" val="1963206387"/>
+              </p:ext>
+            </p:extLst>
+          </p:nvPr>
+        </p:nvGraphicFramePr>
+        <p:xfrm>
+          <a:off x="8043862" y="1901891"/>
+          <a:ext cx="3700463" cy="4343401"/>
+        </p:xfrm>
+        <a:graphic>
+          <a:graphicData uri="http://schemas.openxmlformats.org/drawingml/2006/diagram">
+            <dgm:relIds xmlns:dgm="http://schemas.openxmlformats.org/drawingml/2006/diagram" xmlns:r="http://schemas.openxmlformats.org/officeDocument/2006/relationships" r:dm="rId7" r:lo="rId8" r:qs="rId9" r:cs="rId10"/>
+          </a:graphicData>
+        </a:graphic>
+      </p:graphicFrame>
+      <p:sp>
+        <p:nvSpPr>
+          <p:cNvPr id="2" name="textruta 1">
+            <a:extLst>
+              <a:ext uri="{FF2B5EF4-FFF2-40B4-BE49-F238E27FC236}">
+                <a16:creationId xmlns:a16="http://schemas.microsoft.com/office/drawing/2014/main" id="{1F90BF4D-0457-5748-9D14-DB66D5762AF0}"/>
+              </a:ext>
+            </a:extLst>
+          </p:cNvPr>
+          <p:cNvSpPr txBox="1"/>
+          <p:nvPr/>
+        </p:nvSpPr>
+        <p:spPr>
+          <a:xfrm>
+            <a:off x="9161452" y="1717225"/>
+            <a:ext cx="1791068" cy="369332"/>
+          </a:xfrm>
+          <a:prstGeom prst="rect">
+            <a:avLst/>
+          </a:prstGeom>
+          <a:noFill/>
+        </p:spPr>
+        <p:txBody>
+          <a:bodyPr wrap="none" rtlCol="0">
+            <a:spAutoFit/>
+          </a:bodyPr>
+          <a:lstStyle/>
+          <a:p>
+            <a:r>
+              <a:rPr lang="en-US" dirty="0"/>
+              <a:t>Freemium model</a:t>
+            </a:r>
+          </a:p>
+        </p:txBody>
+      </p:sp>
+    </p:spTree>
+    <p:extLst>
+      <p:ext uri="{BB962C8B-B14F-4D97-AF65-F5344CB8AC3E}">
+        <p14:creationId xmlns:p14="http://schemas.microsoft.com/office/powerpoint/2010/main" val="3977657642"/>
+      </p:ext>
+    </p:extLst>
+  </p:cSld>
+  <p:clrMapOvr>
+    <a:masterClrMapping/>
+  </p:clrMapOvr>
+  <mc:AlternateContent xmlns:mc="http://schemas.openxmlformats.org/markup-compatibility/2006" xmlns:p15="http://schemas.microsoft.com/office/powerpoint/2012/main">
+    <mc:Choice Requires="p15">
+      <p:transition xmlns:p14="http://schemas.microsoft.com/office/powerpoint/2010/main" spd="slow" p14:dur="10000">
+        <p15:prstTrans prst="fallOver"/>
+      </p:transition>
+    </mc:Choice>
+    <mc:Fallback xmlns="">
+      <p:transition spd="slow">
+        <p:fade/>
+      </p:transition>
+    </mc:Fallback>
+  </mc:AlternateContent>
+</p:sld>
+</file>
+
+<file path=ppt/slides/slide11.xml><?xml version="1.0" encoding="utf-8"?>
+<p:sld xmlns:a="http://schemas.openxmlformats.org/drawingml/2006/main" xmlns:r="http://schemas.openxmlformats.org/officeDocument/2006/relationships" xmlns:p="http://schemas.openxmlformats.org/presentationml/2006/main">
+  <p:cSld>
+    <p:bg>
+      <p:bgPr>
+        <a:gradFill flip="none" rotWithShape="1">
+          <a:gsLst>
+            <a:gs pos="0">
               <a:schemeClr val="accent4">
                 <a:lumMod val="5000"/>
                 <a:lumOff val="95000"/>
@@ -41110,99 +43870,6 @@
           <a:chExt cx="0" cy="0"/>
         </a:xfrm>
       </p:grpSpPr>
-      <p:sp>
-        <p:nvSpPr>
-          <p:cNvPr id="6" name="textruta 5">
-            <a:extLst>
-              <a:ext uri="{FF2B5EF4-FFF2-40B4-BE49-F238E27FC236}">
-                <a16:creationId xmlns:a16="http://schemas.microsoft.com/office/drawing/2014/main" id="{4958AFB3-32F3-9649-B216-1B662E7C12D5}"/>
-              </a:ext>
-            </a:extLst>
-          </p:cNvPr>
-          <p:cNvSpPr txBox="1"/>
-          <p:nvPr/>
-        </p:nvSpPr>
-        <p:spPr>
-          <a:xfrm>
-            <a:off x="381512" y="398321"/>
-            <a:ext cx="2189958" cy="861774"/>
-          </a:xfrm>
-          <a:prstGeom prst="rect">
-            <a:avLst/>
-          </a:prstGeom>
-          <a:noFill/>
-          <a:effectLst/>
-        </p:spPr>
-        <p:txBody>
-          <a:bodyPr wrap="none" rtlCol="0">
-            <a:spAutoFit/>
-          </a:bodyPr>
-          <a:lstStyle/>
-          <a:p>
-            <a:pPr algn="r"/>
-            <a:r>
-              <a:rPr lang="en-US" sz="3200" b="1" dirty="0">
-                <a:effectLst>
-                  <a:outerShdw blurRad="50800" dist="50800" dir="5400000" algn="ctr" rotWithShape="0">
-                    <a:schemeClr val="bg1"/>
-                  </a:outerShdw>
-                </a:effectLst>
-                <a:latin typeface="Arial" panose="020B0604020202020204" pitchFamily="34" charset="0"/>
-                <a:cs typeface="Arial" panose="020B0604020202020204" pitchFamily="34" charset="0"/>
-              </a:rPr>
-              <a:t>front</a:t>
-            </a:r>
-            <a:r>
-              <a:rPr lang="en-US" sz="2800" dirty="0">
-                <a:effectLst>
-                  <a:outerShdw blurRad="50800" dist="50800" dir="5400000" algn="ctr" rotWithShape="0">
-                    <a:schemeClr val="bg1"/>
-                  </a:outerShdw>
-                </a:effectLst>
-                <a:latin typeface="Arial" panose="020B0604020202020204" pitchFamily="34" charset="0"/>
-                <a:cs typeface="Arial" panose="020B0604020202020204" pitchFamily="34" charset="0"/>
-              </a:rPr>
-              <a:t> Vision</a:t>
-            </a:r>
-          </a:p>
-          <a:p>
-            <a:pPr algn="r"/>
-            <a:r>
-              <a:rPr lang="en-US" dirty="0">
-                <a:solidFill>
-                  <a:schemeClr val="tx1">
-                    <a:lumMod val="85000"/>
-                    <a:lumOff val="15000"/>
-                  </a:schemeClr>
-                </a:solidFill>
-                <a:effectLst>
-                  <a:outerShdw blurRad="50800" dist="50800" dir="5400000" algn="ctr" rotWithShape="0">
-                    <a:schemeClr val="bg1"/>
-                  </a:outerShdw>
-                </a:effectLst>
-                <a:latin typeface="Arial" panose="020B0604020202020204" pitchFamily="34" charset="0"/>
-                <a:cs typeface="Arial" panose="020B0604020202020204" pitchFamily="34" charset="0"/>
-              </a:rPr>
-              <a:t>Product Roadmap</a:t>
-            </a:r>
-            <a:endParaRPr lang="en-US" sz="2800" dirty="0">
-              <a:solidFill>
-                <a:schemeClr val="tx1">
-                  <a:lumMod val="85000"/>
-                  <a:lumOff val="15000"/>
-                </a:schemeClr>
-              </a:solidFill>
-              <a:effectLst>
-                <a:outerShdw blurRad="50800" dist="50800" dir="5400000" algn="ctr" rotWithShape="0">
-                  <a:schemeClr val="bg1"/>
-                </a:outerShdw>
-              </a:effectLst>
-              <a:latin typeface="Arial" panose="020B0604020202020204" pitchFamily="34" charset="0"/>
-              <a:cs typeface="Arial" panose="020B0604020202020204" pitchFamily="34" charset="0"/>
-            </a:endParaRPr>
-          </a:p>
-        </p:txBody>
-      </p:sp>
       <p:graphicFrame>
         <p:nvGraphicFramePr>
           <p:cNvPr id="2" name="Diagram 1">
@@ -41231,6 +43898,106 @@
           </a:graphicData>
         </a:graphic>
       </p:graphicFrame>
+      <p:sp>
+        <p:nvSpPr>
+          <p:cNvPr id="4" name="textruta 3">
+            <a:extLst>
+              <a:ext uri="{FF2B5EF4-FFF2-40B4-BE49-F238E27FC236}">
+                <a16:creationId xmlns:a16="http://schemas.microsoft.com/office/drawing/2014/main" id="{989ADF42-6626-1647-BA6A-AD63693627CD}"/>
+              </a:ext>
+            </a:extLst>
+          </p:cNvPr>
+          <p:cNvSpPr txBox="1"/>
+          <p:nvPr/>
+        </p:nvSpPr>
+        <p:spPr>
+          <a:xfrm>
+            <a:off x="242030" y="167074"/>
+            <a:ext cx="1923155" cy="769441"/>
+          </a:xfrm>
+          <a:prstGeom prst="rect">
+            <a:avLst/>
+          </a:prstGeom>
+          <a:noFill/>
+          <a:effectLst/>
+        </p:spPr>
+        <p:txBody>
+          <a:bodyPr wrap="none" rtlCol="0">
+            <a:spAutoFit/>
+          </a:bodyPr>
+          <a:lstStyle/>
+          <a:p>
+            <a:r>
+              <a:rPr lang="en-US" sz="2800" b="1" dirty="0">
+                <a:effectLst>
+                  <a:outerShdw blurRad="50800" dist="50800" dir="5400000" algn="ctr" rotWithShape="0">
+                    <a:schemeClr val="bg1"/>
+                  </a:outerShdw>
+                </a:effectLst>
+                <a:latin typeface="Arial" panose="020B0604020202020204" pitchFamily="34" charset="0"/>
+                <a:cs typeface="Arial" panose="020B0604020202020204" pitchFamily="34" charset="0"/>
+              </a:rPr>
+              <a:t>front</a:t>
+            </a:r>
+            <a:r>
+              <a:rPr lang="en-US" sz="2400" dirty="0">
+                <a:effectLst>
+                  <a:outerShdw blurRad="50800" dist="50800" dir="5400000" algn="ctr" rotWithShape="0">
+                    <a:schemeClr val="bg1"/>
+                  </a:outerShdw>
+                </a:effectLst>
+                <a:latin typeface="Arial" panose="020B0604020202020204" pitchFamily="34" charset="0"/>
+                <a:cs typeface="Arial" panose="020B0604020202020204" pitchFamily="34" charset="0"/>
+              </a:rPr>
+              <a:t> Vision</a:t>
+            </a:r>
+            <a:br>
+              <a:rPr lang="en-US" sz="2400" dirty="0">
+                <a:effectLst>
+                  <a:outerShdw blurRad="50800" dist="50800" dir="5400000" algn="ctr" rotWithShape="0">
+                    <a:schemeClr val="bg1"/>
+                  </a:outerShdw>
+                </a:effectLst>
+                <a:latin typeface="Arial" panose="020B0604020202020204" pitchFamily="34" charset="0"/>
+                <a:cs typeface="Arial" panose="020B0604020202020204" pitchFamily="34" charset="0"/>
+              </a:rPr>
+            </a:br>
+            <a:r>
+              <a:rPr lang="en-US" sz="1600" dirty="0">
+                <a:solidFill>
+                  <a:schemeClr val="tx1">
+                    <a:lumMod val="85000"/>
+                    <a:lumOff val="15000"/>
+                  </a:schemeClr>
+                </a:solidFill>
+                <a:effectLst>
+                  <a:outerShdw blurRad="50800" dist="50800" dir="5400000" algn="ctr" rotWithShape="0">
+                    <a:schemeClr val="bg1"/>
+                  </a:outerShdw>
+                </a:effectLst>
+                <a:latin typeface="Arial" panose="020B0604020202020204" pitchFamily="34" charset="0"/>
+                <a:cs typeface="Arial" panose="020B0604020202020204" pitchFamily="34" charset="0"/>
+              </a:rPr>
+              <a:t>Product Roadmap</a:t>
+            </a:r>
+            <a:endParaRPr lang="en-US" sz="3600" dirty="0">
+              <a:solidFill>
+                <a:schemeClr val="tx1">
+                  <a:lumMod val="85000"/>
+                  <a:lumOff val="15000"/>
+                </a:schemeClr>
+              </a:solidFill>
+              <a:effectLst>
+                <a:outerShdw blurRad="50800" dist="50800" dir="5400000" algn="ctr" rotWithShape="0">
+                  <a:schemeClr val="bg1"/>
+                </a:outerShdw>
+              </a:effectLst>
+              <a:latin typeface="Arial" panose="020B0604020202020204" pitchFamily="34" charset="0"/>
+              <a:cs typeface="Arial" panose="020B0604020202020204" pitchFamily="34" charset="0"/>
+            </a:endParaRPr>
+          </a:p>
+        </p:txBody>
+      </p:sp>
     </p:spTree>
     <p:extLst>
       <p:ext uri="{BB962C8B-B14F-4D97-AF65-F5344CB8AC3E}">
@@ -41256,7 +44023,7 @@
 </p:sld>
 </file>
 
-<file path=ppt/slides/slide11.xml><?xml version="1.0" encoding="utf-8"?>
+<file path=ppt/slides/slide12.xml><?xml version="1.0" encoding="utf-8"?>
 <p:sld xmlns:a="http://schemas.openxmlformats.org/drawingml/2006/main" xmlns:r="http://schemas.openxmlformats.org/officeDocument/2006/relationships" xmlns:p="http://schemas.openxmlformats.org/presentationml/2006/main">
   <p:cSld>
     <p:bg>
@@ -41338,10 +44105,10 @@
       </p:graphicFrame>
       <p:sp>
         <p:nvSpPr>
-          <p:cNvPr id="5" name="textruta 4">
+          <p:cNvPr id="6" name="textruta 5">
             <a:extLst>
               <a:ext uri="{FF2B5EF4-FFF2-40B4-BE49-F238E27FC236}">
-                <a16:creationId xmlns:a16="http://schemas.microsoft.com/office/drawing/2014/main" id="{3A182EC3-41B9-6246-A106-B0A22895D137}"/>
+                <a16:creationId xmlns:a16="http://schemas.microsoft.com/office/drawing/2014/main" id="{C7B8017C-52A4-514D-BFB0-F54F8919EFD2}"/>
               </a:ext>
             </a:extLst>
           </p:cNvPr>
@@ -41350,8 +44117,8 @@
         </p:nvSpPr>
         <p:spPr>
           <a:xfrm>
-            <a:off x="381512" y="398321"/>
-            <a:ext cx="2189958" cy="584775"/>
+            <a:off x="244646" y="167074"/>
+            <a:ext cx="1923155" cy="523220"/>
           </a:xfrm>
           <a:prstGeom prst="rect">
             <a:avLst/>
@@ -41365,9 +44132,8 @@
           </a:bodyPr>
           <a:lstStyle/>
           <a:p>
-            <a:pPr algn="r"/>
             <a:r>
-              <a:rPr lang="en-US" sz="3200" b="1" dirty="0">
+              <a:rPr lang="en-US" sz="2800" b="1" dirty="0">
                 <a:effectLst>
                   <a:outerShdw blurRad="50800" dist="50800" dir="5400000" algn="ctr" rotWithShape="0">
                     <a:schemeClr val="bg1"/>
@@ -41379,7 +44145,7 @@
               <a:t>front</a:t>
             </a:r>
             <a:r>
-              <a:rPr lang="en-US" sz="2800" dirty="0">
+              <a:rPr lang="en-US" sz="2400" dirty="0">
                 <a:effectLst>
                   <a:outerShdw blurRad="50800" dist="50800" dir="5400000" algn="ctr" rotWithShape="0">
                     <a:schemeClr val="bg1"/>
@@ -41418,7 +44184,7 @@
 </p:sld>
 </file>
 
-<file path=ppt/slides/slide12.xml><?xml version="1.0" encoding="utf-8"?>
+<file path=ppt/slides/slide13.xml><?xml version="1.0" encoding="utf-8"?>
 <p:sld xmlns:a="http://schemas.openxmlformats.org/drawingml/2006/main" xmlns:r="http://schemas.openxmlformats.org/officeDocument/2006/relationships" xmlns:p="http://schemas.openxmlformats.org/presentationml/2006/main">
   <p:cSld>
     <p:bg>
@@ -41512,8 +44278,8 @@
         </p:nvSpPr>
         <p:spPr>
           <a:xfrm>
-            <a:off x="381512" y="398321"/>
-            <a:ext cx="2189958" cy="584775"/>
+            <a:off x="244646" y="167074"/>
+            <a:ext cx="1923155" cy="523220"/>
           </a:xfrm>
           <a:prstGeom prst="rect">
             <a:avLst/>
@@ -41527,9 +44293,8 @@
           </a:bodyPr>
           <a:lstStyle/>
           <a:p>
-            <a:pPr algn="r"/>
             <a:r>
-              <a:rPr lang="en-US" sz="3200" b="1" dirty="0">
+              <a:rPr lang="en-US" sz="2800" b="1" dirty="0">
                 <a:effectLst>
                   <a:outerShdw blurRad="50800" dist="50800" dir="5400000" algn="ctr" rotWithShape="0">
                     <a:schemeClr val="bg1"/>
@@ -41541,7 +44306,7 @@
               <a:t>front</a:t>
             </a:r>
             <a:r>
-              <a:rPr lang="en-US" sz="2800" dirty="0">
+              <a:rPr lang="en-US" sz="2400" dirty="0">
                 <a:effectLst>
                   <a:outerShdw blurRad="50800" dist="50800" dir="5400000" algn="ctr" rotWithShape="0">
                     <a:schemeClr val="bg1"/>
@@ -41571,12 +44336,47 @@
             <p:ph type="ctrTitle"/>
           </p:nvPr>
         </p:nvSpPr>
-        <p:spPr/>
+        <p:spPr>
+          <a:xfrm>
+            <a:off x="1476491" y="1767233"/>
+            <a:ext cx="9191509" cy="1542895"/>
+          </a:xfrm>
+        </p:spPr>
         <p:txBody>
-          <a:bodyPr/>
+          <a:bodyPr>
+            <a:normAutofit fontScale="90000"/>
+          </a:bodyPr>
           <a:lstStyle/>
           <a:p>
-            <a:endParaRPr lang="en-US" dirty="0"/>
+            <a:pPr algn="l">
+              <a:lnSpc>
+                <a:spcPct val="100000"/>
+              </a:lnSpc>
+            </a:pPr>
+            <a:r>
+              <a:rPr lang="en-US" sz="4900" dirty="0">
+                <a:latin typeface="Arial" panose="020B0604020202020204" pitchFamily="34" charset="0"/>
+                <a:cs typeface="Arial" panose="020B0604020202020204" pitchFamily="34" charset="0"/>
+              </a:rPr>
+              <a:t>Marketplace</a:t>
+            </a:r>
+            <a:br>
+              <a:rPr lang="en-US" dirty="0">
+                <a:latin typeface="Arial" panose="020B0604020202020204" pitchFamily="34" charset="0"/>
+                <a:cs typeface="Arial" panose="020B0604020202020204" pitchFamily="34" charset="0"/>
+              </a:rPr>
+            </a:br>
+            <a:r>
+              <a:rPr lang="en-US" sz="2700" dirty="0">
+                <a:latin typeface="Arial" panose="020B0604020202020204" pitchFamily="34" charset="0"/>
+                <a:cs typeface="Arial" panose="020B0604020202020204" pitchFamily="34" charset="0"/>
+              </a:rPr>
+              <a:t>Items published by developers or designers will be available to buy, sell or give away.</a:t>
+            </a:r>
+            <a:endParaRPr lang="en-US" dirty="0">
+              <a:latin typeface="Arial" panose="020B0604020202020204" pitchFamily="34" charset="0"/>
+              <a:cs typeface="Arial" panose="020B0604020202020204" pitchFamily="34" charset="0"/>
+            </a:endParaRPr>
           </a:p>
         </p:txBody>
       </p:sp>
@@ -41596,7 +44396,12 @@
             <p:ph type="subTitle" idx="1"/>
           </p:nvPr>
         </p:nvSpPr>
-        <p:spPr/>
+        <p:spPr>
+          <a:xfrm>
+            <a:off x="1524000" y="3949606"/>
+            <a:ext cx="9144000" cy="1655762"/>
+          </a:xfrm>
+        </p:spPr>
         <p:txBody>
           <a:bodyPr>
             <a:normAutofit lnSpcReduction="10000"/>
@@ -41608,8 +44413,11 @@
               <a:buChar char="👁"/>
             </a:pPr>
             <a:r>
-              <a:rPr lang="en-US" dirty="0"/>
-              <a:t> 1000+ applications</a:t>
+              <a:rPr lang="en-US" dirty="0">
+                <a:latin typeface="Arial" panose="020B0604020202020204" pitchFamily="34" charset="0"/>
+                <a:cs typeface="Arial" panose="020B0604020202020204" pitchFamily="34" charset="0"/>
+              </a:rPr>
+              <a:t> 1000+ Applications</a:t>
             </a:r>
           </a:p>
           <a:p>
@@ -41618,8 +44426,11 @@
               <a:buChar char="👁"/>
             </a:pPr>
             <a:r>
-              <a:rPr lang="en-US" dirty="0"/>
-              <a:t> 100+ plugins</a:t>
+              <a:rPr lang="en-US" dirty="0">
+                <a:latin typeface="Arial" panose="020B0604020202020204" pitchFamily="34" charset="0"/>
+                <a:cs typeface="Arial" panose="020B0604020202020204" pitchFamily="34" charset="0"/>
+              </a:rPr>
+              <a:t> 1000+ Plugins</a:t>
             </a:r>
           </a:p>
           <a:p>
@@ -41628,8 +44439,11 @@
               <a:buChar char="👁"/>
             </a:pPr>
             <a:r>
-              <a:rPr lang="en-US" dirty="0"/>
-              <a:t> 1000+ themes</a:t>
+              <a:rPr lang="en-US" dirty="0">
+                <a:latin typeface="Arial" panose="020B0604020202020204" pitchFamily="34" charset="0"/>
+                <a:cs typeface="Arial" panose="020B0604020202020204" pitchFamily="34" charset="0"/>
+              </a:rPr>
+              <a:t> 1000+ Themes</a:t>
             </a:r>
           </a:p>
           <a:p>
@@ -41638,16 +44452,12 @@
               <a:buChar char="👁"/>
             </a:pPr>
             <a:r>
-              <a:rPr lang="en-US" dirty="0"/>
-              <a:t> 1000+ developers</a:t>
+              <a:rPr lang="en-US" dirty="0">
+                <a:latin typeface="Arial" panose="020B0604020202020204" pitchFamily="34" charset="0"/>
+                <a:cs typeface="Arial" panose="020B0604020202020204" pitchFamily="34" charset="0"/>
+              </a:rPr>
+              <a:t> 100+ Icon Packs</a:t>
             </a:r>
-          </a:p>
-          <a:p>
-            <a:pPr marL="342900" indent="-342900" algn="l">
-              <a:buFont typeface=".Apple Color Emoji UI"/>
-              <a:buChar char="👁"/>
-            </a:pPr>
-            <a:endParaRPr lang="en-US" dirty="0"/>
           </a:p>
         </p:txBody>
       </p:sp>
@@ -41676,7 +44486,7 @@
 </p:sld>
 </file>
 
-<file path=ppt/slides/slide13.xml><?xml version="1.0" encoding="utf-8"?>
+<file path=ppt/slides/slide14.xml><?xml version="1.0" encoding="utf-8"?>
 <p:sld xmlns:a="http://schemas.openxmlformats.org/drawingml/2006/main" xmlns:r="http://schemas.openxmlformats.org/officeDocument/2006/relationships" xmlns:p="http://schemas.openxmlformats.org/presentationml/2006/main">
   <p:cSld>
     <p:bg>
@@ -41744,14 +44554,14 @@
             <p:ph idx="1"/>
             <p:extLst>
               <p:ext uri="{D42A27DB-BD31-4B8C-83A1-F6EECF244321}">
-                <p14:modId xmlns:p14="http://schemas.microsoft.com/office/powerpoint/2010/main" val="3969806464"/>
+                <p14:modId xmlns:p14="http://schemas.microsoft.com/office/powerpoint/2010/main" val="2099625072"/>
               </p:ext>
             </p:extLst>
           </p:nvPr>
         </p:nvGraphicFramePr>
         <p:xfrm>
-          <a:off x="380030" y="1201132"/>
-          <a:ext cx="11464500" cy="5459156"/>
+          <a:off x="380030" y="875374"/>
+          <a:ext cx="11464500" cy="5784913"/>
         </p:xfrm>
         <a:graphic>
           <a:graphicData uri="http://schemas.openxmlformats.org/drawingml/2006/table">
@@ -41803,7 +44613,7 @@
                   </a:extLst>
                 </a:gridCol>
               </a:tblGrid>
-              <a:tr h="0">
+              <a:tr h="290689">
                 <a:tc>
                   <a:txBody>
                     <a:bodyPr/>
@@ -42155,7 +44965,7 @@
                   </a:ext>
                 </a:extLst>
               </a:tr>
-              <a:tr h="1585563">
+              <a:tr h="1680176">
                 <a:tc rowSpan="3">
                   <a:txBody>
                     <a:bodyPr/>
@@ -42491,7 +45301,7 @@
                   </a:ext>
                 </a:extLst>
               </a:tr>
-              <a:tr h="294231">
+              <a:tr h="311788">
                 <a:tc vMerge="1">
                   <a:txBody>
                     <a:bodyPr/>
@@ -42767,7 +45577,7 @@
                   </a:ext>
                 </a:extLst>
               </a:tr>
-              <a:tr h="1282394">
+              <a:tr h="1358917">
                 <a:tc vMerge="1">
                   <a:txBody>
                     <a:bodyPr/>
@@ -43035,7 +45845,7 @@
                   </a:ext>
                 </a:extLst>
               </a:tr>
-              <a:tr h="437085">
+              <a:tr h="463167">
                 <a:tc gridSpan="3">
                   <a:txBody>
                     <a:bodyPr/>
@@ -43400,7 +46210,7 @@
                   </a:ext>
                 </a:extLst>
               </a:tr>
-              <a:tr h="1585563">
+              <a:tr h="1680176">
                 <a:tc gridSpan="3">
                   <a:txBody>
                     <a:bodyPr/>
@@ -43755,8 +46565,8 @@
         </p:nvSpPr>
         <p:spPr>
           <a:xfrm>
-            <a:off x="380030" y="398321"/>
-            <a:ext cx="2555507" cy="584775"/>
+            <a:off x="237726" y="167488"/>
+            <a:ext cx="2234906" cy="523220"/>
           </a:xfrm>
           <a:prstGeom prst="rect">
             <a:avLst/>
@@ -43770,9 +46580,8 @@
           </a:bodyPr>
           <a:lstStyle/>
           <a:p>
-            <a:pPr algn="r"/>
             <a:r>
-              <a:rPr lang="en-US" sz="3200" b="1" dirty="0">
+              <a:rPr lang="en-US" sz="2800" b="1" dirty="0">
                 <a:effectLst>
                   <a:outerShdw blurRad="50800" dist="50800" dir="5400000" algn="ctr" rotWithShape="0">
                     <a:schemeClr val="bg1"/>
@@ -43784,7 +46593,7 @@
               <a:t>front</a:t>
             </a:r>
             <a:r>
-              <a:rPr lang="en-US" sz="2800" dirty="0">
+              <a:rPr lang="en-US" sz="2400" dirty="0">
                 <a:effectLst>
                   <a:outerShdw blurRad="50800" dist="50800" dir="5400000" algn="ctr" rotWithShape="0">
                     <a:schemeClr val="bg1"/>
@@ -43795,7 +46604,7 @@
               </a:rPr>
               <a:t> Strategy</a:t>
             </a:r>
-            <a:endParaRPr lang="en-US" dirty="0">
+            <a:endParaRPr lang="en-US" sz="1600" dirty="0">
               <a:solidFill>
                 <a:schemeClr val="tx1">
                   <a:lumMod val="85000"/>
@@ -43827,7 +46636,7 @@
         </p:nvSpPr>
         <p:spPr>
           <a:xfrm>
-            <a:off x="9184826" y="506042"/>
+            <a:off x="9184828" y="244432"/>
             <a:ext cx="2659702" cy="369332"/>
           </a:xfrm>
           <a:prstGeom prst="rect">
@@ -43835,11 +46644,12 @@
           </a:prstGeom>
         </p:spPr>
         <p:txBody>
-          <a:bodyPr wrap="none">
+          <a:bodyPr wrap="square">
             <a:spAutoFit/>
           </a:bodyPr>
           <a:lstStyle/>
           <a:p>
+            <a:pPr algn="r"/>
             <a:r>
               <a:rPr lang="en-US" dirty="0">
                 <a:solidFill>
@@ -43875,7 +46685,7 @@
 </p:sld>
 </file>
 
-<file path=ppt/slides/slide14.xml><?xml version="1.0" encoding="utf-8"?>
+<file path=ppt/slides/slide15.xml><?xml version="1.0" encoding="utf-8"?>
 <p:sld xmlns:a="http://schemas.openxmlformats.org/drawingml/2006/main" xmlns:r="http://schemas.openxmlformats.org/officeDocument/2006/relationships" xmlns:p="http://schemas.openxmlformats.org/presentationml/2006/main">
   <p:cSld>
     <p:bg>
@@ -43943,14 +46753,14 @@
             <p:ph idx="1"/>
             <p:extLst>
               <p:ext uri="{D42A27DB-BD31-4B8C-83A1-F6EECF244321}">
-                <p14:modId xmlns:p14="http://schemas.microsoft.com/office/powerpoint/2010/main" val="2708361013"/>
+                <p14:modId xmlns:p14="http://schemas.microsoft.com/office/powerpoint/2010/main" val="3337418564"/>
               </p:ext>
             </p:extLst>
           </p:nvPr>
         </p:nvGraphicFramePr>
         <p:xfrm>
-          <a:off x="1" y="1207008"/>
-          <a:ext cx="11870870" cy="5321807"/>
+          <a:off x="1" y="875374"/>
+          <a:ext cx="11870869" cy="5653441"/>
         </p:xfrm>
         <a:graphic>
           <a:graphicData uri="http://schemas.openxmlformats.org/drawingml/2006/table">
@@ -43959,21 +46769,21 @@
                 <a:tableStyleId>{2D5ABB26-0587-4C30-8999-92F81FD0307C}</a:tableStyleId>
               </a:tblPr>
               <a:tblGrid>
-                <a:gridCol w="467700">
+                <a:gridCol w="472125">
                   <a:extLst>
                     <a:ext uri="{9D8B030D-6E8A-4147-A177-3AD203B41FA5}">
                       <a16:colId xmlns:a16="http://schemas.microsoft.com/office/drawing/2014/main" val="1563064518"/>
                     </a:ext>
                   </a:extLst>
                 </a:gridCol>
-                <a:gridCol w="5457611">
+                <a:gridCol w="5509247">
                   <a:extLst>
                     <a:ext uri="{9D8B030D-6E8A-4147-A177-3AD203B41FA5}">
                       <a16:colId xmlns:a16="http://schemas.microsoft.com/office/drawing/2014/main" val="937656735"/>
                     </a:ext>
                   </a:extLst>
                 </a:gridCol>
-                <a:gridCol w="5945559">
+                <a:gridCol w="5889497">
                   <a:extLst>
                     <a:ext uri="{9D8B030D-6E8A-4147-A177-3AD203B41FA5}">
                       <a16:colId xmlns:a16="http://schemas.microsoft.com/office/drawing/2014/main" val="3397825939"/>
@@ -43981,7 +46791,7 @@
                   </a:extLst>
                 </a:gridCol>
               </a:tblGrid>
-              <a:tr h="317202">
+              <a:tr h="336969">
                 <a:tc>
                   <a:txBody>
                     <a:bodyPr/>
@@ -44163,7 +46973,7 @@
                   </a:ext>
                 </a:extLst>
               </a:tr>
-              <a:tr h="2290199">
+              <a:tr h="2432915">
                 <a:tc>
                   <a:txBody>
                     <a:bodyPr/>
@@ -44361,7 +47171,7 @@
                   </a:ext>
                 </a:extLst>
               </a:tr>
-              <a:tr h="317202">
+              <a:tr h="336969">
                 <a:tc>
                   <a:txBody>
                     <a:bodyPr/>
@@ -44537,7 +47347,7 @@
                   </a:ext>
                 </a:extLst>
               </a:tr>
-              <a:tr h="2397204">
+              <a:tr h="2546588">
                 <a:tc>
                   <a:txBody>
                     <a:bodyPr/>
@@ -44754,78 +47564,6 @@
       </p:graphicFrame>
       <p:sp>
         <p:nvSpPr>
-          <p:cNvPr id="9" name="textruta 8">
-            <a:extLst>
-              <a:ext uri="{FF2B5EF4-FFF2-40B4-BE49-F238E27FC236}">
-                <a16:creationId xmlns:a16="http://schemas.microsoft.com/office/drawing/2014/main" id="{CFF69CB9-6955-D446-A62F-D8857CCF163D}"/>
-              </a:ext>
-            </a:extLst>
-          </p:cNvPr>
-          <p:cNvSpPr txBox="1"/>
-          <p:nvPr/>
-        </p:nvSpPr>
-        <p:spPr>
-          <a:xfrm>
-            <a:off x="380030" y="398321"/>
-            <a:ext cx="2555507" cy="584775"/>
-          </a:xfrm>
-          <a:prstGeom prst="rect">
-            <a:avLst/>
-          </a:prstGeom>
-          <a:noFill/>
-          <a:effectLst/>
-        </p:spPr>
-        <p:txBody>
-          <a:bodyPr wrap="none" rtlCol="0">
-            <a:spAutoFit/>
-          </a:bodyPr>
-          <a:lstStyle/>
-          <a:p>
-            <a:pPr algn="r"/>
-            <a:r>
-              <a:rPr lang="en-US" sz="3200" b="1" dirty="0">
-                <a:effectLst>
-                  <a:outerShdw blurRad="50800" dist="50800" dir="5400000" algn="ctr" rotWithShape="0">
-                    <a:schemeClr val="bg1"/>
-                  </a:outerShdw>
-                </a:effectLst>
-                <a:latin typeface="Arial" panose="020B0604020202020204" pitchFamily="34" charset="0"/>
-                <a:cs typeface="Arial" panose="020B0604020202020204" pitchFamily="34" charset="0"/>
-              </a:rPr>
-              <a:t>front</a:t>
-            </a:r>
-            <a:r>
-              <a:rPr lang="en-US" sz="2800" dirty="0">
-                <a:effectLst>
-                  <a:outerShdw blurRad="50800" dist="50800" dir="5400000" algn="ctr" rotWithShape="0">
-                    <a:schemeClr val="bg1"/>
-                  </a:outerShdw>
-                </a:effectLst>
-                <a:latin typeface="Arial" panose="020B0604020202020204" pitchFamily="34" charset="0"/>
-                <a:cs typeface="Arial" panose="020B0604020202020204" pitchFamily="34" charset="0"/>
-              </a:rPr>
-              <a:t> Strategy</a:t>
-            </a:r>
-            <a:endParaRPr lang="en-US" dirty="0">
-              <a:solidFill>
-                <a:schemeClr val="tx1">
-                  <a:lumMod val="85000"/>
-                  <a:lumOff val="15000"/>
-                </a:schemeClr>
-              </a:solidFill>
-              <a:effectLst>
-                <a:outerShdw blurRad="50800" dist="50800" dir="5400000" algn="ctr" rotWithShape="0">
-                  <a:schemeClr val="bg1"/>
-                </a:outerShdw>
-              </a:effectLst>
-              <a:latin typeface="Arial" panose="020B0604020202020204" pitchFamily="34" charset="0"/>
-              <a:cs typeface="Arial" panose="020B0604020202020204" pitchFamily="34" charset="0"/>
-            </a:endParaRPr>
-          </a:p>
-        </p:txBody>
-      </p:sp>
-      <p:sp>
-        <p:nvSpPr>
           <p:cNvPr id="14" name="Rektangel 13">
             <a:extLst>
               <a:ext uri="{FF2B5EF4-FFF2-40B4-BE49-F238E27FC236}">
@@ -44838,7 +47576,7 @@
         </p:nvSpPr>
         <p:spPr>
           <a:xfrm>
-            <a:off x="9983829" y="506042"/>
+            <a:off x="10100193" y="244432"/>
             <a:ext cx="1770678" cy="369332"/>
           </a:xfrm>
           <a:prstGeom prst="rect">
@@ -44851,6 +47589,7 @@
           </a:bodyPr>
           <a:lstStyle/>
           <a:p>
+            <a:pPr algn="r"/>
             <a:r>
               <a:rPr lang="en-US" dirty="0">
                 <a:solidFill>
@@ -44873,6 +47612,77 @@
           </a:p>
         </p:txBody>
       </p:sp>
+      <p:sp>
+        <p:nvSpPr>
+          <p:cNvPr id="5" name="textruta 4">
+            <a:extLst>
+              <a:ext uri="{FF2B5EF4-FFF2-40B4-BE49-F238E27FC236}">
+                <a16:creationId xmlns:a16="http://schemas.microsoft.com/office/drawing/2014/main" id="{7D8F0D74-EDFC-5A44-9BD1-DB7024017517}"/>
+              </a:ext>
+            </a:extLst>
+          </p:cNvPr>
+          <p:cNvSpPr txBox="1"/>
+          <p:nvPr/>
+        </p:nvSpPr>
+        <p:spPr>
+          <a:xfrm>
+            <a:off x="237726" y="167488"/>
+            <a:ext cx="2234906" cy="523220"/>
+          </a:xfrm>
+          <a:prstGeom prst="rect">
+            <a:avLst/>
+          </a:prstGeom>
+          <a:noFill/>
+          <a:effectLst/>
+        </p:spPr>
+        <p:txBody>
+          <a:bodyPr wrap="none" rtlCol="0">
+            <a:spAutoFit/>
+          </a:bodyPr>
+          <a:lstStyle/>
+          <a:p>
+            <a:r>
+              <a:rPr lang="en-US" sz="2800" b="1" dirty="0">
+                <a:effectLst>
+                  <a:outerShdw blurRad="50800" dist="50800" dir="5400000" algn="ctr" rotWithShape="0">
+                    <a:schemeClr val="bg1"/>
+                  </a:outerShdw>
+                </a:effectLst>
+                <a:latin typeface="Arial" panose="020B0604020202020204" pitchFamily="34" charset="0"/>
+                <a:cs typeface="Arial" panose="020B0604020202020204" pitchFamily="34" charset="0"/>
+              </a:rPr>
+              <a:t>front</a:t>
+            </a:r>
+            <a:r>
+              <a:rPr lang="en-US" sz="2400" dirty="0">
+                <a:effectLst>
+                  <a:outerShdw blurRad="50800" dist="50800" dir="5400000" algn="ctr" rotWithShape="0">
+                    <a:schemeClr val="bg1"/>
+                  </a:outerShdw>
+                </a:effectLst>
+                <a:latin typeface="Arial" panose="020B0604020202020204" pitchFamily="34" charset="0"/>
+                <a:cs typeface="Arial" panose="020B0604020202020204" pitchFamily="34" charset="0"/>
+              </a:rPr>
+              <a:t> Strategy</a:t>
+            </a:r>
+            <a:endParaRPr lang="en-US" sz="1600" dirty="0">
+              <a:solidFill>
+                <a:schemeClr val="tx1">
+                  <a:lumMod val="85000"/>
+                  <a:lumOff val="15000"/>
+                </a:schemeClr>
+              </a:solidFill>
+              <a:effectLst>
+                <a:outerShdw blurRad="50800" dist="50800" dir="5400000" algn="ctr" rotWithShape="0">
+                  <a:schemeClr val="bg1"/>
+                </a:outerShdw>
+              </a:effectLst>
+              <a:latin typeface="Arial" panose="020B0604020202020204" pitchFamily="34" charset="0"/>
+              <a:cs typeface="Arial" panose="020B0604020202020204" pitchFamily="34" charset="0"/>
+            </a:endParaRPr>
+          </a:p>
+        </p:txBody>
+      </p:sp>
     </p:spTree>
     <p:extLst>
       <p:ext uri="{BB962C8B-B14F-4D97-AF65-F5344CB8AC3E}">
@@ -44886,7 +47696,7 @@
 </p:sld>
 </file>
 
-<file path=ppt/slides/slide15.xml><?xml version="1.0" encoding="utf-8"?>
+<file path=ppt/slides/slide16.xml><?xml version="1.0" encoding="utf-8"?>
 <p:sld xmlns:a="http://schemas.openxmlformats.org/drawingml/2006/main" xmlns:r="http://schemas.openxmlformats.org/officeDocument/2006/relationships" xmlns:p="http://schemas.openxmlformats.org/presentationml/2006/main">
   <p:cSld>
     <p:bg>
@@ -44990,7 +47800,7 @@
                 <a:latin typeface="Arial" panose="020B0604020202020204" pitchFamily="34" charset="0"/>
                 <a:cs typeface="Arial" panose="020B0604020202020204" pitchFamily="34" charset="0"/>
               </a:rPr>
-              <a:t>Future Company X powered by Front</a:t>
+              <a:t>Solution Company X powered by Front</a:t>
             </a:r>
           </a:p>
         </p:txBody>
@@ -45036,7 +47846,7 @@
 </p:sld>
 </file>
 
-<file path=ppt/slides/slide16.xml><?xml version="1.0" encoding="utf-8"?>
+<file path=ppt/slides/slide17.xml><?xml version="1.0" encoding="utf-8"?>
 <p:sld xmlns:a="http://schemas.openxmlformats.org/drawingml/2006/main" xmlns:r="http://schemas.openxmlformats.org/officeDocument/2006/relationships" xmlns:p="http://schemas.openxmlformats.org/presentationml/2006/main">
   <p:cSld>
     <p:bg>
@@ -45318,7 +48128,210 @@
 </p:sld>
 </file>
 
-<file path=ppt/slides/slide17.xml><?xml version="1.0" encoding="utf-8"?>
+<file path=ppt/slides/slide18.xml><?xml version="1.0" encoding="utf-8"?>
+<p:sld xmlns:a="http://schemas.openxmlformats.org/drawingml/2006/main" xmlns:r="http://schemas.openxmlformats.org/officeDocument/2006/relationships" xmlns:p="http://schemas.openxmlformats.org/presentationml/2006/main">
+  <p:cSld>
+    <p:bg>
+      <p:bgPr>
+        <a:gradFill flip="none" rotWithShape="1">
+          <a:gsLst>
+            <a:gs pos="0">
+              <a:schemeClr val="accent2">
+                <a:lumMod val="89000"/>
+              </a:schemeClr>
+            </a:gs>
+            <a:gs pos="23000">
+              <a:schemeClr val="accent2">
+                <a:lumMod val="89000"/>
+              </a:schemeClr>
+            </a:gs>
+            <a:gs pos="69000">
+              <a:schemeClr val="accent2">
+                <a:lumMod val="75000"/>
+              </a:schemeClr>
+            </a:gs>
+            <a:gs pos="97000">
+              <a:schemeClr val="accent2">
+                <a:lumMod val="70000"/>
+              </a:schemeClr>
+            </a:gs>
+          </a:gsLst>
+          <a:path path="circle">
+            <a:fillToRect l="50000" t="50000" r="50000" b="50000"/>
+          </a:path>
+          <a:tileRect/>
+        </a:gradFill>
+        <a:effectLst/>
+      </p:bgPr>
+    </p:bg>
+    <p:spTree>
+      <p:nvGrpSpPr>
+        <p:cNvPr id="1" name=""/>
+        <p:cNvGrpSpPr/>
+        <p:nvPr/>
+      </p:nvGrpSpPr>
+      <p:grpSpPr>
+        <a:xfrm>
+          <a:off x="0" y="0"/>
+          <a:ext cx="0" cy="0"/>
+          <a:chOff x="0" y="0"/>
+          <a:chExt cx="0" cy="0"/>
+        </a:xfrm>
+      </p:grpSpPr>
+      <p:graphicFrame>
+        <p:nvGraphicFramePr>
+          <p:cNvPr id="4" name="Diagram 3">
+            <a:extLst>
+              <a:ext uri="{FF2B5EF4-FFF2-40B4-BE49-F238E27FC236}">
+                <a16:creationId xmlns:a16="http://schemas.microsoft.com/office/drawing/2014/main" id="{D7E22FCD-B510-BC4C-8DAD-3C1F033C772A}"/>
+              </a:ext>
+            </a:extLst>
+          </p:cNvPr>
+          <p:cNvGraphicFramePr/>
+          <p:nvPr>
+            <p:extLst/>
+          </p:nvPr>
+        </p:nvGraphicFramePr>
+        <p:xfrm>
+          <a:off x="244646" y="1071588"/>
+          <a:ext cx="11221930" cy="5552115"/>
+        </p:xfrm>
+        <a:graphic>
+          <a:graphicData uri="http://schemas.openxmlformats.org/drawingml/2006/diagram">
+            <dgm:relIds xmlns:dgm="http://schemas.openxmlformats.org/drawingml/2006/diagram" xmlns:r="http://schemas.openxmlformats.org/officeDocument/2006/relationships" r:dm="rId2" r:lo="rId3" r:qs="rId4" r:cs="rId5"/>
+          </a:graphicData>
+        </a:graphic>
+      </p:graphicFrame>
+      <p:sp>
+        <p:nvSpPr>
+          <p:cNvPr id="5" name="textruta 4">
+            <a:extLst>
+              <a:ext uri="{FF2B5EF4-FFF2-40B4-BE49-F238E27FC236}">
+                <a16:creationId xmlns:a16="http://schemas.microsoft.com/office/drawing/2014/main" id="{3A182EC3-41B9-6246-A106-B0A22895D137}"/>
+              </a:ext>
+            </a:extLst>
+          </p:cNvPr>
+          <p:cNvSpPr txBox="1"/>
+          <p:nvPr/>
+        </p:nvSpPr>
+        <p:spPr>
+          <a:xfrm>
+            <a:off x="244646" y="148388"/>
+            <a:ext cx="3512436" cy="584775"/>
+          </a:xfrm>
+          <a:prstGeom prst="rect">
+            <a:avLst/>
+          </a:prstGeom>
+          <a:noFill/>
+          <a:effectLst/>
+        </p:spPr>
+        <p:txBody>
+          <a:bodyPr wrap="none" rtlCol="0">
+            <a:spAutoFit/>
+          </a:bodyPr>
+          <a:lstStyle/>
+          <a:p>
+            <a:r>
+              <a:rPr lang="en-US" sz="3200" b="1" dirty="0">
+                <a:solidFill>
+                  <a:schemeClr val="bg1"/>
+                </a:solidFill>
+                <a:latin typeface="Arial" panose="020B0604020202020204" pitchFamily="34" charset="0"/>
+                <a:cs typeface="Arial" panose="020B0604020202020204" pitchFamily="34" charset="0"/>
+              </a:rPr>
+              <a:t>Company X</a:t>
+            </a:r>
+            <a:r>
+              <a:rPr lang="en-US" sz="2800" dirty="0">
+                <a:solidFill>
+                  <a:schemeClr val="bg1"/>
+                </a:solidFill>
+                <a:latin typeface="Arial" panose="020B0604020202020204" pitchFamily="34" charset="0"/>
+                <a:cs typeface="Arial" panose="020B0604020202020204" pitchFamily="34" charset="0"/>
+              </a:rPr>
+              <a:t> Vision</a:t>
+            </a:r>
+          </a:p>
+        </p:txBody>
+      </p:sp>
+      <p:sp>
+        <p:nvSpPr>
+          <p:cNvPr id="3" name="Underrubrik 2">
+            <a:extLst>
+              <a:ext uri="{FF2B5EF4-FFF2-40B4-BE49-F238E27FC236}">
+                <a16:creationId xmlns:a16="http://schemas.microsoft.com/office/drawing/2014/main" id="{A226363E-B59C-4A43-8BBF-1FD41EC1D612}"/>
+              </a:ext>
+            </a:extLst>
+          </p:cNvPr>
+          <p:cNvSpPr>
+            <a:spLocks noGrp="1"/>
+          </p:cNvSpPr>
+          <p:nvPr>
+            <p:ph type="subTitle" idx="1"/>
+          </p:nvPr>
+        </p:nvSpPr>
+        <p:spPr/>
+        <p:txBody>
+          <a:bodyPr>
+            <a:normAutofit/>
+          </a:bodyPr>
+          <a:lstStyle/>
+          <a:p>
+            <a:pPr marL="342900" indent="-342900" algn="l">
+              <a:buFont typeface=".Apple Color Emoji UI"/>
+              <a:buChar char="👁"/>
+            </a:pPr>
+            <a:r>
+              <a:rPr lang="en-US" dirty="0">
+                <a:solidFill>
+                  <a:schemeClr val="bg1"/>
+                </a:solidFill>
+              </a:rPr>
+              <a:t> 100+ products</a:t>
+            </a:r>
+          </a:p>
+          <a:p>
+            <a:pPr marL="342900" indent="-342900" algn="l">
+              <a:buFont typeface=".Apple Color Emoji UI"/>
+              <a:buChar char="👁"/>
+            </a:pPr>
+            <a:r>
+              <a:rPr lang="en-US" dirty="0">
+                <a:solidFill>
+                  <a:schemeClr val="bg1"/>
+                </a:solidFill>
+              </a:rPr>
+              <a:t> 10000+ customers</a:t>
+            </a:r>
+          </a:p>
+        </p:txBody>
+      </p:sp>
+    </p:spTree>
+    <p:extLst>
+      <p:ext uri="{BB962C8B-B14F-4D97-AF65-F5344CB8AC3E}">
+        <p14:creationId xmlns:p14="http://schemas.microsoft.com/office/powerpoint/2010/main" val="3542370445"/>
+      </p:ext>
+    </p:extLst>
+  </p:cSld>
+  <p:clrMapOvr>
+    <a:masterClrMapping/>
+  </p:clrMapOvr>
+  <mc:AlternateContent xmlns:mc="http://schemas.openxmlformats.org/markup-compatibility/2006" xmlns:p15="http://schemas.microsoft.com/office/powerpoint/2012/main">
+    <mc:Choice Requires="p15">
+      <p:transition xmlns:p14="http://schemas.microsoft.com/office/powerpoint/2010/main" spd="slow" p14:dur="2000">
+        <p15:prstTrans prst="fallOver"/>
+      </p:transition>
+    </mc:Choice>
+    <mc:Fallback xmlns="">
+      <p:transition spd="slow">
+        <p:fade/>
+      </p:transition>
+    </mc:Fallback>
+  </mc:AlternateContent>
+</p:sld>
+</file>
+
+<file path=ppt/slides/slide19.xml><?xml version="1.0" encoding="utf-8"?>
 <p:sld xmlns:a="http://schemas.openxmlformats.org/drawingml/2006/main" xmlns:r="http://schemas.openxmlformats.org/officeDocument/2006/relationships" xmlns:p="http://schemas.openxmlformats.org/presentationml/2006/main">
   <p:cSld>
     <p:bg>
@@ -45410,7 +48423,7 @@
         </p:nvSpPr>
         <p:spPr>
           <a:xfrm>
-            <a:off x="517157" y="398321"/>
+            <a:off x="244646" y="128016"/>
             <a:ext cx="3512436" cy="584775"/>
           </a:xfrm>
           <a:prstGeom prst="rect">
@@ -45428,11 +48441,9 @@
             <a:pPr algn="r"/>
             <a:r>
               <a:rPr lang="en-US" sz="3200" b="1" dirty="0">
-                <a:effectLst>
-                  <a:outerShdw blurRad="50800" dist="50800" dir="5400000" algn="ctr" rotWithShape="0">
-                    <a:schemeClr val="bg1"/>
-                  </a:outerShdw>
-                </a:effectLst>
+                <a:solidFill>
+                  <a:schemeClr val="bg1"/>
+                </a:solidFill>
                 <a:latin typeface="Arial" panose="020B0604020202020204" pitchFamily="34" charset="0"/>
                 <a:cs typeface="Arial" panose="020B0604020202020204" pitchFamily="34" charset="0"/>
               </a:rPr>
@@ -45440,11 +48451,9 @@
             </a:r>
             <a:r>
               <a:rPr lang="en-US" sz="2800" dirty="0">
-                <a:effectLst>
-                  <a:outerShdw blurRad="50800" dist="50800" dir="5400000" algn="ctr" rotWithShape="0">
-                    <a:schemeClr val="bg1"/>
-                  </a:outerShdw>
-                </a:effectLst>
+                <a:solidFill>
+                  <a:schemeClr val="bg1"/>
+                </a:solidFill>
                 <a:latin typeface="Arial" panose="020B0604020202020204" pitchFamily="34" charset="0"/>
                 <a:cs typeface="Arial" panose="020B0604020202020204" pitchFamily="34" charset="0"/>
               </a:rPr>
@@ -45478,7 +48487,294 @@
 </p:sld>
 </file>
 
-<file path=ppt/slides/slide18.xml><?xml version="1.0" encoding="utf-8"?>
+<file path=ppt/slides/slide2.xml><?xml version="1.0" encoding="utf-8"?>
+<p:sld xmlns:a="http://schemas.openxmlformats.org/drawingml/2006/main" xmlns:r="http://schemas.openxmlformats.org/officeDocument/2006/relationships" xmlns:p="http://schemas.openxmlformats.org/presentationml/2006/main">
+  <p:cSld>
+    <p:spTree>
+      <p:nvGrpSpPr>
+        <p:cNvPr id="1" name=""/>
+        <p:cNvGrpSpPr/>
+        <p:nvPr/>
+      </p:nvGrpSpPr>
+      <p:grpSpPr>
+        <a:xfrm>
+          <a:off x="0" y="0"/>
+          <a:ext cx="0" cy="0"/>
+          <a:chOff x="0" y="0"/>
+          <a:chExt cx="0" cy="0"/>
+        </a:xfrm>
+      </p:grpSpPr>
+      <p:sp>
+        <p:nvSpPr>
+          <p:cNvPr id="2" name="Rubrik 1">
+            <a:extLst>
+              <a:ext uri="{FF2B5EF4-FFF2-40B4-BE49-F238E27FC236}">
+                <a16:creationId xmlns:a16="http://schemas.microsoft.com/office/drawing/2014/main" id="{778AA7B0-812D-BE4C-9D98-50830F67FC99}"/>
+              </a:ext>
+            </a:extLst>
+          </p:cNvPr>
+          <p:cNvSpPr>
+            <a:spLocks noGrp="1"/>
+          </p:cNvSpPr>
+          <p:nvPr>
+            <p:ph type="ctrTitle"/>
+          </p:nvPr>
+        </p:nvSpPr>
+        <p:spPr/>
+        <p:txBody>
+          <a:bodyPr/>
+          <a:lstStyle/>
+          <a:p>
+            <a:r>
+              <a:rPr lang="en-US" dirty="0">
+                <a:latin typeface="Arial" panose="020B0604020202020204" pitchFamily="34" charset="0"/>
+                <a:cs typeface="Arial" panose="020B0604020202020204" pitchFamily="34" charset="0"/>
+              </a:rPr>
+              <a:t>What is </a:t>
+            </a:r>
+            <a:r>
+              <a:rPr lang="en-US" b="1" dirty="0">
+                <a:latin typeface="Arial" panose="020B0604020202020204" pitchFamily="34" charset="0"/>
+                <a:cs typeface="Arial" panose="020B0604020202020204" pitchFamily="34" charset="0"/>
+              </a:rPr>
+              <a:t>front </a:t>
+            </a:r>
+            <a:r>
+              <a:rPr lang="en-US" dirty="0">
+                <a:latin typeface="Arial" panose="020B0604020202020204" pitchFamily="34" charset="0"/>
+                <a:cs typeface="Arial" panose="020B0604020202020204" pitchFamily="34" charset="0"/>
+              </a:rPr>
+              <a:t>?</a:t>
+            </a:r>
+          </a:p>
+        </p:txBody>
+      </p:sp>
+      <p:sp>
+        <p:nvSpPr>
+          <p:cNvPr id="3" name="Underrubrik 2">
+            <a:extLst>
+              <a:ext uri="{FF2B5EF4-FFF2-40B4-BE49-F238E27FC236}">
+                <a16:creationId xmlns:a16="http://schemas.microsoft.com/office/drawing/2014/main" id="{E294AC7F-C049-3547-B4D0-CE708519A09B}"/>
+              </a:ext>
+            </a:extLst>
+          </p:cNvPr>
+          <p:cNvSpPr>
+            <a:spLocks noGrp="1"/>
+          </p:cNvSpPr>
+          <p:nvPr>
+            <p:ph type="subTitle" idx="1"/>
+          </p:nvPr>
+        </p:nvSpPr>
+        <p:spPr/>
+        <p:txBody>
+          <a:bodyPr/>
+          <a:lstStyle/>
+          <a:p>
+            <a:r>
+              <a:rPr lang="en-US" b="1" spc="200" dirty="0">
+                <a:solidFill>
+                  <a:schemeClr val="tx1">
+                    <a:alpha val="90000"/>
+                  </a:schemeClr>
+                </a:solidFill>
+                <a:latin typeface="Arial Narrow" panose="020B0604020202020204" pitchFamily="34" charset="0"/>
+                <a:cs typeface="Arial Narrow" panose="020B0604020202020204" pitchFamily="34" charset="0"/>
+              </a:rPr>
+              <a:t>front</a:t>
+            </a:r>
+            <a:r>
+              <a:rPr lang="en-US" spc="200" dirty="0">
+                <a:solidFill>
+                  <a:schemeClr val="tx1">
+                    <a:alpha val="90000"/>
+                  </a:schemeClr>
+                </a:solidFill>
+                <a:latin typeface="Arial Narrow" panose="020B0604020202020204" pitchFamily="34" charset="0"/>
+                <a:cs typeface="Arial Narrow" panose="020B0604020202020204" pitchFamily="34" charset="0"/>
+              </a:rPr>
+              <a:t> is a powerful software </a:t>
+            </a:r>
+            <a:r>
+              <a:rPr lang="sv-SE" b="1" dirty="0" err="1"/>
+              <a:t>low-code</a:t>
+            </a:r>
+            <a:r>
+              <a:rPr lang="en-US" spc="200" dirty="0">
+                <a:solidFill>
+                  <a:schemeClr val="tx1">
+                    <a:alpha val="90000"/>
+                  </a:schemeClr>
+                </a:solidFill>
+                <a:latin typeface="Arial Narrow" panose="020B0604020202020204" pitchFamily="34" charset="0"/>
+                <a:cs typeface="Arial Narrow" panose="020B0604020202020204" pitchFamily="34" charset="0"/>
+              </a:rPr>
+              <a:t> framework and platform</a:t>
+            </a:r>
+          </a:p>
+          <a:p>
+            <a:endParaRPr lang="en-US" spc="200" dirty="0">
+              <a:solidFill>
+                <a:schemeClr val="tx1">
+                  <a:alpha val="90000"/>
+                </a:schemeClr>
+              </a:solidFill>
+              <a:latin typeface="Arial Narrow" panose="020B0604020202020204" pitchFamily="34" charset="0"/>
+              <a:cs typeface="Arial Narrow" panose="020B0604020202020204" pitchFamily="34" charset="0"/>
+            </a:endParaRPr>
+          </a:p>
+        </p:txBody>
+      </p:sp>
+      <p:pic>
+        <p:nvPicPr>
+          <p:cNvPr id="6" name="Ljud 5">
+            <a:hlinkClick r:id="" action="ppaction://media"/>
+            <a:extLst>
+              <a:ext uri="{FF2B5EF4-FFF2-40B4-BE49-F238E27FC236}">
+                <a16:creationId xmlns:a16="http://schemas.microsoft.com/office/drawing/2014/main" id="{9B513883-D19A-D14E-8F99-CD808A5640CC}"/>
+              </a:ext>
+            </a:extLst>
+          </p:cNvPr>
+          <p:cNvPicPr>
+            <a:picLocks noChangeAspect="1"/>
+          </p:cNvPicPr>
+          <p:nvPr>
+            <a:audioFile r:link="rId2"/>
+            <p:extLst>
+              <p:ext uri="{DAA4B4D4-6D71-4841-9C94-3DE7FCFB9230}">
+                <p14:media xmlns:p14="http://schemas.microsoft.com/office/powerpoint/2010/main" r:embed="rId1"/>
+              </p:ext>
+            </p:extLst>
+          </p:nvPr>
+        </p:nvPicPr>
+        <p:blipFill>
+          <a:blip r:embed="rId4"/>
+          <a:stretch>
+            <a:fillRect/>
+          </a:stretch>
+        </p:blipFill>
+        <p:spPr>
+          <a:xfrm>
+            <a:off x="11163300" y="5829300"/>
+            <a:ext cx="812800" cy="812800"/>
+          </a:xfrm>
+          <a:prstGeom prst="rect">
+            <a:avLst/>
+          </a:prstGeom>
+        </p:spPr>
+      </p:pic>
+    </p:spTree>
+    <p:extLst>
+      <p:ext uri="{BB962C8B-B14F-4D97-AF65-F5344CB8AC3E}">
+        <p14:creationId xmlns:p14="http://schemas.microsoft.com/office/powerpoint/2010/main" val="3026453203"/>
+      </p:ext>
+    </p:extLst>
+  </p:cSld>
+  <p:clrMapOvr>
+    <a:masterClrMapping/>
+  </p:clrMapOvr>
+  <mc:AlternateContent xmlns:mc="http://schemas.openxmlformats.org/markup-compatibility/2006" xmlns:p15="http://schemas.microsoft.com/office/powerpoint/2012/main">
+    <mc:Choice Requires="p15">
+      <p:transition xmlns:p14="http://schemas.microsoft.com/office/powerpoint/2010/main" spd="slow" p14:dur="5000" advTm="2258">
+        <p15:prstTrans prst="curtains"/>
+      </p:transition>
+    </mc:Choice>
+    <mc:Fallback xmlns="">
+      <p:transition spd="slow" advTm="2258">
+        <p:fade/>
+      </p:transition>
+    </mc:Fallback>
+  </mc:AlternateContent>
+  <p:timing>
+    <p:tnLst>
+      <p:par>
+        <p:cTn id="1" dur="indefinite" restart="never" nodeType="tmRoot">
+          <p:childTnLst>
+            <p:seq concurrent="1" nextAc="seek">
+              <p:cTn id="2" dur="indefinite" nodeType="mainSeq">
+                <p:childTnLst>
+                  <p:par>
+                    <p:cTn id="3" fill="hold">
+                      <p:stCondLst>
+                        <p:cond delay="indefinite"/>
+                        <p:cond evt="onBegin" delay="0">
+                          <p:tn val="2"/>
+                        </p:cond>
+                      </p:stCondLst>
+                      <p:childTnLst>
+                        <p:par>
+                          <p:cTn id="4" fill="hold">
+                            <p:stCondLst>
+                              <p:cond delay="0"/>
+                            </p:stCondLst>
+                            <p:childTnLst>
+                              <p:par>
+                                <p:cTn id="5" presetID="1" presetClass="mediacall" presetSubtype="0" fill="hold" nodeType="afterEffect">
+                                  <p:stCondLst>
+                                    <p:cond delay="0"/>
+                                  </p:stCondLst>
+                                  <p:childTnLst>
+                                    <p:cmd type="call" cmd="playFrom(0.0)">
+                                      <p:cBhvr>
+                                        <p:cTn id="6" dur="1" fill="hold"/>
+                                        <p:tgtEl>
+                                          <p:spTgt spid="6"/>
+                                        </p:tgtEl>
+                                      </p:cBhvr>
+                                    </p:cmd>
+                                  </p:childTnLst>
+                                </p:cTn>
+                              </p:par>
+                            </p:childTnLst>
+                          </p:cTn>
+                        </p:par>
+                      </p:childTnLst>
+                    </p:cTn>
+                  </p:par>
+                </p:childTnLst>
+              </p:cTn>
+              <p:prevCondLst>
+                <p:cond evt="onPrev" delay="0">
+                  <p:tgtEl>
+                    <p:sldTgt/>
+                  </p:tgtEl>
+                </p:cond>
+              </p:prevCondLst>
+              <p:nextCondLst>
+                <p:cond evt="onNext" delay="0">
+                  <p:tgtEl>
+                    <p:sldTgt/>
+                  </p:tgtEl>
+                </p:cond>
+              </p:nextCondLst>
+            </p:seq>
+            <p:audio isNarration="1">
+              <p:cMediaNode vol="80000" showWhenStopped="0">
+                <p:cTn id="7" fill="hold" display="0">
+                  <p:stCondLst>
+                    <p:cond delay="indefinite"/>
+                  </p:stCondLst>
+                  <p:endCondLst>
+                    <p:cond evt="onStopAudio" delay="0">
+                      <p:tgtEl>
+                        <p:sldTgt/>
+                      </p:tgtEl>
+                    </p:cond>
+                  </p:endCondLst>
+                </p:cTn>
+                <p:tgtEl>
+                  <p:spTgt spid="6"/>
+                </p:tgtEl>
+              </p:cMediaNode>
+            </p:audio>
+          </p:childTnLst>
+        </p:cTn>
+      </p:par>
+    </p:tnLst>
+  </p:timing>
+</p:sld>
+</file>
+
+<file path=ppt/slides/slide20.xml><?xml version="1.0" encoding="utf-8"?>
 <p:sld xmlns:a="http://schemas.openxmlformats.org/drawingml/2006/main" xmlns:r="http://schemas.openxmlformats.org/officeDocument/2006/relationships" xmlns:p="http://schemas.openxmlformats.org/presentationml/2006/main">
   <p:cSld>
     <p:bg>
@@ -45880,6 +49176,47 @@
           </a:prstGeom>
         </p:spPr>
       </p:pic>
+      <p:sp>
+        <p:nvSpPr>
+          <p:cNvPr id="8" name="textruta 7">
+            <a:extLst>
+              <a:ext uri="{FF2B5EF4-FFF2-40B4-BE49-F238E27FC236}">
+                <a16:creationId xmlns:a16="http://schemas.microsoft.com/office/drawing/2014/main" id="{8280CE2F-2664-9B49-B7E2-7FB99505124C}"/>
+              </a:ext>
+            </a:extLst>
+          </p:cNvPr>
+          <p:cNvSpPr txBox="1"/>
+          <p:nvPr/>
+        </p:nvSpPr>
+        <p:spPr>
+          <a:xfrm>
+            <a:off x="5115603" y="1880721"/>
+            <a:ext cx="1960793" cy="584775"/>
+          </a:xfrm>
+          <a:prstGeom prst="rect">
+            <a:avLst/>
+          </a:prstGeom>
+          <a:noFill/>
+        </p:spPr>
+        <p:txBody>
+          <a:bodyPr wrap="none" rtlCol="0">
+            <a:spAutoFit/>
+          </a:bodyPr>
+          <a:lstStyle/>
+          <a:p>
+            <a:r>
+              <a:rPr lang="en-US" sz="3200" b="1" dirty="0">
+                <a:solidFill>
+                  <a:schemeClr val="bg1"/>
+                </a:solidFill>
+                <a:latin typeface="Arial" panose="020B0604020202020204" pitchFamily="34" charset="0"/>
+                <a:cs typeface="Arial" panose="020B0604020202020204" pitchFamily="34" charset="0"/>
+              </a:rPr>
+              <a:t>Products</a:t>
+            </a:r>
+          </a:p>
+        </p:txBody>
+      </p:sp>
     </p:spTree>
     <p:extLst>
       <p:ext uri="{BB962C8B-B14F-4D97-AF65-F5344CB8AC3E}">
@@ -45893,7 +49230,7 @@
 </p:sld>
 </file>
 
-<file path=ppt/slides/slide19.xml><?xml version="1.0" encoding="utf-8"?>
+<file path=ppt/slides/slide21.xml><?xml version="1.0" encoding="utf-8"?>
 <p:sld xmlns:a="http://schemas.openxmlformats.org/drawingml/2006/main" xmlns:r="http://schemas.openxmlformats.org/officeDocument/2006/relationships" xmlns:p="http://schemas.openxmlformats.org/presentationml/2006/main">
   <p:cSld>
     <p:bg>
@@ -46051,290 +49388,7 @@
 </p:sld>
 </file>
 
-<file path=ppt/slides/slide2.xml><?xml version="1.0" encoding="utf-8"?>
-<p:sld xmlns:a="http://schemas.openxmlformats.org/drawingml/2006/main" xmlns:r="http://schemas.openxmlformats.org/officeDocument/2006/relationships" xmlns:p="http://schemas.openxmlformats.org/presentationml/2006/main">
-  <p:cSld>
-    <p:spTree>
-      <p:nvGrpSpPr>
-        <p:cNvPr id="1" name=""/>
-        <p:cNvGrpSpPr/>
-        <p:nvPr/>
-      </p:nvGrpSpPr>
-      <p:grpSpPr>
-        <a:xfrm>
-          <a:off x="0" y="0"/>
-          <a:ext cx="0" cy="0"/>
-          <a:chOff x="0" y="0"/>
-          <a:chExt cx="0" cy="0"/>
-        </a:xfrm>
-      </p:grpSpPr>
-      <p:sp>
-        <p:nvSpPr>
-          <p:cNvPr id="2" name="Rubrik 1">
-            <a:extLst>
-              <a:ext uri="{FF2B5EF4-FFF2-40B4-BE49-F238E27FC236}">
-                <a16:creationId xmlns:a16="http://schemas.microsoft.com/office/drawing/2014/main" id="{778AA7B0-812D-BE4C-9D98-50830F67FC99}"/>
-              </a:ext>
-            </a:extLst>
-          </p:cNvPr>
-          <p:cNvSpPr>
-            <a:spLocks noGrp="1"/>
-          </p:cNvSpPr>
-          <p:nvPr>
-            <p:ph type="ctrTitle"/>
-          </p:nvPr>
-        </p:nvSpPr>
-        <p:spPr/>
-        <p:txBody>
-          <a:bodyPr/>
-          <a:lstStyle/>
-          <a:p>
-            <a:r>
-              <a:rPr lang="en-US" dirty="0">
-                <a:latin typeface="Arial" panose="020B0604020202020204" pitchFamily="34" charset="0"/>
-                <a:cs typeface="Arial" panose="020B0604020202020204" pitchFamily="34" charset="0"/>
-              </a:rPr>
-              <a:t>What is </a:t>
-            </a:r>
-            <a:r>
-              <a:rPr lang="en-US" b="1" dirty="0">
-                <a:latin typeface="Arial" panose="020B0604020202020204" pitchFamily="34" charset="0"/>
-                <a:cs typeface="Arial" panose="020B0604020202020204" pitchFamily="34" charset="0"/>
-              </a:rPr>
-              <a:t>front </a:t>
-            </a:r>
-            <a:r>
-              <a:rPr lang="en-US" dirty="0">
-                <a:latin typeface="Arial" panose="020B0604020202020204" pitchFamily="34" charset="0"/>
-                <a:cs typeface="Arial" panose="020B0604020202020204" pitchFamily="34" charset="0"/>
-              </a:rPr>
-              <a:t>?</a:t>
-            </a:r>
-          </a:p>
-        </p:txBody>
-      </p:sp>
-      <p:sp>
-        <p:nvSpPr>
-          <p:cNvPr id="3" name="Underrubrik 2">
-            <a:extLst>
-              <a:ext uri="{FF2B5EF4-FFF2-40B4-BE49-F238E27FC236}">
-                <a16:creationId xmlns:a16="http://schemas.microsoft.com/office/drawing/2014/main" id="{E294AC7F-C049-3547-B4D0-CE708519A09B}"/>
-              </a:ext>
-            </a:extLst>
-          </p:cNvPr>
-          <p:cNvSpPr>
-            <a:spLocks noGrp="1"/>
-          </p:cNvSpPr>
-          <p:nvPr>
-            <p:ph type="subTitle" idx="1"/>
-          </p:nvPr>
-        </p:nvSpPr>
-        <p:spPr/>
-        <p:txBody>
-          <a:bodyPr/>
-          <a:lstStyle/>
-          <a:p>
-            <a:r>
-              <a:rPr lang="en-US" spc="200" dirty="0">
-                <a:solidFill>
-                  <a:schemeClr val="tx1">
-                    <a:alpha val="90000"/>
-                  </a:schemeClr>
-                </a:solidFill>
-                <a:latin typeface="Arial Narrow" panose="020B0604020202020204" pitchFamily="34" charset="0"/>
-                <a:cs typeface="Arial Narrow" panose="020B0604020202020204" pitchFamily="34" charset="0"/>
-              </a:rPr>
-              <a:t>- A short answer would be a powerful software framework </a:t>
-            </a:r>
-            <a:r>
-              <a:rPr lang="en-US" b="1" spc="200" dirty="0">
-                <a:solidFill>
-                  <a:schemeClr val="tx1">
-                    <a:alpha val="90000"/>
-                  </a:schemeClr>
-                </a:solidFill>
-                <a:latin typeface="Arial Narrow" panose="020B0604020202020204" pitchFamily="34" charset="0"/>
-                <a:cs typeface="Arial Narrow" panose="020B0604020202020204" pitchFamily="34" charset="0"/>
-              </a:rPr>
-              <a:t>tool</a:t>
-            </a:r>
-            <a:r>
-              <a:rPr lang="en-US" spc="200" dirty="0">
-                <a:solidFill>
-                  <a:schemeClr val="tx1">
-                    <a:alpha val="90000"/>
-                  </a:schemeClr>
-                </a:solidFill>
-                <a:latin typeface="Arial Narrow" panose="020B0604020202020204" pitchFamily="34" charset="0"/>
-                <a:cs typeface="Arial Narrow" panose="020B0604020202020204" pitchFamily="34" charset="0"/>
-              </a:rPr>
-              <a:t>...</a:t>
-            </a:r>
-          </a:p>
-          <a:p>
-            <a:endParaRPr lang="en-US" spc="200" dirty="0">
-              <a:solidFill>
-                <a:schemeClr val="tx1">
-                  <a:alpha val="90000"/>
-                </a:schemeClr>
-              </a:solidFill>
-              <a:latin typeface="Arial Narrow" panose="020B0604020202020204" pitchFamily="34" charset="0"/>
-              <a:cs typeface="Arial Narrow" panose="020B0604020202020204" pitchFamily="34" charset="0"/>
-            </a:endParaRPr>
-          </a:p>
-        </p:txBody>
-      </p:sp>
-      <p:pic>
-        <p:nvPicPr>
-          <p:cNvPr id="6" name="Ljud 5">
-            <a:hlinkClick r:id="" action="ppaction://media"/>
-            <a:extLst>
-              <a:ext uri="{FF2B5EF4-FFF2-40B4-BE49-F238E27FC236}">
-                <a16:creationId xmlns:a16="http://schemas.microsoft.com/office/drawing/2014/main" id="{9B513883-D19A-D14E-8F99-CD808A5640CC}"/>
-              </a:ext>
-            </a:extLst>
-          </p:cNvPr>
-          <p:cNvPicPr>
-            <a:picLocks noChangeAspect="1"/>
-          </p:cNvPicPr>
-          <p:nvPr>
-            <a:audioFile r:link="rId2"/>
-            <p:extLst>
-              <p:ext uri="{DAA4B4D4-6D71-4841-9C94-3DE7FCFB9230}">
-                <p14:media xmlns:p14="http://schemas.microsoft.com/office/powerpoint/2010/main" r:embed="rId1"/>
-              </p:ext>
-            </p:extLst>
-          </p:nvPr>
-        </p:nvPicPr>
-        <p:blipFill>
-          <a:blip r:embed="rId4"/>
-          <a:stretch>
-            <a:fillRect/>
-          </a:stretch>
-        </p:blipFill>
-        <p:spPr>
-          <a:xfrm>
-            <a:off x="11163300" y="5829300"/>
-            <a:ext cx="812800" cy="812800"/>
-          </a:xfrm>
-          <a:prstGeom prst="rect">
-            <a:avLst/>
-          </a:prstGeom>
-        </p:spPr>
-      </p:pic>
-    </p:spTree>
-    <p:extLst>
-      <p:ext uri="{BB962C8B-B14F-4D97-AF65-F5344CB8AC3E}">
-        <p14:creationId xmlns:p14="http://schemas.microsoft.com/office/powerpoint/2010/main" val="3026453203"/>
-      </p:ext>
-    </p:extLst>
-  </p:cSld>
-  <p:clrMapOvr>
-    <a:masterClrMapping/>
-  </p:clrMapOvr>
-  <mc:AlternateContent xmlns:mc="http://schemas.openxmlformats.org/markup-compatibility/2006" xmlns:p15="http://schemas.microsoft.com/office/powerpoint/2012/main">
-    <mc:Choice Requires="p15">
-      <p:transition xmlns:p14="http://schemas.microsoft.com/office/powerpoint/2010/main" spd="slow" p14:dur="5000" advTm="2258">
-        <p15:prstTrans prst="curtains"/>
-      </p:transition>
-    </mc:Choice>
-    <mc:Fallback xmlns="">
-      <p:transition spd="slow" advTm="2258">
-        <p:fade/>
-      </p:transition>
-    </mc:Fallback>
-  </mc:AlternateContent>
-  <p:timing>
-    <p:tnLst>
-      <p:par>
-        <p:cTn id="1" dur="indefinite" restart="never" nodeType="tmRoot">
-          <p:childTnLst>
-            <p:seq concurrent="1" nextAc="seek">
-              <p:cTn id="2" dur="indefinite" nodeType="mainSeq">
-                <p:childTnLst>
-                  <p:par>
-                    <p:cTn id="3" fill="hold">
-                      <p:stCondLst>
-                        <p:cond delay="indefinite"/>
-                        <p:cond evt="onBegin" delay="0">
-                          <p:tn val="2"/>
-                        </p:cond>
-                      </p:stCondLst>
-                      <p:childTnLst>
-                        <p:par>
-                          <p:cTn id="4" fill="hold">
-                            <p:stCondLst>
-                              <p:cond delay="0"/>
-                            </p:stCondLst>
-                            <p:childTnLst>
-                              <p:par>
-                                <p:cTn id="5" presetID="1" presetClass="mediacall" presetSubtype="0" fill="hold" nodeType="afterEffect">
-                                  <p:stCondLst>
-                                    <p:cond delay="0"/>
-                                  </p:stCondLst>
-                                  <p:childTnLst>
-                                    <p:cmd type="call" cmd="playFrom(0.0)">
-                                      <p:cBhvr>
-                                        <p:cTn id="6" dur="1" fill="hold"/>
-                                        <p:tgtEl>
-                                          <p:spTgt spid="6"/>
-                                        </p:tgtEl>
-                                      </p:cBhvr>
-                                    </p:cmd>
-                                  </p:childTnLst>
-                                </p:cTn>
-                              </p:par>
-                            </p:childTnLst>
-                          </p:cTn>
-                        </p:par>
-                      </p:childTnLst>
-                    </p:cTn>
-                  </p:par>
-                </p:childTnLst>
-              </p:cTn>
-              <p:prevCondLst>
-                <p:cond evt="onPrev" delay="0">
-                  <p:tgtEl>
-                    <p:sldTgt/>
-                  </p:tgtEl>
-                </p:cond>
-              </p:prevCondLst>
-              <p:nextCondLst>
-                <p:cond evt="onNext" delay="0">
-                  <p:tgtEl>
-                    <p:sldTgt/>
-                  </p:tgtEl>
-                </p:cond>
-              </p:nextCondLst>
-            </p:seq>
-            <p:audio isNarration="1">
-              <p:cMediaNode vol="80000" showWhenStopped="0">
-                <p:cTn id="7" fill="hold" display="0">
-                  <p:stCondLst>
-                    <p:cond delay="indefinite"/>
-                  </p:stCondLst>
-                  <p:endCondLst>
-                    <p:cond evt="onStopAudio" delay="0">
-                      <p:tgtEl>
-                        <p:sldTgt/>
-                      </p:tgtEl>
-                    </p:cond>
-                  </p:endCondLst>
-                </p:cTn>
-                <p:tgtEl>
-                  <p:spTgt spid="6"/>
-                </p:tgtEl>
-              </p:cMediaNode>
-            </p:audio>
-          </p:childTnLst>
-        </p:cTn>
-      </p:par>
-    </p:tnLst>
-  </p:timing>
-</p:sld>
-</file>
-
-<file path=ppt/slides/slide20.xml><?xml version="1.0" encoding="utf-8"?>
+<file path=ppt/slides/slide22.xml><?xml version="1.0" encoding="utf-8"?>
 <p:sld xmlns:a="http://schemas.openxmlformats.org/drawingml/2006/main" xmlns:r="http://schemas.openxmlformats.org/officeDocument/2006/relationships" xmlns:p="http://schemas.openxmlformats.org/presentationml/2006/main">
   <p:cSld>
     <p:bg>
@@ -46585,7 +49639,7 @@
                 <a:latin typeface="Arial Narrow" panose="020B0604020202020204" pitchFamily="34" charset="0"/>
                 <a:cs typeface="Arial Narrow" panose="020B0604020202020204" pitchFamily="34" charset="0"/>
               </a:rPr>
-              <a:t> can create simple and advanced applications in no-time.</a:t>
+              <a:t> can create simple and advanced applications in no-time</a:t>
             </a:r>
           </a:p>
         </p:txBody>
@@ -46874,7 +49928,7 @@
                 <a:latin typeface="Arial Narrow" panose="020B0604020202020204" pitchFamily="34" charset="0"/>
                 <a:cs typeface="Arial Narrow" panose="020B0604020202020204" pitchFamily="34" charset="0"/>
               </a:rPr>
-              <a:t> flexible and optimized to eliminate bugs.</a:t>
+              <a:t> flexible and optimized to eliminate bugs</a:t>
             </a:r>
           </a:p>
         </p:txBody>
@@ -46905,6 +49959,167 @@
 </file>
 
 <file path=ppt/slides/slide5.xml><?xml version="1.0" encoding="utf-8"?>
+<p:sld xmlns:a="http://schemas.openxmlformats.org/drawingml/2006/main" xmlns:r="http://schemas.openxmlformats.org/officeDocument/2006/relationships" xmlns:p="http://schemas.openxmlformats.org/presentationml/2006/main">
+  <p:cSld>
+    <p:spTree>
+      <p:nvGrpSpPr>
+        <p:cNvPr id="1" name=""/>
+        <p:cNvGrpSpPr/>
+        <p:nvPr/>
+      </p:nvGrpSpPr>
+      <p:grpSpPr>
+        <a:xfrm>
+          <a:off x="0" y="0"/>
+          <a:ext cx="0" cy="0"/>
+          <a:chOff x="0" y="0"/>
+          <a:chExt cx="0" cy="0"/>
+        </a:xfrm>
+      </p:grpSpPr>
+      <p:sp>
+        <p:nvSpPr>
+          <p:cNvPr id="2" name="Rubrik 1">
+            <a:extLst>
+              <a:ext uri="{FF2B5EF4-FFF2-40B4-BE49-F238E27FC236}">
+                <a16:creationId xmlns:a16="http://schemas.microsoft.com/office/drawing/2014/main" id="{778AA7B0-812D-BE4C-9D98-50830F67FC99}"/>
+              </a:ext>
+            </a:extLst>
+          </p:cNvPr>
+          <p:cNvSpPr>
+            <a:spLocks noGrp="1"/>
+          </p:cNvSpPr>
+          <p:nvPr>
+            <p:ph type="ctrTitle"/>
+          </p:nvPr>
+        </p:nvSpPr>
+        <p:spPr/>
+        <p:txBody>
+          <a:bodyPr/>
+          <a:lstStyle/>
+          <a:p>
+            <a:r>
+              <a:rPr lang="en-US" dirty="0">
+                <a:latin typeface="Arial" panose="020B0604020202020204" pitchFamily="34" charset="0"/>
+                <a:cs typeface="Arial" panose="020B0604020202020204" pitchFamily="34" charset="0"/>
+              </a:rPr>
+              <a:t>Who can use </a:t>
+            </a:r>
+            <a:r>
+              <a:rPr lang="en-US" b="1" dirty="0">
+                <a:latin typeface="Arial" panose="020B0604020202020204" pitchFamily="34" charset="0"/>
+                <a:cs typeface="Arial" panose="020B0604020202020204" pitchFamily="34" charset="0"/>
+              </a:rPr>
+              <a:t>front </a:t>
+            </a:r>
+            <a:r>
+              <a:rPr lang="en-US" dirty="0">
+                <a:latin typeface="Arial" panose="020B0604020202020204" pitchFamily="34" charset="0"/>
+                <a:cs typeface="Arial" panose="020B0604020202020204" pitchFamily="34" charset="0"/>
+              </a:rPr>
+              <a:t>?</a:t>
+            </a:r>
+          </a:p>
+        </p:txBody>
+      </p:sp>
+      <p:sp>
+        <p:nvSpPr>
+          <p:cNvPr id="3" name="Underrubrik 2">
+            <a:extLst>
+              <a:ext uri="{FF2B5EF4-FFF2-40B4-BE49-F238E27FC236}">
+                <a16:creationId xmlns:a16="http://schemas.microsoft.com/office/drawing/2014/main" id="{E294AC7F-C049-3547-B4D0-CE708519A09B}"/>
+              </a:ext>
+            </a:extLst>
+          </p:cNvPr>
+          <p:cNvSpPr>
+            <a:spLocks noGrp="1"/>
+          </p:cNvSpPr>
+          <p:nvPr>
+            <p:ph type="subTitle" idx="1"/>
+          </p:nvPr>
+        </p:nvSpPr>
+        <p:spPr>
+          <a:xfrm>
+            <a:off x="0" y="3602038"/>
+            <a:ext cx="12192000" cy="1655762"/>
+          </a:xfrm>
+        </p:spPr>
+        <p:txBody>
+          <a:bodyPr/>
+          <a:lstStyle/>
+          <a:p>
+            <a:r>
+              <a:rPr lang="en-US" b="1" spc="180" dirty="0">
+                <a:solidFill>
+                  <a:schemeClr val="tx1">
+                    <a:alpha val="90000"/>
+                  </a:schemeClr>
+                </a:solidFill>
+                <a:latin typeface="Arial Narrow" panose="020B0604020202020204" pitchFamily="34" charset="0"/>
+                <a:cs typeface="Arial Narrow" panose="020B0604020202020204" pitchFamily="34" charset="0"/>
+              </a:rPr>
+              <a:t>front</a:t>
+            </a:r>
+            <a:r>
+              <a:rPr lang="en-US" spc="180" dirty="0">
+                <a:solidFill>
+                  <a:schemeClr val="tx1">
+                    <a:alpha val="90000"/>
+                  </a:schemeClr>
+                </a:solidFill>
+                <a:latin typeface="Arial Narrow" panose="020B0604020202020204" pitchFamily="34" charset="0"/>
+                <a:cs typeface="Arial Narrow" panose="020B0604020202020204" pitchFamily="34" charset="0"/>
+              </a:rPr>
+              <a:t> can be used by </a:t>
+            </a:r>
+            <a:r>
+              <a:rPr lang="sv-SE" dirty="0" err="1"/>
+              <a:t>programmers</a:t>
+            </a:r>
+            <a:r>
+              <a:rPr lang="sv-SE" dirty="0"/>
+              <a:t> and non-</a:t>
+            </a:r>
+            <a:r>
+              <a:rPr lang="sv-SE" dirty="0" err="1"/>
+              <a:t>programmers</a:t>
+            </a:r>
+            <a:endParaRPr lang="en-US" spc="180" dirty="0">
+              <a:solidFill>
+                <a:schemeClr val="tx1">
+                  <a:alpha val="90000"/>
+                </a:schemeClr>
+              </a:solidFill>
+              <a:latin typeface="Arial Narrow" panose="020B0604020202020204" pitchFamily="34" charset="0"/>
+              <a:cs typeface="Arial Narrow" panose="020B0604020202020204" pitchFamily="34" charset="0"/>
+            </a:endParaRPr>
+          </a:p>
+        </p:txBody>
+      </p:sp>
+    </p:spTree>
+    <p:extLst>
+      <p:ext uri="{BB962C8B-B14F-4D97-AF65-F5344CB8AC3E}">
+        <p14:creationId xmlns:p14="http://schemas.microsoft.com/office/powerpoint/2010/main" val="3941056940"/>
+      </p:ext>
+    </p:extLst>
+  </p:cSld>
+  <p:clrMapOvr>
+    <a:masterClrMapping/>
+  </p:clrMapOvr>
+  <mc:AlternateContent xmlns:mc="http://schemas.openxmlformats.org/markup-compatibility/2006" xmlns:p15="http://schemas.microsoft.com/office/powerpoint/2012/main">
+    <mc:Choice Requires="p15">
+      <p:transition xmlns:p14="http://schemas.microsoft.com/office/powerpoint/2010/main" spd="slow" p14:dur="5000">
+        <p15:prstTrans prst="fallOver"/>
+      </p:transition>
+    </mc:Choice>
+    <mc:Fallback xmlns="">
+      <p:transition spd="slow">
+        <p:fade/>
+      </p:transition>
+    </mc:Fallback>
+  </mc:AlternateContent>
+</p:sld>
+</file>
+
+<file path=ppt/slides/slide6.xml><?xml version="1.0" encoding="utf-8"?>
 <p:sld xmlns:a="http://schemas.openxmlformats.org/drawingml/2006/main" xmlns:r="http://schemas.openxmlformats.org/officeDocument/2006/relationships" xmlns:p="http://schemas.openxmlformats.org/presentationml/2006/main">
   <p:cSld>
     <p:spTree>
@@ -46963,8 +50178,8 @@
         </p:nvSpPr>
         <p:spPr>
           <a:xfrm>
-            <a:off x="373391" y="398325"/>
-            <a:ext cx="3337773" cy="892552"/>
+            <a:off x="263278" y="241163"/>
+            <a:ext cx="2904961" cy="769441"/>
           </a:xfrm>
           <a:prstGeom prst="rect">
             <a:avLst/>
@@ -46980,7 +50195,7 @@
           <a:p>
             <a:pPr algn="r"/>
             <a:r>
-              <a:rPr lang="en-US" sz="3200" b="1" dirty="0">
+              <a:rPr lang="en-US" sz="2800" b="1" dirty="0">
                 <a:effectLst>
                   <a:outerShdw blurRad="50800" dist="50800" dir="5400000" algn="ctr" rotWithShape="0">
                     <a:schemeClr val="bg1"/>
@@ -46992,7 +50207,7 @@
               <a:t>front</a:t>
             </a:r>
             <a:r>
-              <a:rPr lang="en-US" sz="2800" dirty="0">
+              <a:rPr lang="en-US" sz="2400" dirty="0">
                 <a:effectLst>
                   <a:outerShdw blurRad="50800" dist="50800" dir="5400000" algn="ctr" rotWithShape="0">
                     <a:schemeClr val="bg1"/>
@@ -47007,7 +50222,7 @@
           <a:p>
             <a:pPr algn="r"/>
             <a:r>
-              <a:rPr lang="en-US" dirty="0">
+              <a:rPr lang="en-US" sz="1600" dirty="0">
                 <a:solidFill>
                   <a:schemeClr val="tx1">
                     <a:lumMod val="85000"/>
@@ -47067,7 +50282,7 @@
 </p:sld>
 </file>
 
-<file path=ppt/slides/slide6.xml><?xml version="1.0" encoding="utf-8"?>
+<file path=ppt/slides/slide7.xml><?xml version="1.0" encoding="utf-8"?>
 <p:sld xmlns:a="http://schemas.openxmlformats.org/drawingml/2006/main" xmlns:r="http://schemas.openxmlformats.org/officeDocument/2006/relationships" xmlns:p="http://schemas.openxmlformats.org/presentationml/2006/main">
   <p:cSld>
     <p:spTree>
@@ -47126,8 +50341,8 @@
         </p:nvSpPr>
         <p:spPr>
           <a:xfrm>
-            <a:off x="373391" y="398325"/>
-            <a:ext cx="3337773" cy="892552"/>
+            <a:off x="363290" y="312600"/>
+            <a:ext cx="2904961" cy="769441"/>
           </a:xfrm>
           <a:prstGeom prst="rect">
             <a:avLst/>
@@ -47141,9 +50356,8 @@
           </a:bodyPr>
           <a:lstStyle/>
           <a:p>
-            <a:pPr algn="r"/>
             <a:r>
-              <a:rPr lang="en-US" sz="3200" b="1" dirty="0">
+              <a:rPr lang="en-US" sz="2800" b="1" dirty="0">
                 <a:effectLst>
                   <a:outerShdw blurRad="50800" dist="50800" dir="5400000" algn="ctr" rotWithShape="0">
                     <a:schemeClr val="bg1"/>
@@ -47155,7 +50369,7 @@
               <a:t>front</a:t>
             </a:r>
             <a:r>
-              <a:rPr lang="en-US" sz="2800" dirty="0">
+              <a:rPr lang="en-US" sz="2400" dirty="0">
                 <a:effectLst>
                   <a:outerShdw blurRad="50800" dist="50800" dir="5400000" algn="ctr" rotWithShape="0">
                     <a:schemeClr val="bg1"/>
@@ -47168,9 +50382,8 @@
             </a:r>
           </a:p>
           <a:p>
-            <a:pPr algn="r"/>
             <a:r>
-              <a:rPr lang="en-US" dirty="0">
+              <a:rPr lang="en-US" sz="1600" dirty="0">
                 <a:solidFill>
                   <a:schemeClr val="tx1">
                     <a:lumMod val="85000"/>
@@ -47187,7 +50400,7 @@
               </a:rPr>
               <a:t>Technology</a:t>
             </a:r>
-            <a:endParaRPr lang="en-US" sz="2800" dirty="0">
+            <a:endParaRPr lang="en-US" sz="2400" dirty="0">
               <a:solidFill>
                 <a:schemeClr val="tx1">
                   <a:lumMod val="85000"/>
@@ -47230,7 +50443,7 @@
 </p:sld>
 </file>
 
-<file path=ppt/slides/slide7.xml><?xml version="1.0" encoding="utf-8"?>
+<file path=ppt/slides/slide8.xml><?xml version="1.0" encoding="utf-8"?>
 <p:sld xmlns:a="http://schemas.openxmlformats.org/drawingml/2006/main" xmlns:r="http://schemas.openxmlformats.org/officeDocument/2006/relationships" xmlns:p="http://schemas.openxmlformats.org/presentationml/2006/main">
   <p:cSld>
     <p:spTree>
@@ -47290,7 +50503,7 @@
         <p:spPr>
           <a:xfrm>
             <a:off x="373391" y="398325"/>
-            <a:ext cx="3337773" cy="892552"/>
+            <a:ext cx="2904962" cy="769441"/>
           </a:xfrm>
           <a:prstGeom prst="rect">
             <a:avLst/>
@@ -47304,9 +50517,8 @@
           </a:bodyPr>
           <a:lstStyle/>
           <a:p>
-            <a:pPr algn="r"/>
             <a:r>
-              <a:rPr lang="en-US" sz="3200" b="1" dirty="0">
+              <a:rPr lang="en-US" sz="2800" b="1" dirty="0">
                 <a:effectLst>
                   <a:outerShdw blurRad="50800" dist="50800" dir="5400000" algn="ctr" rotWithShape="0">
                     <a:schemeClr val="bg1"/>
@@ -47318,7 +50530,7 @@
               <a:t>front</a:t>
             </a:r>
             <a:r>
-              <a:rPr lang="en-US" sz="2800" dirty="0">
+              <a:rPr lang="en-US" sz="2400" dirty="0">
                 <a:effectLst>
                   <a:outerShdw blurRad="50800" dist="50800" dir="5400000" algn="ctr" rotWithShape="0">
                     <a:schemeClr val="bg1"/>
@@ -47331,9 +50543,8 @@
             </a:r>
           </a:p>
           <a:p>
-            <a:pPr algn="r"/>
             <a:r>
-              <a:rPr lang="en-US" dirty="0">
+              <a:rPr lang="en-US" sz="1600" dirty="0">
                 <a:solidFill>
                   <a:schemeClr val="tx1">
                     <a:lumMod val="85000"/>
@@ -47350,7 +50561,7 @@
               </a:rPr>
               <a:t>Multi-platform</a:t>
             </a:r>
-            <a:endParaRPr lang="en-US" sz="2800" dirty="0">
+            <a:endParaRPr lang="en-US" sz="2400" dirty="0">
               <a:solidFill>
                 <a:schemeClr val="tx1">
                   <a:lumMod val="85000"/>
@@ -47393,7 +50604,7 @@
 </p:sld>
 </file>
 
-<file path=ppt/slides/slide8.xml><?xml version="1.0" encoding="utf-8"?>
+<file path=ppt/slides/slide9.xml><?xml version="1.0" encoding="utf-8"?>
 <p:sld xmlns:a="http://schemas.openxmlformats.org/drawingml/2006/main" xmlns:r="http://schemas.openxmlformats.org/officeDocument/2006/relationships" xmlns:p="http://schemas.openxmlformats.org/presentationml/2006/main">
   <p:cSld>
     <p:bg>
@@ -47487,8 +50698,8 @@
         </p:nvSpPr>
         <p:spPr>
           <a:xfrm>
-            <a:off x="330371" y="395551"/>
-            <a:ext cx="2727029" cy="861774"/>
+            <a:off x="254171" y="302147"/>
+            <a:ext cx="2727029" cy="769441"/>
           </a:xfrm>
           <a:prstGeom prst="rect">
             <a:avLst/>
@@ -47502,9 +50713,8 @@
           </a:bodyPr>
           <a:lstStyle/>
           <a:p>
-            <a:pPr algn="r"/>
             <a:r>
-              <a:rPr lang="en-US" sz="3200" b="1" dirty="0">
+              <a:rPr lang="en-US" sz="2800" b="1" dirty="0">
                 <a:effectLst>
                   <a:outerShdw blurRad="50800" dist="50800" dir="5400000" algn="ctr" rotWithShape="0">
                     <a:schemeClr val="bg1"/>
@@ -47516,7 +50726,7 @@
               <a:t>front</a:t>
             </a:r>
             <a:r>
-              <a:rPr lang="en-US" sz="2800" dirty="0">
+              <a:rPr lang="en-US" sz="2400" dirty="0">
                 <a:effectLst>
                   <a:outerShdw blurRad="50800" dist="50800" dir="5400000" algn="ctr" rotWithShape="0">
                     <a:schemeClr val="bg1"/>
@@ -47529,9 +50739,8 @@
             </a:r>
           </a:p>
           <a:p>
-            <a:pPr algn="r"/>
             <a:r>
-              <a:rPr lang="en-US" dirty="0">
+              <a:rPr lang="en-US" sz="1600" dirty="0">
                 <a:solidFill>
                   <a:schemeClr val="tx1">
                     <a:lumMod val="85000"/>
@@ -47548,7 +50757,7 @@
               </a:rPr>
               <a:t>Services</a:t>
             </a:r>
-            <a:endParaRPr lang="en-US" sz="1400" dirty="0">
+            <a:endParaRPr lang="en-US" sz="1200" dirty="0">
               <a:solidFill>
                 <a:schemeClr val="tx1">
                   <a:lumMod val="85000"/>
@@ -47570,267 +50779,6 @@
     <p:extLst>
       <p:ext uri="{BB962C8B-B14F-4D97-AF65-F5344CB8AC3E}">
         <p14:creationId xmlns:p14="http://schemas.microsoft.com/office/powerpoint/2010/main" val="3919701626"/>
-      </p:ext>
-    </p:extLst>
-  </p:cSld>
-  <p:clrMapOvr>
-    <a:masterClrMapping/>
-  </p:clrMapOvr>
-  <mc:AlternateContent xmlns:mc="http://schemas.openxmlformats.org/markup-compatibility/2006" xmlns:p15="http://schemas.microsoft.com/office/powerpoint/2012/main">
-    <mc:Choice Requires="p15">
-      <p:transition xmlns:p14="http://schemas.microsoft.com/office/powerpoint/2010/main" spd="slow" p14:dur="10000">
-        <p15:prstTrans prst="fallOver"/>
-      </p:transition>
-    </mc:Choice>
-    <mc:Fallback xmlns="">
-      <p:transition spd="slow">
-        <p:fade/>
-      </p:transition>
-    </mc:Fallback>
-  </mc:AlternateContent>
-</p:sld>
-</file>
-
-<file path=ppt/slides/slide9.xml><?xml version="1.0" encoding="utf-8"?>
-<p:sld xmlns:a="http://schemas.openxmlformats.org/drawingml/2006/main" xmlns:r="http://schemas.openxmlformats.org/officeDocument/2006/relationships" xmlns:p="http://schemas.openxmlformats.org/presentationml/2006/main">
-  <p:cSld>
-    <p:bg>
-      <p:bgPr>
-        <a:gradFill flip="none" rotWithShape="1">
-          <a:gsLst>
-            <a:gs pos="0">
-              <a:schemeClr val="accent6">
-                <a:lumMod val="5000"/>
-                <a:lumOff val="95000"/>
-              </a:schemeClr>
-            </a:gs>
-            <a:gs pos="74000">
-              <a:schemeClr val="accent6">
-                <a:lumMod val="45000"/>
-                <a:lumOff val="55000"/>
-              </a:schemeClr>
-            </a:gs>
-            <a:gs pos="83000">
-              <a:schemeClr val="accent6">
-                <a:lumMod val="45000"/>
-                <a:lumOff val="55000"/>
-              </a:schemeClr>
-            </a:gs>
-            <a:gs pos="100000">
-              <a:schemeClr val="accent6">
-                <a:lumMod val="30000"/>
-                <a:lumOff val="70000"/>
-              </a:schemeClr>
-            </a:gs>
-          </a:gsLst>
-          <a:lin ang="5400000" scaled="1"/>
-          <a:tileRect/>
-        </a:gradFill>
-        <a:effectLst/>
-      </p:bgPr>
-    </p:bg>
-    <p:spTree>
-      <p:nvGrpSpPr>
-        <p:cNvPr id="1" name=""/>
-        <p:cNvGrpSpPr/>
-        <p:nvPr/>
-      </p:nvGrpSpPr>
-      <p:grpSpPr>
-        <a:xfrm>
-          <a:off x="0" y="0"/>
-          <a:ext cx="0" cy="0"/>
-          <a:chOff x="0" y="0"/>
-          <a:chExt cx="0" cy="0"/>
-        </a:xfrm>
-      </p:grpSpPr>
-      <p:graphicFrame>
-        <p:nvGraphicFramePr>
-          <p:cNvPr id="4" name="Diagram 3">
-            <a:extLst>
-              <a:ext uri="{FF2B5EF4-FFF2-40B4-BE49-F238E27FC236}">
-                <a16:creationId xmlns:a16="http://schemas.microsoft.com/office/drawing/2014/main" id="{D7E22FCD-B510-BC4C-8DAD-3C1F033C772A}"/>
-              </a:ext>
-            </a:extLst>
-          </p:cNvPr>
-          <p:cNvGraphicFramePr/>
-          <p:nvPr>
-            <p:extLst>
-              <p:ext uri="{D42A27DB-BD31-4B8C-83A1-F6EECF244321}">
-                <p14:modId xmlns:p14="http://schemas.microsoft.com/office/powerpoint/2010/main" val="3645283802"/>
-              </p:ext>
-            </p:extLst>
-          </p:nvPr>
-        </p:nvGraphicFramePr>
-        <p:xfrm>
-          <a:off x="426624" y="1289184"/>
-          <a:ext cx="7117176" cy="5568816"/>
-        </p:xfrm>
-        <a:graphic>
-          <a:graphicData uri="http://schemas.openxmlformats.org/drawingml/2006/diagram">
-            <dgm:relIds xmlns:dgm="http://schemas.openxmlformats.org/drawingml/2006/diagram" xmlns:r="http://schemas.openxmlformats.org/officeDocument/2006/relationships" r:dm="rId2" r:lo="rId3" r:qs="rId4" r:cs="rId5"/>
-          </a:graphicData>
-        </a:graphic>
-      </p:graphicFrame>
-      <p:sp>
-        <p:nvSpPr>
-          <p:cNvPr id="5" name="textruta 4">
-            <a:extLst>
-              <a:ext uri="{FF2B5EF4-FFF2-40B4-BE49-F238E27FC236}">
-                <a16:creationId xmlns:a16="http://schemas.microsoft.com/office/drawing/2014/main" id="{3A182EC3-41B9-6246-A106-B0A22895D137}"/>
-              </a:ext>
-            </a:extLst>
-          </p:cNvPr>
-          <p:cNvSpPr txBox="1"/>
-          <p:nvPr/>
-        </p:nvSpPr>
-        <p:spPr>
-          <a:xfrm>
-            <a:off x="328303" y="396632"/>
-            <a:ext cx="2727029" cy="892552"/>
-          </a:xfrm>
-          <a:prstGeom prst="rect">
-            <a:avLst/>
-          </a:prstGeom>
-          <a:noFill/>
-          <a:effectLst/>
-        </p:spPr>
-        <p:txBody>
-          <a:bodyPr wrap="none" rtlCol="0">
-            <a:spAutoFit/>
-          </a:bodyPr>
-          <a:lstStyle/>
-          <a:p>
-            <a:pPr algn="r"/>
-            <a:r>
-              <a:rPr lang="en-US" sz="3200" b="1" dirty="0">
-                <a:effectLst>
-                  <a:outerShdw blurRad="50800" dist="50800" dir="5400000" algn="ctr" rotWithShape="0">
-                    <a:schemeClr val="bg1"/>
-                  </a:outerShdw>
-                </a:effectLst>
-                <a:latin typeface="Arial" panose="020B0604020202020204" pitchFamily="34" charset="0"/>
-                <a:cs typeface="Arial" panose="020B0604020202020204" pitchFamily="34" charset="0"/>
-              </a:rPr>
-              <a:t>front</a:t>
-            </a:r>
-            <a:r>
-              <a:rPr lang="en-US" sz="2800" dirty="0">
-                <a:effectLst>
-                  <a:outerShdw blurRad="50800" dist="50800" dir="5400000" algn="ctr" rotWithShape="0">
-                    <a:schemeClr val="bg1"/>
-                  </a:outerShdw>
-                </a:effectLst>
-                <a:latin typeface="Arial" panose="020B0604020202020204" pitchFamily="34" charset="0"/>
-                <a:cs typeface="Arial" panose="020B0604020202020204" pitchFamily="34" charset="0"/>
-              </a:rPr>
-              <a:t> Business</a:t>
-            </a:r>
-          </a:p>
-          <a:p>
-            <a:pPr algn="r"/>
-            <a:r>
-              <a:rPr lang="en-US" dirty="0">
-                <a:solidFill>
-                  <a:schemeClr val="tx1">
-                    <a:lumMod val="85000"/>
-                    <a:lumOff val="15000"/>
-                  </a:schemeClr>
-                </a:solidFill>
-                <a:effectLst>
-                  <a:outerShdw blurRad="50800" dist="50800" dir="5400000" algn="ctr" rotWithShape="0">
-                    <a:schemeClr val="bg1"/>
-                  </a:outerShdw>
-                </a:effectLst>
-                <a:latin typeface="Arial" panose="020B0604020202020204" pitchFamily="34" charset="0"/>
-                <a:cs typeface="Arial" panose="020B0604020202020204" pitchFamily="34" charset="0"/>
-              </a:rPr>
-              <a:t>Pricing model</a:t>
-            </a:r>
-            <a:endParaRPr lang="en-US" sz="1500" dirty="0">
-              <a:solidFill>
-                <a:schemeClr val="tx1">
-                  <a:lumMod val="85000"/>
-                  <a:lumOff val="15000"/>
-                </a:schemeClr>
-              </a:solidFill>
-              <a:effectLst>
-                <a:outerShdw blurRad="50800" dist="50800" dir="5400000" algn="ctr" rotWithShape="0">
-                  <a:schemeClr val="bg1"/>
-                </a:outerShdw>
-              </a:effectLst>
-              <a:latin typeface="Arial" panose="020B0604020202020204" pitchFamily="34" charset="0"/>
-              <a:cs typeface="Arial" panose="020B0604020202020204" pitchFamily="34" charset="0"/>
-            </a:endParaRPr>
-          </a:p>
-        </p:txBody>
-      </p:sp>
-      <p:graphicFrame>
-        <p:nvGraphicFramePr>
-          <p:cNvPr id="12" name="Diagram 11">
-            <a:extLst>
-              <a:ext uri="{FF2B5EF4-FFF2-40B4-BE49-F238E27FC236}">
-                <a16:creationId xmlns:a16="http://schemas.microsoft.com/office/drawing/2014/main" id="{8CEE0125-5935-D34A-8E57-441BEBB98459}"/>
-              </a:ext>
-            </a:extLst>
-          </p:cNvPr>
-          <p:cNvGraphicFramePr/>
-          <p:nvPr>
-            <p:extLst>
-              <p:ext uri="{D42A27DB-BD31-4B8C-83A1-F6EECF244321}">
-                <p14:modId xmlns:p14="http://schemas.microsoft.com/office/powerpoint/2010/main" val="1963206387"/>
-              </p:ext>
-            </p:extLst>
-          </p:nvPr>
-        </p:nvGraphicFramePr>
-        <p:xfrm>
-          <a:off x="8043862" y="1901891"/>
-          <a:ext cx="3700463" cy="4343401"/>
-        </p:xfrm>
-        <a:graphic>
-          <a:graphicData uri="http://schemas.openxmlformats.org/drawingml/2006/diagram">
-            <dgm:relIds xmlns:dgm="http://schemas.openxmlformats.org/drawingml/2006/diagram" xmlns:r="http://schemas.openxmlformats.org/officeDocument/2006/relationships" r:dm="rId7" r:lo="rId8" r:qs="rId9" r:cs="rId10"/>
-          </a:graphicData>
-        </a:graphic>
-      </p:graphicFrame>
-      <p:sp>
-        <p:nvSpPr>
-          <p:cNvPr id="2" name="textruta 1">
-            <a:extLst>
-              <a:ext uri="{FF2B5EF4-FFF2-40B4-BE49-F238E27FC236}">
-                <a16:creationId xmlns:a16="http://schemas.microsoft.com/office/drawing/2014/main" id="{1F90BF4D-0457-5748-9D14-DB66D5762AF0}"/>
-              </a:ext>
-            </a:extLst>
-          </p:cNvPr>
-          <p:cNvSpPr txBox="1"/>
-          <p:nvPr/>
-        </p:nvSpPr>
-        <p:spPr>
-          <a:xfrm>
-            <a:off x="9161452" y="1717225"/>
-            <a:ext cx="1791068" cy="369332"/>
-          </a:xfrm>
-          <a:prstGeom prst="rect">
-            <a:avLst/>
-          </a:prstGeom>
-          <a:noFill/>
-        </p:spPr>
-        <p:txBody>
-          <a:bodyPr wrap="none" rtlCol="0">
-            <a:spAutoFit/>
-          </a:bodyPr>
-          <a:lstStyle/>
-          <a:p>
-            <a:r>
-              <a:rPr lang="en-US" dirty="0"/>
-              <a:t>Freemium model</a:t>
-            </a:r>
-          </a:p>
-        </p:txBody>
-      </p:sp>
-    </p:spTree>
-    <p:extLst>
-      <p:ext uri="{BB962C8B-B14F-4D97-AF65-F5344CB8AC3E}">
-        <p14:creationId xmlns:p14="http://schemas.microsoft.com/office/powerpoint/2010/main" val="3977657642"/>
       </p:ext>
     </p:extLst>
   </p:cSld>

--- a/_front.pptx
+++ b/_front.pptx
@@ -18,15 +18,18 @@
     <p:sldId id="264" r:id="rId12"/>
     <p:sldId id="262" r:id="rId13"/>
     <p:sldId id="266" r:id="rId14"/>
-    <p:sldId id="270" r:id="rId15"/>
-    <p:sldId id="269" r:id="rId16"/>
-    <p:sldId id="271" r:id="rId17"/>
-    <p:sldId id="273" r:id="rId18"/>
-    <p:sldId id="278" r:id="rId19"/>
-    <p:sldId id="277" r:id="rId20"/>
-    <p:sldId id="275" r:id="rId21"/>
-    <p:sldId id="267" r:id="rId22"/>
-    <p:sldId id="268" r:id="rId23"/>
+    <p:sldId id="280" r:id="rId15"/>
+    <p:sldId id="270" r:id="rId16"/>
+    <p:sldId id="269" r:id="rId17"/>
+    <p:sldId id="271" r:id="rId18"/>
+    <p:sldId id="273" r:id="rId19"/>
+    <p:sldId id="278" r:id="rId20"/>
+    <p:sldId id="277" r:id="rId21"/>
+    <p:sldId id="275" r:id="rId22"/>
+    <p:sldId id="281" r:id="rId23"/>
+    <p:sldId id="282" r:id="rId24"/>
+    <p:sldId id="267" r:id="rId25"/>
+    <p:sldId id="268" r:id="rId26"/>
   </p:sldIdLst>
   <p:sldSz cx="12192000" cy="6858000"/>
   <p:notesSz cx="6858000" cy="9144000"/>
@@ -155,6 +158,7 @@
             <p14:sldId id="264"/>
             <p14:sldId id="262"/>
             <p14:sldId id="266"/>
+            <p14:sldId id="280"/>
             <p14:sldId id="270"/>
             <p14:sldId id="269"/>
           </p14:sldIdLst>
@@ -166,6 +170,8 @@
             <p14:sldId id="278"/>
             <p14:sldId id="277"/>
             <p14:sldId id="275"/>
+            <p14:sldId id="281"/>
+            <p14:sldId id="282"/>
             <p14:sldId id="267"/>
             <p14:sldId id="268"/>
           </p14:sldIdLst>
@@ -10144,12 +10150,20 @@
             <a:buChar char="•"/>
           </a:pPr>
           <a:r>
+            <a:rPr lang="sv-SE" sz="1400" b="0" i="0" spc="0" baseline="0" noProof="0" dirty="0" err="1">
+              <a:ln/>
+              <a:latin typeface="Arial" panose="020B0604020202020204" pitchFamily="34" charset="0"/>
+              <a:cs typeface="Arial" panose="020B0604020202020204" pitchFamily="34" charset="0"/>
+            </a:rPr>
+            <a:t>Governments</a:t>
+          </a:r>
+          <a:r>
             <a:rPr lang="sv-SE" sz="1400" b="0" i="0" spc="0" baseline="0" noProof="0" dirty="0">
               <a:ln/>
               <a:latin typeface="Arial" panose="020B0604020202020204" pitchFamily="34" charset="0"/>
               <a:cs typeface="Arial" panose="020B0604020202020204" pitchFamily="34" charset="0"/>
             </a:rPr>
-            <a:t>Guvernements (B2G)</a:t>
+            <a:t> (B2G)</a:t>
           </a:r>
           <a:endParaRPr lang="en-US" sz="1400" b="0" i="0" spc="0" baseline="0" noProof="0" dirty="0">
             <a:ln/>
@@ -14130,67 +14144,6 @@
         </a:p>
       </dgm:t>
     </dgm:pt>
-    <dgm:pt modelId="{AD0D092C-B210-3E49-86B7-3803ECF9BB69}">
-      <dgm:prSet phldrT="[Text]" custT="1"/>
-      <dgm:spPr>
-        <a:solidFill>
-          <a:schemeClr val="tx1"/>
-        </a:solidFill>
-      </dgm:spPr>
-      <dgm:t>
-        <a:bodyPr lIns="0"/>
-        <a:lstStyle/>
-        <a:p>
-          <a:pPr rtl="0">
-            <a:buFont typeface="Arial" panose="020B0604020202020204" pitchFamily="34" charset="0"/>
-            <a:buChar char="•"/>
-          </a:pPr>
-          <a:r>
-            <a:rPr lang="sv-SE" sz="1400" b="0" i="0" spc="0" baseline="0" noProof="0" dirty="0" err="1">
-              <a:ln/>
-              <a:latin typeface="Arial" panose="020B0604020202020204" pitchFamily="34" charset="0"/>
-              <a:cs typeface="Arial" panose="020B0604020202020204" pitchFamily="34" charset="0"/>
-            </a:rPr>
-            <a:t>Consumers</a:t>
-          </a:r>
-          <a:r>
-            <a:rPr lang="sv-SE" sz="1400" b="0" i="0" spc="0" baseline="0" noProof="0" dirty="0">
-              <a:ln/>
-              <a:latin typeface="Arial" panose="020B0604020202020204" pitchFamily="34" charset="0"/>
-              <a:cs typeface="Arial" panose="020B0604020202020204" pitchFamily="34" charset="0"/>
-            </a:rPr>
-            <a:t> (B2C)</a:t>
-          </a:r>
-          <a:endParaRPr lang="en-US" sz="1400" b="0" i="0" spc="0" baseline="0" noProof="0" dirty="0">
-            <a:ln/>
-            <a:latin typeface="Arial" panose="020B0604020202020204" pitchFamily="34" charset="0"/>
-            <a:cs typeface="Arial" panose="020B0604020202020204" pitchFamily="34" charset="0"/>
-          </a:endParaRPr>
-        </a:p>
-      </dgm:t>
-    </dgm:pt>
-    <dgm:pt modelId="{0B265776-2620-5C42-A897-BDCE11944B61}" type="sibTrans" cxnId="{E86CEF8F-E16C-2E4D-8114-40E8CB8601EB}">
-      <dgm:prSet/>
-      <dgm:spPr/>
-      <dgm:t>
-        <a:bodyPr/>
-        <a:lstStyle/>
-        <a:p>
-          <a:endParaRPr lang="sv-SE"/>
-        </a:p>
-      </dgm:t>
-    </dgm:pt>
-    <dgm:pt modelId="{FBEFBC91-CDB4-C74B-AD34-B307CB8A99BC}" type="parTrans" cxnId="{E86CEF8F-E16C-2E4D-8114-40E8CB8601EB}">
-      <dgm:prSet/>
-      <dgm:spPr/>
-      <dgm:t>
-        <a:bodyPr/>
-        <a:lstStyle/>
-        <a:p>
-          <a:endParaRPr lang="sv-SE"/>
-        </a:p>
-      </dgm:t>
-    </dgm:pt>
     <dgm:pt modelId="{55E61106-1329-5B4F-B992-2B6B168DB2FB}">
       <dgm:prSet phldrT="[Text]" custT="1"/>
       <dgm:spPr>
@@ -14337,6 +14290,67 @@
         </a:p>
       </dgm:t>
     </dgm:pt>
+    <dgm:pt modelId="{AD0D092C-B210-3E49-86B7-3803ECF9BB69}">
+      <dgm:prSet phldrT="[Text]" custT="1"/>
+      <dgm:spPr>
+        <a:solidFill>
+          <a:schemeClr val="tx1"/>
+        </a:solidFill>
+      </dgm:spPr>
+      <dgm:t>
+        <a:bodyPr lIns="0"/>
+        <a:lstStyle/>
+        <a:p>
+          <a:pPr rtl="0">
+            <a:buFont typeface="Arial" panose="020B0604020202020204" pitchFamily="34" charset="0"/>
+            <a:buChar char="•"/>
+          </a:pPr>
+          <a:r>
+            <a:rPr lang="sv-SE" sz="1400" b="0" i="0" spc="0" baseline="0" noProof="0" dirty="0" err="1">
+              <a:ln/>
+              <a:latin typeface="Arial" panose="020B0604020202020204" pitchFamily="34" charset="0"/>
+              <a:cs typeface="Arial" panose="020B0604020202020204" pitchFamily="34" charset="0"/>
+            </a:rPr>
+            <a:t>Consumers</a:t>
+          </a:r>
+          <a:r>
+            <a:rPr lang="sv-SE" sz="1400" b="0" i="0" spc="0" baseline="0" noProof="0" dirty="0">
+              <a:ln/>
+              <a:latin typeface="Arial" panose="020B0604020202020204" pitchFamily="34" charset="0"/>
+              <a:cs typeface="Arial" panose="020B0604020202020204" pitchFamily="34" charset="0"/>
+            </a:rPr>
+            <a:t> (B2C)</a:t>
+          </a:r>
+          <a:endParaRPr lang="en-US" sz="1400" b="0" i="0" spc="0" baseline="0" noProof="0" dirty="0">
+            <a:ln/>
+            <a:latin typeface="Arial" panose="020B0604020202020204" pitchFamily="34" charset="0"/>
+            <a:cs typeface="Arial" panose="020B0604020202020204" pitchFamily="34" charset="0"/>
+          </a:endParaRPr>
+        </a:p>
+      </dgm:t>
+    </dgm:pt>
+    <dgm:pt modelId="{0B265776-2620-5C42-A897-BDCE11944B61}" type="sibTrans" cxnId="{E86CEF8F-E16C-2E4D-8114-40E8CB8601EB}">
+      <dgm:prSet/>
+      <dgm:spPr/>
+      <dgm:t>
+        <a:bodyPr/>
+        <a:lstStyle/>
+        <a:p>
+          <a:endParaRPr lang="sv-SE"/>
+        </a:p>
+      </dgm:t>
+    </dgm:pt>
+    <dgm:pt modelId="{FBEFBC91-CDB4-C74B-AD34-B307CB8A99BC}" type="parTrans" cxnId="{E86CEF8F-E16C-2E4D-8114-40E8CB8601EB}">
+      <dgm:prSet/>
+      <dgm:spPr/>
+      <dgm:t>
+        <a:bodyPr/>
+        <a:lstStyle/>
+        <a:p>
+          <a:endParaRPr lang="sv-SE"/>
+        </a:p>
+      </dgm:t>
+    </dgm:pt>
     <dgm:pt modelId="{950286A6-E8DD-1347-8E4B-B3E002FAD681}" type="pres">
       <dgm:prSet presAssocID="{1A576890-154F-4248-9DC0-6F3C42121396}" presName="Name0" presStyleCnt="0">
         <dgm:presLayoutVars>
@@ -14380,34 +14394,34 @@
     </dgm:pt>
   </dgm:ptLst>
   <dgm:cxnLst>
-    <dgm:cxn modelId="{DB71B216-4F22-1040-A0E5-36FAADD8CB22}" type="presOf" srcId="{25C4E45C-CD15-5F49-91FA-4F7D48A0171B}" destId="{DD4D16FC-BE3D-4F41-AAFF-B7BC97773F42}" srcOrd="0" destOrd="0" presId="urn:microsoft.com/office/officeart/2005/8/layout/venn2"/>
+    <dgm:cxn modelId="{93857104-B409-B540-A470-650509037988}" type="presOf" srcId="{F9B7C1A0-A63C-8140-8784-4EBAD56ED995}" destId="{30D9EE73-C305-184A-9397-7AA28748D028}" srcOrd="0" destOrd="2" presId="urn:microsoft.com/office/officeart/2005/8/layout/venn2"/>
     <dgm:cxn modelId="{64B8011C-F0D7-8A4D-98D4-A513C4155F08}" srcId="{70EF5BE3-DC8A-D745-9ABF-78768D7A0560}" destId="{8D3A046A-EBF7-BC4A-BF31-54121AD18602}" srcOrd="0" destOrd="0" parTransId="{E318C352-974D-6141-8AE3-A3D08928925B}" sibTransId="{FC7FDF3E-F3E2-AA4C-AF5A-F8A8C798A9ED}"/>
-    <dgm:cxn modelId="{BF71621F-CE87-8C43-9576-1E3741AB0617}" srcId="{25C4E45C-CD15-5F49-91FA-4F7D48A0171B}" destId="{55E61106-1329-5B4F-B992-2B6B168DB2FB}" srcOrd="0" destOrd="0" parTransId="{02ED20E2-D21F-DE48-9324-13CC869BFAE6}" sibTransId="{34B08334-EB1D-9443-B020-633CA3C1CD54}"/>
-    <dgm:cxn modelId="{41FAAF28-90D9-F047-8A8B-7CC9AAC7F63B}" type="presOf" srcId="{BAD5E5AA-F4B9-554D-8A46-B044C33A191E}" destId="{DD4D16FC-BE3D-4F41-AAFF-B7BC97773F42}" srcOrd="0" destOrd="3" presId="urn:microsoft.com/office/officeart/2005/8/layout/venn2"/>
-    <dgm:cxn modelId="{F119D232-BBAB-A640-9F2F-4FCEA9946DA4}" type="presOf" srcId="{8D3A046A-EBF7-BC4A-BF31-54121AD18602}" destId="{3A0F7175-C4D0-E54A-9312-EC99F6F722A7}" srcOrd="1" destOrd="1" presId="urn:microsoft.com/office/officeart/2005/8/layout/venn2"/>
-    <dgm:cxn modelId="{B072DC39-ECDB-1344-BCDF-4A445C359BEA}" type="presOf" srcId="{70EF5BE3-DC8A-D745-9ABF-78768D7A0560}" destId="{30D9EE73-C305-184A-9397-7AA28748D028}" srcOrd="0" destOrd="0" presId="urn:microsoft.com/office/officeart/2005/8/layout/venn2"/>
-    <dgm:cxn modelId="{9565633C-8706-7C43-B29E-F0ADF974CE22}" type="presOf" srcId="{8D3A046A-EBF7-BC4A-BF31-54121AD18602}" destId="{30D9EE73-C305-184A-9397-7AA28748D028}" srcOrd="0" destOrd="1" presId="urn:microsoft.com/office/officeart/2005/8/layout/venn2"/>
-    <dgm:cxn modelId="{661C8F42-003E-CB44-9150-7ABE36DB9847}" type="presOf" srcId="{55E61106-1329-5B4F-B992-2B6B168DB2FB}" destId="{DD4D16FC-BE3D-4F41-AAFF-B7BC97773F42}" srcOrd="0" destOrd="1" presId="urn:microsoft.com/office/officeart/2005/8/layout/venn2"/>
+    <dgm:cxn modelId="{BF71621F-CE87-8C43-9576-1E3741AB0617}" srcId="{25C4E45C-CD15-5F49-91FA-4F7D48A0171B}" destId="{55E61106-1329-5B4F-B992-2B6B168DB2FB}" srcOrd="1" destOrd="0" parTransId="{02ED20E2-D21F-DE48-9324-13CC869BFAE6}" sibTransId="{34B08334-EB1D-9443-B020-633CA3C1CD54}"/>
+    <dgm:cxn modelId="{6AD2B730-0DB0-5B41-A14A-4C36FC30757F}" type="presOf" srcId="{F9B7C1A0-A63C-8140-8784-4EBAD56ED995}" destId="{3A0F7175-C4D0-E54A-9312-EC99F6F722A7}" srcOrd="1" destOrd="2" presId="urn:microsoft.com/office/officeart/2005/8/layout/venn2"/>
+    <dgm:cxn modelId="{EBFEC433-CB95-B74C-9CF1-6978F8D56E2C}" type="presOf" srcId="{70EF5BE3-DC8A-D745-9ABF-78768D7A0560}" destId="{30D9EE73-C305-184A-9397-7AA28748D028}" srcOrd="0" destOrd="0" presId="urn:microsoft.com/office/officeart/2005/8/layout/venn2"/>
     <dgm:cxn modelId="{A814844F-DD17-CD46-8E73-F53EC8723637}" type="presOf" srcId="{1A576890-154F-4248-9DC0-6F3C42121396}" destId="{950286A6-E8DD-1347-8E4B-B3E002FAD681}" srcOrd="0" destOrd="0" presId="urn:microsoft.com/office/officeart/2005/8/layout/venn2"/>
+    <dgm:cxn modelId="{A99F6C59-9847-AC40-86E7-E6114996707F}" type="presOf" srcId="{25C4E45C-CD15-5F49-91FA-4F7D48A0171B}" destId="{8216D880-2421-9744-AF1B-DDD3DF0B53D8}" srcOrd="1" destOrd="0" presId="urn:microsoft.com/office/officeart/2005/8/layout/venn2"/>
+    <dgm:cxn modelId="{B127445A-0135-C64D-9D84-22161EC7EE33}" type="presOf" srcId="{BAD5E5AA-F4B9-554D-8A46-B044C33A191E}" destId="{8216D880-2421-9744-AF1B-DDD3DF0B53D8}" srcOrd="1" destOrd="3" presId="urn:microsoft.com/office/officeart/2005/8/layout/venn2"/>
     <dgm:cxn modelId="{4384445C-1274-DF45-BD63-711BF0712EE3}" srcId="{70EF5BE3-DC8A-D745-9ABF-78768D7A0560}" destId="{F9B7C1A0-A63C-8140-8784-4EBAD56ED995}" srcOrd="1" destOrd="0" parTransId="{C360B83C-0155-DE4A-BD23-234B7F4158F1}" sibTransId="{6A5A6151-3A4F-1846-A61B-FB0805AEBBE7}"/>
     <dgm:cxn modelId="{8329575F-5F3C-A044-AB27-CB49B347BF67}" srcId="{1A576890-154F-4248-9DC0-6F3C42121396}" destId="{25C4E45C-CD15-5F49-91FA-4F7D48A0171B}" srcOrd="1" destOrd="0" parTransId="{21552B9E-C909-C34F-AE1B-4E168FF23F77}" sibTransId="{F413C2E0-CBEA-1A41-9330-CA0752099AB2}"/>
-    <dgm:cxn modelId="{D3FB2A7C-1809-7648-9001-D8C3C7776E8D}" type="presOf" srcId="{F9B7C1A0-A63C-8140-8784-4EBAD56ED995}" destId="{30D9EE73-C305-184A-9397-7AA28748D028}" srcOrd="0" destOrd="2" presId="urn:microsoft.com/office/officeart/2005/8/layout/venn2"/>
-    <dgm:cxn modelId="{001B067D-A1F5-4E44-8EC6-2D6132391F49}" type="presOf" srcId="{F9B7C1A0-A63C-8140-8784-4EBAD56ED995}" destId="{3A0F7175-C4D0-E54A-9312-EC99F6F722A7}" srcOrd="1" destOrd="2" presId="urn:microsoft.com/office/officeart/2005/8/layout/venn2"/>
-    <dgm:cxn modelId="{E86CEF8F-E16C-2E4D-8114-40E8CB8601EB}" srcId="{25C4E45C-CD15-5F49-91FA-4F7D48A0171B}" destId="{AD0D092C-B210-3E49-86B7-3803ECF9BB69}" srcOrd="1" destOrd="0" parTransId="{FBEFBC91-CDB4-C74B-AD34-B307CB8A99BC}" sibTransId="{0B265776-2620-5C42-A897-BDCE11944B61}"/>
+    <dgm:cxn modelId="{10567A60-6843-8346-A3E9-D1D6005B9227}" type="presOf" srcId="{25C4E45C-CD15-5F49-91FA-4F7D48A0171B}" destId="{DD4D16FC-BE3D-4F41-AAFF-B7BC97773F42}" srcOrd="0" destOrd="0" presId="urn:microsoft.com/office/officeart/2005/8/layout/venn2"/>
+    <dgm:cxn modelId="{4009497C-C8E9-A648-9038-82F3C8C0F19A}" type="presOf" srcId="{BAD5E5AA-F4B9-554D-8A46-B044C33A191E}" destId="{DD4D16FC-BE3D-4F41-AAFF-B7BC97773F42}" srcOrd="0" destOrd="3" presId="urn:microsoft.com/office/officeart/2005/8/layout/venn2"/>
+    <dgm:cxn modelId="{F7EB297D-DF4E-204D-AD61-33BD3B5925C1}" type="presOf" srcId="{70EF5BE3-DC8A-D745-9ABF-78768D7A0560}" destId="{3A0F7175-C4D0-E54A-9312-EC99F6F722A7}" srcOrd="1" destOrd="0" presId="urn:microsoft.com/office/officeart/2005/8/layout/venn2"/>
+    <dgm:cxn modelId="{7B630B8B-4AA6-0C45-9C13-9323A1B759B5}" type="presOf" srcId="{8D3A046A-EBF7-BC4A-BF31-54121AD18602}" destId="{30D9EE73-C305-184A-9397-7AA28748D028}" srcOrd="0" destOrd="1" presId="urn:microsoft.com/office/officeart/2005/8/layout/venn2"/>
+    <dgm:cxn modelId="{E86CEF8F-E16C-2E4D-8114-40E8CB8601EB}" srcId="{25C4E45C-CD15-5F49-91FA-4F7D48A0171B}" destId="{AD0D092C-B210-3E49-86B7-3803ECF9BB69}" srcOrd="0" destOrd="0" parTransId="{FBEFBC91-CDB4-C74B-AD34-B307CB8A99BC}" sibTransId="{0B265776-2620-5C42-A897-BDCE11944B61}"/>
+    <dgm:cxn modelId="{7D8AFE95-4207-4E45-BAF2-E2529134399B}" type="presOf" srcId="{AD0D092C-B210-3E49-86B7-3803ECF9BB69}" destId="{DD4D16FC-BE3D-4F41-AAFF-B7BC97773F42}" srcOrd="0" destOrd="1" presId="urn:microsoft.com/office/officeart/2005/8/layout/venn2"/>
     <dgm:cxn modelId="{CC600F9F-C956-034F-8FB3-99A47872A414}" srcId="{25C4E45C-CD15-5F49-91FA-4F7D48A0171B}" destId="{BAD5E5AA-F4B9-554D-8A46-B044C33A191E}" srcOrd="2" destOrd="0" parTransId="{BDB6DD1A-4DB6-F847-BE1F-AC46905921F1}" sibTransId="{D8E4615A-CCB1-E446-8BEA-1555448A04B7}"/>
+    <dgm:cxn modelId="{B0D4589F-9EAF-A84C-8C6F-AB858E211AAA}" type="presOf" srcId="{8D3A046A-EBF7-BC4A-BF31-54121AD18602}" destId="{3A0F7175-C4D0-E54A-9312-EC99F6F722A7}" srcOrd="1" destOrd="1" presId="urn:microsoft.com/office/officeart/2005/8/layout/venn2"/>
     <dgm:cxn modelId="{F337ADA1-C692-254D-A709-41A15BC53905}" srcId="{1A576890-154F-4248-9DC0-6F3C42121396}" destId="{70EF5BE3-DC8A-D745-9ABF-78768D7A0560}" srcOrd="0" destOrd="0" parTransId="{7F7CA888-F01F-5040-A769-2F8BCEA74E18}" sibTransId="{08D63588-89DB-8D41-A944-279E169B3FC1}"/>
-    <dgm:cxn modelId="{8C2FF4AD-BD6C-8041-AAFB-E1FEA5B0C78D}" type="presOf" srcId="{AD0D092C-B210-3E49-86B7-3803ECF9BB69}" destId="{8216D880-2421-9744-AF1B-DDD3DF0B53D8}" srcOrd="1" destOrd="2" presId="urn:microsoft.com/office/officeart/2005/8/layout/venn2"/>
-    <dgm:cxn modelId="{58DAE2B3-E2DC-7A47-97A6-363B00AB3B04}" type="presOf" srcId="{BAD5E5AA-F4B9-554D-8A46-B044C33A191E}" destId="{8216D880-2421-9744-AF1B-DDD3DF0B53D8}" srcOrd="1" destOrd="3" presId="urn:microsoft.com/office/officeart/2005/8/layout/venn2"/>
-    <dgm:cxn modelId="{D9D2B5C8-55D4-EB4E-B05B-CFDBEEBAC4C6}" type="presOf" srcId="{AD0D092C-B210-3E49-86B7-3803ECF9BB69}" destId="{DD4D16FC-BE3D-4F41-AAFF-B7BC97773F42}" srcOrd="0" destOrd="2" presId="urn:microsoft.com/office/officeart/2005/8/layout/venn2"/>
-    <dgm:cxn modelId="{9D2E88E3-3BFA-9F45-88F2-EC6E28CFACA4}" type="presOf" srcId="{70EF5BE3-DC8A-D745-9ABF-78768D7A0560}" destId="{3A0F7175-C4D0-E54A-9312-EC99F6F722A7}" srcOrd="1" destOrd="0" presId="urn:microsoft.com/office/officeart/2005/8/layout/venn2"/>
-    <dgm:cxn modelId="{FC4097F4-C953-5B49-8A91-B66CB1212F43}" type="presOf" srcId="{55E61106-1329-5B4F-B992-2B6B168DB2FB}" destId="{8216D880-2421-9744-AF1B-DDD3DF0B53D8}" srcOrd="1" destOrd="1" presId="urn:microsoft.com/office/officeart/2005/8/layout/venn2"/>
-    <dgm:cxn modelId="{89A8F4FC-B092-144E-858D-DC8183C3A0BE}" type="presOf" srcId="{25C4E45C-CD15-5F49-91FA-4F7D48A0171B}" destId="{8216D880-2421-9744-AF1B-DDD3DF0B53D8}" srcOrd="1" destOrd="0" presId="urn:microsoft.com/office/officeart/2005/8/layout/venn2"/>
-    <dgm:cxn modelId="{A96CF3EB-63BD-E04C-8887-A901D12D5CDB}" type="presParOf" srcId="{950286A6-E8DD-1347-8E4B-B3E002FAD681}" destId="{293A14D5-4D9F-8048-B57B-B92D2FE9389F}" srcOrd="0" destOrd="0" presId="urn:microsoft.com/office/officeart/2005/8/layout/venn2"/>
-    <dgm:cxn modelId="{0D5F4E61-D060-3E4D-88E1-321D1C30E471}" type="presParOf" srcId="{293A14D5-4D9F-8048-B57B-B92D2FE9389F}" destId="{30D9EE73-C305-184A-9397-7AA28748D028}" srcOrd="0" destOrd="0" presId="urn:microsoft.com/office/officeart/2005/8/layout/venn2"/>
-    <dgm:cxn modelId="{C6223377-4C3B-3947-A5B8-6E5B24D4C294}" type="presParOf" srcId="{293A14D5-4D9F-8048-B57B-B92D2FE9389F}" destId="{3A0F7175-C4D0-E54A-9312-EC99F6F722A7}" srcOrd="1" destOrd="0" presId="urn:microsoft.com/office/officeart/2005/8/layout/venn2"/>
-    <dgm:cxn modelId="{C496CD86-5FA4-1D4C-B7AD-75EAC2A99808}" type="presParOf" srcId="{950286A6-E8DD-1347-8E4B-B3E002FAD681}" destId="{7649688A-225E-DD47-B2E4-676E76FD4E4A}" srcOrd="1" destOrd="0" presId="urn:microsoft.com/office/officeart/2005/8/layout/venn2"/>
-    <dgm:cxn modelId="{FC30EAD0-2444-6047-86A0-86AEE1E355EB}" type="presParOf" srcId="{7649688A-225E-DD47-B2E4-676E76FD4E4A}" destId="{DD4D16FC-BE3D-4F41-AAFF-B7BC97773F42}" srcOrd="0" destOrd="0" presId="urn:microsoft.com/office/officeart/2005/8/layout/venn2"/>
-    <dgm:cxn modelId="{EF8A1FCA-8CBB-2948-AC9B-93F0D9FD82BE}" type="presParOf" srcId="{7649688A-225E-DD47-B2E4-676E76FD4E4A}" destId="{8216D880-2421-9744-AF1B-DDD3DF0B53D8}" srcOrd="1" destOrd="0" presId="urn:microsoft.com/office/officeart/2005/8/layout/venn2"/>
+    <dgm:cxn modelId="{962478B1-D5E7-104A-93FF-CC751BF70729}" type="presOf" srcId="{55E61106-1329-5B4F-B992-2B6B168DB2FB}" destId="{DD4D16FC-BE3D-4F41-AAFF-B7BC97773F42}" srcOrd="0" destOrd="2" presId="urn:microsoft.com/office/officeart/2005/8/layout/venn2"/>
+    <dgm:cxn modelId="{5448AFE3-1C83-BB4A-AD13-9F85061ABBE4}" type="presOf" srcId="{AD0D092C-B210-3E49-86B7-3803ECF9BB69}" destId="{8216D880-2421-9744-AF1B-DDD3DF0B53D8}" srcOrd="1" destOrd="1" presId="urn:microsoft.com/office/officeart/2005/8/layout/venn2"/>
+    <dgm:cxn modelId="{1EDCD2E3-1FB2-EE4D-83C6-D74AAD504C62}" type="presOf" srcId="{55E61106-1329-5B4F-B992-2B6B168DB2FB}" destId="{8216D880-2421-9744-AF1B-DDD3DF0B53D8}" srcOrd="1" destOrd="2" presId="urn:microsoft.com/office/officeart/2005/8/layout/venn2"/>
+    <dgm:cxn modelId="{96AB9862-3E90-E548-BFA4-991F1AC4E06D}" type="presParOf" srcId="{950286A6-E8DD-1347-8E4B-B3E002FAD681}" destId="{293A14D5-4D9F-8048-B57B-B92D2FE9389F}" srcOrd="0" destOrd="0" presId="urn:microsoft.com/office/officeart/2005/8/layout/venn2"/>
+    <dgm:cxn modelId="{508E2878-527F-9D4C-97D1-830100516392}" type="presParOf" srcId="{293A14D5-4D9F-8048-B57B-B92D2FE9389F}" destId="{30D9EE73-C305-184A-9397-7AA28748D028}" srcOrd="0" destOrd="0" presId="urn:microsoft.com/office/officeart/2005/8/layout/venn2"/>
+    <dgm:cxn modelId="{DF9D733D-5A45-F942-A498-C4B97F2C52EA}" type="presParOf" srcId="{293A14D5-4D9F-8048-B57B-B92D2FE9389F}" destId="{3A0F7175-C4D0-E54A-9312-EC99F6F722A7}" srcOrd="1" destOrd="0" presId="urn:microsoft.com/office/officeart/2005/8/layout/venn2"/>
+    <dgm:cxn modelId="{313CFF5C-D83C-BC4A-8CA4-6994052F444A}" type="presParOf" srcId="{950286A6-E8DD-1347-8E4B-B3E002FAD681}" destId="{7649688A-225E-DD47-B2E4-676E76FD4E4A}" srcOrd="1" destOrd="0" presId="urn:microsoft.com/office/officeart/2005/8/layout/venn2"/>
+    <dgm:cxn modelId="{5EE342DF-66DA-CC4D-8E79-9183ACF92604}" type="presParOf" srcId="{7649688A-225E-DD47-B2E4-676E76FD4E4A}" destId="{DD4D16FC-BE3D-4F41-AAFF-B7BC97773F42}" srcOrd="0" destOrd="0" presId="urn:microsoft.com/office/officeart/2005/8/layout/venn2"/>
+    <dgm:cxn modelId="{141EAC55-17C6-DC46-8F31-50CABF54E91D}" type="presParOf" srcId="{7649688A-225E-DD47-B2E4-676E76FD4E4A}" destId="{8216D880-2421-9744-AF1B-DDD3DF0B53D8}" srcOrd="1" destOrd="0" presId="urn:microsoft.com/office/officeart/2005/8/layout/venn2"/>
   </dgm:cxnLst>
   <dgm:bg/>
   <dgm:whole/>
@@ -15854,12 +15868,20 @@
             <a:buChar char="•"/>
           </a:pPr>
           <a:r>
+            <a:rPr lang="sv-SE" sz="1400" b="0" i="0" kern="1200" spc="0" baseline="0" noProof="0" dirty="0" err="1">
+              <a:ln/>
+              <a:latin typeface="Arial" panose="020B0604020202020204" pitchFamily="34" charset="0"/>
+              <a:cs typeface="Arial" panose="020B0604020202020204" pitchFamily="34" charset="0"/>
+            </a:rPr>
+            <a:t>Governments</a:t>
+          </a:r>
+          <a:r>
             <a:rPr lang="sv-SE" sz="1400" b="0" i="0" kern="1200" spc="0" baseline="0" noProof="0" dirty="0">
               <a:ln/>
               <a:latin typeface="Arial" panose="020B0604020202020204" pitchFamily="34" charset="0"/>
               <a:cs typeface="Arial" panose="020B0604020202020204" pitchFamily="34" charset="0"/>
             </a:rPr>
-            <a:t>Guvernements (B2G)</a:t>
+            <a:t> (B2G)</a:t>
           </a:r>
           <a:endParaRPr lang="en-US" sz="1400" b="0" i="0" kern="1200" spc="0" baseline="0" noProof="0" dirty="0">
             <a:ln/>
@@ -20241,29 +20263,6 @@
             <a:buChar char="•"/>
           </a:pPr>
           <a:r>
-            <a:rPr lang="en-US" sz="1400" b="0" i="0" kern="1200" spc="0" baseline="0" noProof="0" dirty="0">
-              <a:ln/>
-              <a:latin typeface="Arial" panose="020B0604020202020204" pitchFamily="34" charset="0"/>
-              <a:cs typeface="Arial" panose="020B0604020202020204" pitchFamily="34" charset="0"/>
-            </a:rPr>
-            <a:t>Businesses (B2B)</a:t>
-          </a:r>
-        </a:p>
-        <a:p>
-          <a:pPr marL="114300" lvl="1" indent="-114300" algn="l" defTabSz="622300" rtl="0">
-            <a:lnSpc>
-              <a:spcPct val="90000"/>
-            </a:lnSpc>
-            <a:spcBef>
-              <a:spcPct val="0"/>
-            </a:spcBef>
-            <a:spcAft>
-              <a:spcPct val="15000"/>
-            </a:spcAft>
-            <a:buFont typeface="Arial" panose="020B0604020202020204" pitchFamily="34" charset="0"/>
-            <a:buChar char="•"/>
-          </a:pPr>
-          <a:r>
             <a:rPr lang="sv-SE" sz="1400" b="0" i="0" kern="1200" spc="0" baseline="0" noProof="0" dirty="0" err="1">
               <a:ln/>
               <a:latin typeface="Arial" panose="020B0604020202020204" pitchFamily="34" charset="0"/>
@@ -20284,6 +20283,29 @@
             <a:latin typeface="Arial" panose="020B0604020202020204" pitchFamily="34" charset="0"/>
             <a:cs typeface="Arial" panose="020B0604020202020204" pitchFamily="34" charset="0"/>
           </a:endParaRPr>
+        </a:p>
+        <a:p>
+          <a:pPr marL="114300" lvl="1" indent="-114300" algn="l" defTabSz="622300" rtl="0">
+            <a:lnSpc>
+              <a:spcPct val="90000"/>
+            </a:lnSpc>
+            <a:spcBef>
+              <a:spcPct val="0"/>
+            </a:spcBef>
+            <a:spcAft>
+              <a:spcPct val="15000"/>
+            </a:spcAft>
+            <a:buFont typeface="Arial" panose="020B0604020202020204" pitchFamily="34" charset="0"/>
+            <a:buChar char="•"/>
+          </a:pPr>
+          <a:r>
+            <a:rPr lang="en-US" sz="1400" b="0" i="0" kern="1200" spc="0" baseline="0" noProof="0" dirty="0">
+              <a:ln/>
+              <a:latin typeface="Arial" panose="020B0604020202020204" pitchFamily="34" charset="0"/>
+              <a:cs typeface="Arial" panose="020B0604020202020204" pitchFamily="34" charset="0"/>
+            </a:rPr>
+            <a:t>Businesses (B2B)</a:t>
+          </a:r>
         </a:p>
         <a:p>
           <a:pPr marL="114300" lvl="1" indent="-114300" algn="l" defTabSz="622300" rtl="0">
@@ -40444,7 +40466,7 @@
           <a:p>
             <a:fld id="{A50AC2E7-8F4D-554A-901E-6A4499ED67A8}" type="datetimeFigureOut">
               <a:rPr lang="sv-SE" smtClean="0"/>
-              <a:t>2021-04-22</a:t>
+              <a:t>2021-06-15</a:t>
             </a:fld>
             <a:endParaRPr lang="sv-SE"/>
           </a:p>
@@ -40619,7 +40641,7 @@
           <a:p>
             <a:fld id="{A50AC2E7-8F4D-554A-901E-6A4499ED67A8}" type="datetimeFigureOut">
               <a:rPr lang="sv-SE" smtClean="0"/>
-              <a:t>2021-04-22</a:t>
+              <a:t>2021-06-15</a:t>
             </a:fld>
             <a:endParaRPr lang="sv-SE"/>
           </a:p>
@@ -40804,7 +40826,7 @@
           <a:p>
             <a:fld id="{A50AC2E7-8F4D-554A-901E-6A4499ED67A8}" type="datetimeFigureOut">
               <a:rPr lang="sv-SE" smtClean="0"/>
-              <a:t>2021-04-22</a:t>
+              <a:t>2021-06-15</a:t>
             </a:fld>
             <a:endParaRPr lang="sv-SE"/>
           </a:p>
@@ -40979,7 +41001,7 @@
           <a:p>
             <a:fld id="{A50AC2E7-8F4D-554A-901E-6A4499ED67A8}" type="datetimeFigureOut">
               <a:rPr lang="sv-SE" smtClean="0"/>
-              <a:t>2021-04-22</a:t>
+              <a:t>2021-06-15</a:t>
             </a:fld>
             <a:endParaRPr lang="sv-SE"/>
           </a:p>
@@ -41259,7 +41281,7 @@
           <a:p>
             <a:fld id="{A50AC2E7-8F4D-554A-901E-6A4499ED67A8}" type="datetimeFigureOut">
               <a:rPr lang="sv-SE" smtClean="0"/>
-              <a:t>2021-04-22</a:t>
+              <a:t>2021-06-15</a:t>
             </a:fld>
             <a:endParaRPr lang="sv-SE"/>
           </a:p>
@@ -41477,7 +41499,7 @@
           <a:p>
             <a:fld id="{A50AC2E7-8F4D-554A-901E-6A4499ED67A8}" type="datetimeFigureOut">
               <a:rPr lang="sv-SE" smtClean="0"/>
-              <a:t>2021-04-22</a:t>
+              <a:t>2021-06-15</a:t>
             </a:fld>
             <a:endParaRPr lang="sv-SE"/>
           </a:p>
@@ -41855,7 +41877,7 @@
           <a:p>
             <a:fld id="{A50AC2E7-8F4D-554A-901E-6A4499ED67A8}" type="datetimeFigureOut">
               <a:rPr lang="sv-SE" smtClean="0"/>
-              <a:t>2021-04-22</a:t>
+              <a:t>2021-06-15</a:t>
             </a:fld>
             <a:endParaRPr lang="sv-SE"/>
           </a:p>
@@ -41997,7 +42019,7 @@
           <a:p>
             <a:fld id="{A50AC2E7-8F4D-554A-901E-6A4499ED67A8}" type="datetimeFigureOut">
               <a:rPr lang="sv-SE" smtClean="0"/>
-              <a:t>2021-04-22</a:t>
+              <a:t>2021-06-15</a:t>
             </a:fld>
             <a:endParaRPr lang="sv-SE"/>
           </a:p>
@@ -42110,7 +42132,7 @@
           <a:p>
             <a:fld id="{A50AC2E7-8F4D-554A-901E-6A4499ED67A8}" type="datetimeFigureOut">
               <a:rPr lang="sv-SE" smtClean="0"/>
-              <a:t>2021-04-22</a:t>
+              <a:t>2021-06-15</a:t>
             </a:fld>
             <a:endParaRPr lang="sv-SE"/>
           </a:p>
@@ -42402,7 +42424,7 @@
           <a:p>
             <a:fld id="{A50AC2E7-8F4D-554A-901E-6A4499ED67A8}" type="datetimeFigureOut">
               <a:rPr lang="sv-SE" smtClean="0"/>
-              <a:t>2021-04-22</a:t>
+              <a:t>2021-06-15</a:t>
             </a:fld>
             <a:endParaRPr lang="sv-SE"/>
           </a:p>
@@ -42700,7 +42722,7 @@
           <a:p>
             <a:fld id="{A50AC2E7-8F4D-554A-901E-6A4499ED67A8}" type="datetimeFigureOut">
               <a:rPr lang="sv-SE" smtClean="0"/>
-              <a:t>2021-04-22</a:t>
+              <a:t>2021-06-15</a:t>
             </a:fld>
             <a:endParaRPr lang="sv-SE"/>
           </a:p>
@@ -42948,7 +42970,7 @@
           <a:p>
             <a:fld id="{A50AC2E7-8F4D-554A-901E-6A4499ED67A8}" type="datetimeFigureOut">
               <a:rPr lang="sv-SE" smtClean="0"/>
-              <a:t>2021-04-22</a:t>
+              <a:t>2021-06-15</a:t>
             </a:fld>
             <a:endParaRPr lang="sv-SE"/>
           </a:p>
@@ -44010,8 +44032,8 @@
   </p:clrMapOvr>
   <mc:AlternateContent xmlns:mc="http://schemas.openxmlformats.org/markup-compatibility/2006" xmlns:p15="http://schemas.microsoft.com/office/powerpoint/2012/main">
     <mc:Choice Requires="p15">
-      <p:transition xmlns:p14="http://schemas.microsoft.com/office/powerpoint/2010/main" spd="slow" p14:dur="10000">
-        <p15:prstTrans prst="fallOver"/>
+      <p:transition xmlns:p14="http://schemas.microsoft.com/office/powerpoint/2010/main" spd="slow" p14:dur="6000">
+        <p15:prstTrans prst="curtains"/>
       </p:transition>
     </mc:Choice>
     <mc:Fallback xmlns="">
@@ -44088,7 +44110,7 @@
           <p:nvPr>
             <p:extLst>
               <p:ext uri="{D42A27DB-BD31-4B8C-83A1-F6EECF244321}">
-                <p14:modId xmlns:p14="http://schemas.microsoft.com/office/powerpoint/2010/main" val="1283592380"/>
+                <p14:modId xmlns:p14="http://schemas.microsoft.com/office/powerpoint/2010/main" val="4250966301"/>
               </p:ext>
             </p:extLst>
           </p:nvPr>
@@ -44487,6 +44509,202 @@
 </file>
 
 <file path=ppt/slides/slide14.xml><?xml version="1.0" encoding="utf-8"?>
+<p:sld xmlns:a="http://schemas.openxmlformats.org/drawingml/2006/main" xmlns:r="http://schemas.openxmlformats.org/officeDocument/2006/relationships" xmlns:p="http://schemas.openxmlformats.org/presentationml/2006/main">
+  <p:cSld>
+    <p:spTree>
+      <p:nvGrpSpPr>
+        <p:cNvPr id="1" name=""/>
+        <p:cNvGrpSpPr/>
+        <p:nvPr/>
+      </p:nvGrpSpPr>
+      <p:grpSpPr>
+        <a:xfrm>
+          <a:off x="0" y="0"/>
+          <a:ext cx="0" cy="0"/>
+          <a:chOff x="0" y="0"/>
+          <a:chExt cx="0" cy="0"/>
+        </a:xfrm>
+      </p:grpSpPr>
+      <p:sp>
+        <p:nvSpPr>
+          <p:cNvPr id="2" name="Rubrik 1">
+            <a:extLst>
+              <a:ext uri="{FF2B5EF4-FFF2-40B4-BE49-F238E27FC236}">
+                <a16:creationId xmlns:a16="http://schemas.microsoft.com/office/drawing/2014/main" id="{B66E1C56-B1F1-DE42-9DC9-B8AE4A856AA1}"/>
+              </a:ext>
+            </a:extLst>
+          </p:cNvPr>
+          <p:cNvSpPr>
+            <a:spLocks noGrp="1"/>
+          </p:cNvSpPr>
+          <p:nvPr>
+            <p:ph type="title"/>
+          </p:nvPr>
+        </p:nvSpPr>
+        <p:spPr/>
+        <p:txBody>
+          <a:bodyPr/>
+          <a:lstStyle/>
+          <a:p>
+            <a:r>
+              <a:rPr lang="en-US" dirty="0"/>
+              <a:t>TEAM</a:t>
+            </a:r>
+          </a:p>
+        </p:txBody>
+      </p:sp>
+      <p:sp>
+        <p:nvSpPr>
+          <p:cNvPr id="3" name="Platshållare för innehåll 2">
+            <a:extLst>
+              <a:ext uri="{FF2B5EF4-FFF2-40B4-BE49-F238E27FC236}">
+                <a16:creationId xmlns:a16="http://schemas.microsoft.com/office/drawing/2014/main" id="{592CF6DC-8C6D-6244-B0D1-56F3713B80CD}"/>
+              </a:ext>
+            </a:extLst>
+          </p:cNvPr>
+          <p:cNvSpPr>
+            <a:spLocks noGrp="1"/>
+          </p:cNvSpPr>
+          <p:nvPr>
+            <p:ph idx="1"/>
+          </p:nvPr>
+        </p:nvSpPr>
+        <p:spPr/>
+        <p:txBody>
+          <a:bodyPr/>
+          <a:lstStyle/>
+          <a:p>
+            <a:r>
+              <a:rPr lang="en-US" dirty="0"/>
+              <a:t>HTML Developer</a:t>
+            </a:r>
+          </a:p>
+          <a:p>
+            <a:r>
+              <a:rPr lang="en-US" dirty="0"/>
+              <a:t>JavaScript Developer</a:t>
+            </a:r>
+          </a:p>
+          <a:p>
+            <a:r>
+              <a:rPr lang="en-US" dirty="0"/>
+              <a:t>CSS Developer</a:t>
+            </a:r>
+          </a:p>
+          <a:p>
+            <a:r>
+              <a:rPr lang="en-US" dirty="0"/>
+              <a:t>Database Developer</a:t>
+            </a:r>
+          </a:p>
+          <a:p>
+            <a:r>
+              <a:rPr lang="en-US" dirty="0"/>
+              <a:t>UX/UI Designer</a:t>
+            </a:r>
+          </a:p>
+          <a:p>
+            <a:r>
+              <a:rPr lang="en-US" dirty="0"/>
+              <a:t>Scrum Master</a:t>
+            </a:r>
+          </a:p>
+          <a:p>
+            <a:r>
+              <a:rPr lang="en-US" dirty="0"/>
+              <a:t>Business Analyst</a:t>
+            </a:r>
+          </a:p>
+          <a:p>
+            <a:r>
+              <a:rPr lang="en-US" dirty="0"/>
+              <a:t>Product Owner</a:t>
+            </a:r>
+          </a:p>
+        </p:txBody>
+      </p:sp>
+      <p:sp>
+        <p:nvSpPr>
+          <p:cNvPr id="4" name="textruta 3">
+            <a:extLst>
+              <a:ext uri="{FF2B5EF4-FFF2-40B4-BE49-F238E27FC236}">
+                <a16:creationId xmlns:a16="http://schemas.microsoft.com/office/drawing/2014/main" id="{DF9233C2-6242-624E-B0BF-3D25A574E0CD}"/>
+              </a:ext>
+            </a:extLst>
+          </p:cNvPr>
+          <p:cNvSpPr txBox="1"/>
+          <p:nvPr/>
+        </p:nvSpPr>
+        <p:spPr>
+          <a:xfrm>
+            <a:off x="244646" y="167074"/>
+            <a:ext cx="3520516" cy="523220"/>
+          </a:xfrm>
+          <a:prstGeom prst="rect">
+            <a:avLst/>
+          </a:prstGeom>
+          <a:noFill/>
+          <a:effectLst/>
+        </p:spPr>
+        <p:txBody>
+          <a:bodyPr wrap="none" rtlCol="0">
+            <a:spAutoFit/>
+          </a:bodyPr>
+          <a:lstStyle/>
+          <a:p>
+            <a:r>
+              <a:rPr lang="en-US" sz="2800" b="1" dirty="0">
+                <a:effectLst>
+                  <a:outerShdw blurRad="50800" dist="50800" dir="5400000" algn="ctr" rotWithShape="0">
+                    <a:schemeClr val="bg1"/>
+                  </a:outerShdw>
+                </a:effectLst>
+                <a:latin typeface="Arial" panose="020B0604020202020204" pitchFamily="34" charset="0"/>
+                <a:cs typeface="Arial" panose="020B0604020202020204" pitchFamily="34" charset="0"/>
+              </a:rPr>
+              <a:t>front</a:t>
+            </a:r>
+            <a:r>
+              <a:rPr lang="en-US" sz="2400" dirty="0">
+                <a:effectLst>
+                  <a:outerShdw blurRad="50800" dist="50800" dir="5400000" algn="ctr" rotWithShape="0">
+                    <a:schemeClr val="bg1"/>
+                  </a:outerShdw>
+                </a:effectLst>
+                <a:latin typeface="Arial" panose="020B0604020202020204" pitchFamily="34" charset="0"/>
+                <a:cs typeface="Arial" panose="020B0604020202020204" pitchFamily="34" charset="0"/>
+              </a:rPr>
+              <a:t> Human resources</a:t>
+            </a:r>
+          </a:p>
+        </p:txBody>
+      </p:sp>
+    </p:spTree>
+    <p:extLst>
+      <p:ext uri="{BB962C8B-B14F-4D97-AF65-F5344CB8AC3E}">
+        <p14:creationId xmlns:p14="http://schemas.microsoft.com/office/powerpoint/2010/main" val="8598929"/>
+      </p:ext>
+    </p:extLst>
+  </p:cSld>
+  <p:clrMapOvr>
+    <a:masterClrMapping/>
+  </p:clrMapOvr>
+  <mc:AlternateContent xmlns:mc="http://schemas.openxmlformats.org/markup-compatibility/2006" xmlns:p15="http://schemas.microsoft.com/office/powerpoint/2012/main">
+    <mc:Choice Requires="p15">
+      <p:transition xmlns:p14="http://schemas.microsoft.com/office/powerpoint/2010/main" spd="slow" p14:dur="6000">
+        <p15:prstTrans prst="curtains"/>
+      </p:transition>
+    </mc:Choice>
+    <mc:Fallback xmlns="">
+      <p:transition spd="slow">
+        <p:fade/>
+      </p:transition>
+    </mc:Fallback>
+  </mc:AlternateContent>
+</p:sld>
+</file>
+
+<file path=ppt/slides/slide15.xml><?xml version="1.0" encoding="utf-8"?>
 <p:sld xmlns:a="http://schemas.openxmlformats.org/drawingml/2006/main" xmlns:r="http://schemas.openxmlformats.org/officeDocument/2006/relationships" xmlns:p="http://schemas.openxmlformats.org/presentationml/2006/main">
   <p:cSld>
     <p:bg>
@@ -46682,10 +46900,22 @@
   <p:clrMapOvr>
     <a:masterClrMapping/>
   </p:clrMapOvr>
+  <mc:AlternateContent xmlns:mc="http://schemas.openxmlformats.org/markup-compatibility/2006" xmlns:p15="http://schemas.microsoft.com/office/powerpoint/2012/main">
+    <mc:Choice Requires="p15">
+      <p:transition xmlns:p14="http://schemas.microsoft.com/office/powerpoint/2010/main" spd="slow" p14:dur="6000">
+        <p15:prstTrans prst="curtains"/>
+      </p:transition>
+    </mc:Choice>
+    <mc:Fallback xmlns="">
+      <p:transition spd="slow">
+        <p:fade/>
+      </p:transition>
+    </mc:Fallback>
+  </mc:AlternateContent>
 </p:sld>
 </file>
 
-<file path=ppt/slides/slide15.xml><?xml version="1.0" encoding="utf-8"?>
+<file path=ppt/slides/slide16.xml><?xml version="1.0" encoding="utf-8"?>
 <p:sld xmlns:a="http://schemas.openxmlformats.org/drawingml/2006/main" xmlns:r="http://schemas.openxmlformats.org/officeDocument/2006/relationships" xmlns:p="http://schemas.openxmlformats.org/presentationml/2006/main">
   <p:cSld>
     <p:bg>
@@ -47696,7 +47926,7 @@
 </p:sld>
 </file>
 
-<file path=ppt/slides/slide16.xml><?xml version="1.0" encoding="utf-8"?>
+<file path=ppt/slides/slide17.xml><?xml version="1.0" encoding="utf-8"?>
 <p:sld xmlns:a="http://schemas.openxmlformats.org/drawingml/2006/main" xmlns:r="http://schemas.openxmlformats.org/officeDocument/2006/relationships" xmlns:p="http://schemas.openxmlformats.org/presentationml/2006/main">
   <p:cSld>
     <p:bg>
@@ -47843,10 +48073,22 @@
   <p:clrMapOvr>
     <a:masterClrMapping/>
   </p:clrMapOvr>
+  <mc:AlternateContent xmlns:mc="http://schemas.openxmlformats.org/markup-compatibility/2006" xmlns:p14="http://schemas.microsoft.com/office/powerpoint/2010/main">
+    <mc:Choice Requires="p14">
+      <p:transition spd="slow" p14:dur="4000">
+        <p14:vortex dir="r"/>
+      </p:transition>
+    </mc:Choice>
+    <mc:Fallback xmlns="">
+      <p:transition spd="slow">
+        <p:fade/>
+      </p:transition>
+    </mc:Fallback>
+  </mc:AlternateContent>
 </p:sld>
 </file>
 
-<file path=ppt/slides/slide17.xml><?xml version="1.0" encoding="utf-8"?>
+<file path=ppt/slides/slide18.xml><?xml version="1.0" encoding="utf-8"?>
 <p:sld xmlns:a="http://schemas.openxmlformats.org/drawingml/2006/main" xmlns:r="http://schemas.openxmlformats.org/officeDocument/2006/relationships" xmlns:p="http://schemas.openxmlformats.org/presentationml/2006/main">
   <p:cSld>
     <p:bg>
@@ -48110,7 +48352,7 @@
                   <a:schemeClr val="bg1"/>
                 </a:solidFill>
               </a:rPr>
-              <a:t>Customers migrating to our echo system</a:t>
+              <a:t>Customers migrating to our echo system.</a:t>
             </a:r>
           </a:p>
         </p:txBody>
@@ -48128,7 +48370,7 @@
 </p:sld>
 </file>
 
-<file path=ppt/slides/slide18.xml><?xml version="1.0" encoding="utf-8"?>
+<file path=ppt/slides/slide19.xml><?xml version="1.0" encoding="utf-8"?>
 <p:sld xmlns:a="http://schemas.openxmlformats.org/drawingml/2006/main" xmlns:r="http://schemas.openxmlformats.org/officeDocument/2006/relationships" xmlns:p="http://schemas.openxmlformats.org/presentationml/2006/main">
   <p:cSld>
     <p:bg>
@@ -48319,162 +48561,6 @@
   <mc:AlternateContent xmlns:mc="http://schemas.openxmlformats.org/markup-compatibility/2006" xmlns:p15="http://schemas.microsoft.com/office/powerpoint/2012/main">
     <mc:Choice Requires="p15">
       <p:transition xmlns:p14="http://schemas.microsoft.com/office/powerpoint/2010/main" spd="slow" p14:dur="2000">
-        <p15:prstTrans prst="fallOver"/>
-      </p:transition>
-    </mc:Choice>
-    <mc:Fallback xmlns="">
-      <p:transition spd="slow">
-        <p:fade/>
-      </p:transition>
-    </mc:Fallback>
-  </mc:AlternateContent>
-</p:sld>
-</file>
-
-<file path=ppt/slides/slide19.xml><?xml version="1.0" encoding="utf-8"?>
-<p:sld xmlns:a="http://schemas.openxmlformats.org/drawingml/2006/main" xmlns:r="http://schemas.openxmlformats.org/officeDocument/2006/relationships" xmlns:p="http://schemas.openxmlformats.org/presentationml/2006/main">
-  <p:cSld>
-    <p:bg>
-      <p:bgPr>
-        <a:gradFill flip="none" rotWithShape="1">
-          <a:gsLst>
-            <a:gs pos="0">
-              <a:schemeClr val="accent2">
-                <a:lumMod val="89000"/>
-              </a:schemeClr>
-            </a:gs>
-            <a:gs pos="23000">
-              <a:schemeClr val="accent2">
-                <a:lumMod val="89000"/>
-              </a:schemeClr>
-            </a:gs>
-            <a:gs pos="69000">
-              <a:schemeClr val="accent2">
-                <a:lumMod val="75000"/>
-              </a:schemeClr>
-            </a:gs>
-            <a:gs pos="97000">
-              <a:schemeClr val="accent2">
-                <a:lumMod val="70000"/>
-              </a:schemeClr>
-            </a:gs>
-          </a:gsLst>
-          <a:path path="circle">
-            <a:fillToRect l="50000" t="50000" r="50000" b="50000"/>
-          </a:path>
-          <a:tileRect/>
-        </a:gradFill>
-        <a:effectLst/>
-      </p:bgPr>
-    </p:bg>
-    <p:spTree>
-      <p:nvGrpSpPr>
-        <p:cNvPr id="1" name=""/>
-        <p:cNvGrpSpPr/>
-        <p:nvPr/>
-      </p:nvGrpSpPr>
-      <p:grpSpPr>
-        <a:xfrm>
-          <a:off x="0" y="0"/>
-          <a:ext cx="0" cy="0"/>
-          <a:chOff x="0" y="0"/>
-          <a:chExt cx="0" cy="0"/>
-        </a:xfrm>
-      </p:grpSpPr>
-      <p:graphicFrame>
-        <p:nvGraphicFramePr>
-          <p:cNvPr id="4" name="Diagram 3">
-            <a:extLst>
-              <a:ext uri="{FF2B5EF4-FFF2-40B4-BE49-F238E27FC236}">
-                <a16:creationId xmlns:a16="http://schemas.microsoft.com/office/drawing/2014/main" id="{D7E22FCD-B510-BC4C-8DAD-3C1F033C772A}"/>
-              </a:ext>
-            </a:extLst>
-          </p:cNvPr>
-          <p:cNvGraphicFramePr/>
-          <p:nvPr>
-            <p:extLst>
-              <p:ext uri="{D42A27DB-BD31-4B8C-83A1-F6EECF244321}">
-                <p14:modId xmlns:p14="http://schemas.microsoft.com/office/powerpoint/2010/main" val="2140457773"/>
-              </p:ext>
-            </p:extLst>
-          </p:nvPr>
-        </p:nvGraphicFramePr>
-        <p:xfrm>
-          <a:off x="244646" y="1071588"/>
-          <a:ext cx="11221930" cy="5552115"/>
-        </p:xfrm>
-        <a:graphic>
-          <a:graphicData uri="http://schemas.openxmlformats.org/drawingml/2006/diagram">
-            <dgm:relIds xmlns:dgm="http://schemas.openxmlformats.org/drawingml/2006/diagram" xmlns:r="http://schemas.openxmlformats.org/officeDocument/2006/relationships" r:dm="rId2" r:lo="rId3" r:qs="rId4" r:cs="rId5"/>
-          </a:graphicData>
-        </a:graphic>
-      </p:graphicFrame>
-      <p:sp>
-        <p:nvSpPr>
-          <p:cNvPr id="5" name="textruta 4">
-            <a:extLst>
-              <a:ext uri="{FF2B5EF4-FFF2-40B4-BE49-F238E27FC236}">
-                <a16:creationId xmlns:a16="http://schemas.microsoft.com/office/drawing/2014/main" id="{3A182EC3-41B9-6246-A106-B0A22895D137}"/>
-              </a:ext>
-            </a:extLst>
-          </p:cNvPr>
-          <p:cNvSpPr txBox="1"/>
-          <p:nvPr/>
-        </p:nvSpPr>
-        <p:spPr>
-          <a:xfrm>
-            <a:off x="244646" y="128016"/>
-            <a:ext cx="3512436" cy="584775"/>
-          </a:xfrm>
-          <a:prstGeom prst="rect">
-            <a:avLst/>
-          </a:prstGeom>
-          <a:noFill/>
-          <a:effectLst/>
-        </p:spPr>
-        <p:txBody>
-          <a:bodyPr wrap="none" rtlCol="0">
-            <a:spAutoFit/>
-          </a:bodyPr>
-          <a:lstStyle/>
-          <a:p>
-            <a:pPr algn="r"/>
-            <a:r>
-              <a:rPr lang="en-US" sz="3200" b="1" dirty="0">
-                <a:solidFill>
-                  <a:schemeClr val="bg1"/>
-                </a:solidFill>
-                <a:latin typeface="Arial" panose="020B0604020202020204" pitchFamily="34" charset="0"/>
-                <a:cs typeface="Arial" panose="020B0604020202020204" pitchFamily="34" charset="0"/>
-              </a:rPr>
-              <a:t>Company X</a:t>
-            </a:r>
-            <a:r>
-              <a:rPr lang="en-US" sz="2800" dirty="0">
-                <a:solidFill>
-                  <a:schemeClr val="bg1"/>
-                </a:solidFill>
-                <a:latin typeface="Arial" panose="020B0604020202020204" pitchFamily="34" charset="0"/>
-                <a:cs typeface="Arial" panose="020B0604020202020204" pitchFamily="34" charset="0"/>
-              </a:rPr>
-              <a:t> Vision</a:t>
-            </a:r>
-          </a:p>
-        </p:txBody>
-      </p:sp>
-    </p:spTree>
-    <p:extLst>
-      <p:ext uri="{BB962C8B-B14F-4D97-AF65-F5344CB8AC3E}">
-        <p14:creationId xmlns:p14="http://schemas.microsoft.com/office/powerpoint/2010/main" val="2052503915"/>
-      </p:ext>
-    </p:extLst>
-  </p:cSld>
-  <p:clrMapOvr>
-    <a:masterClrMapping/>
-  </p:clrMapOvr>
-  <mc:AlternateContent xmlns:mc="http://schemas.openxmlformats.org/markup-compatibility/2006" xmlns:p15="http://schemas.microsoft.com/office/powerpoint/2012/main">
-    <mc:Choice Requires="p15">
-      <p:transition xmlns:p14="http://schemas.microsoft.com/office/powerpoint/2010/main" spd="slow" p14:dur="5000">
         <p15:prstTrans prst="fallOver"/>
       </p:transition>
     </mc:Choice>
@@ -48775,6 +48861,162 @@
 </file>
 
 <file path=ppt/slides/slide20.xml><?xml version="1.0" encoding="utf-8"?>
+<p:sld xmlns:a="http://schemas.openxmlformats.org/drawingml/2006/main" xmlns:r="http://schemas.openxmlformats.org/officeDocument/2006/relationships" xmlns:p="http://schemas.openxmlformats.org/presentationml/2006/main">
+  <p:cSld>
+    <p:bg>
+      <p:bgPr>
+        <a:gradFill flip="none" rotWithShape="1">
+          <a:gsLst>
+            <a:gs pos="0">
+              <a:schemeClr val="accent2">
+                <a:lumMod val="89000"/>
+              </a:schemeClr>
+            </a:gs>
+            <a:gs pos="23000">
+              <a:schemeClr val="accent2">
+                <a:lumMod val="89000"/>
+              </a:schemeClr>
+            </a:gs>
+            <a:gs pos="69000">
+              <a:schemeClr val="accent2">
+                <a:lumMod val="75000"/>
+              </a:schemeClr>
+            </a:gs>
+            <a:gs pos="97000">
+              <a:schemeClr val="accent2">
+                <a:lumMod val="70000"/>
+              </a:schemeClr>
+            </a:gs>
+          </a:gsLst>
+          <a:path path="circle">
+            <a:fillToRect l="50000" t="50000" r="50000" b="50000"/>
+          </a:path>
+          <a:tileRect/>
+        </a:gradFill>
+        <a:effectLst/>
+      </p:bgPr>
+    </p:bg>
+    <p:spTree>
+      <p:nvGrpSpPr>
+        <p:cNvPr id="1" name=""/>
+        <p:cNvGrpSpPr/>
+        <p:nvPr/>
+      </p:nvGrpSpPr>
+      <p:grpSpPr>
+        <a:xfrm>
+          <a:off x="0" y="0"/>
+          <a:ext cx="0" cy="0"/>
+          <a:chOff x="0" y="0"/>
+          <a:chExt cx="0" cy="0"/>
+        </a:xfrm>
+      </p:grpSpPr>
+      <p:graphicFrame>
+        <p:nvGraphicFramePr>
+          <p:cNvPr id="4" name="Diagram 3">
+            <a:extLst>
+              <a:ext uri="{FF2B5EF4-FFF2-40B4-BE49-F238E27FC236}">
+                <a16:creationId xmlns:a16="http://schemas.microsoft.com/office/drawing/2014/main" id="{D7E22FCD-B510-BC4C-8DAD-3C1F033C772A}"/>
+              </a:ext>
+            </a:extLst>
+          </p:cNvPr>
+          <p:cNvGraphicFramePr/>
+          <p:nvPr>
+            <p:extLst>
+              <p:ext uri="{D42A27DB-BD31-4B8C-83A1-F6EECF244321}">
+                <p14:modId xmlns:p14="http://schemas.microsoft.com/office/powerpoint/2010/main" val="2402344713"/>
+              </p:ext>
+            </p:extLst>
+          </p:nvPr>
+        </p:nvGraphicFramePr>
+        <p:xfrm>
+          <a:off x="244646" y="1071588"/>
+          <a:ext cx="11221930" cy="5552115"/>
+        </p:xfrm>
+        <a:graphic>
+          <a:graphicData uri="http://schemas.openxmlformats.org/drawingml/2006/diagram">
+            <dgm:relIds xmlns:dgm="http://schemas.openxmlformats.org/drawingml/2006/diagram" xmlns:r="http://schemas.openxmlformats.org/officeDocument/2006/relationships" r:dm="rId2" r:lo="rId3" r:qs="rId4" r:cs="rId5"/>
+          </a:graphicData>
+        </a:graphic>
+      </p:graphicFrame>
+      <p:sp>
+        <p:nvSpPr>
+          <p:cNvPr id="5" name="textruta 4">
+            <a:extLst>
+              <a:ext uri="{FF2B5EF4-FFF2-40B4-BE49-F238E27FC236}">
+                <a16:creationId xmlns:a16="http://schemas.microsoft.com/office/drawing/2014/main" id="{3A182EC3-41B9-6246-A106-B0A22895D137}"/>
+              </a:ext>
+            </a:extLst>
+          </p:cNvPr>
+          <p:cNvSpPr txBox="1"/>
+          <p:nvPr/>
+        </p:nvSpPr>
+        <p:spPr>
+          <a:xfrm>
+            <a:off x="244646" y="128016"/>
+            <a:ext cx="3512436" cy="584775"/>
+          </a:xfrm>
+          <a:prstGeom prst="rect">
+            <a:avLst/>
+          </a:prstGeom>
+          <a:noFill/>
+          <a:effectLst/>
+        </p:spPr>
+        <p:txBody>
+          <a:bodyPr wrap="none" rtlCol="0">
+            <a:spAutoFit/>
+          </a:bodyPr>
+          <a:lstStyle/>
+          <a:p>
+            <a:pPr algn="r"/>
+            <a:r>
+              <a:rPr lang="en-US" sz="3200" b="1" dirty="0">
+                <a:solidFill>
+                  <a:schemeClr val="bg1"/>
+                </a:solidFill>
+                <a:latin typeface="Arial" panose="020B0604020202020204" pitchFamily="34" charset="0"/>
+                <a:cs typeface="Arial" panose="020B0604020202020204" pitchFamily="34" charset="0"/>
+              </a:rPr>
+              <a:t>Company X</a:t>
+            </a:r>
+            <a:r>
+              <a:rPr lang="en-US" sz="2800" dirty="0">
+                <a:solidFill>
+                  <a:schemeClr val="bg1"/>
+                </a:solidFill>
+                <a:latin typeface="Arial" panose="020B0604020202020204" pitchFamily="34" charset="0"/>
+                <a:cs typeface="Arial" panose="020B0604020202020204" pitchFamily="34" charset="0"/>
+              </a:rPr>
+              <a:t> Vision</a:t>
+            </a:r>
+          </a:p>
+        </p:txBody>
+      </p:sp>
+    </p:spTree>
+    <p:extLst>
+      <p:ext uri="{BB962C8B-B14F-4D97-AF65-F5344CB8AC3E}">
+        <p14:creationId xmlns:p14="http://schemas.microsoft.com/office/powerpoint/2010/main" val="2052503915"/>
+      </p:ext>
+    </p:extLst>
+  </p:cSld>
+  <p:clrMapOvr>
+    <a:masterClrMapping/>
+  </p:clrMapOvr>
+  <mc:AlternateContent xmlns:mc="http://schemas.openxmlformats.org/markup-compatibility/2006" xmlns:p15="http://schemas.microsoft.com/office/powerpoint/2012/main">
+    <mc:Choice Requires="p15">
+      <p:transition xmlns:p14="http://schemas.microsoft.com/office/powerpoint/2010/main" spd="slow" p14:dur="5000">
+        <p15:prstTrans prst="fallOver"/>
+      </p:transition>
+    </mc:Choice>
+    <mc:Fallback xmlns="">
+      <p:transition spd="slow">
+        <p:fade/>
+      </p:transition>
+    </mc:Fallback>
+  </mc:AlternateContent>
+</p:sld>
+</file>
+
+<file path=ppt/slides/slide21.xml><?xml version="1.0" encoding="utf-8"?>
 <p:sld xmlns:a="http://schemas.openxmlformats.org/drawingml/2006/main" xmlns:r="http://schemas.openxmlformats.org/officeDocument/2006/relationships" xmlns:p="http://schemas.openxmlformats.org/presentationml/2006/main">
   <p:cSld>
     <p:bg>
@@ -49190,8 +49432,8 @@
         </p:nvSpPr>
         <p:spPr>
           <a:xfrm>
-            <a:off x="5115603" y="1880721"/>
-            <a:ext cx="1960793" cy="584775"/>
+            <a:off x="4263368" y="1811278"/>
+            <a:ext cx="2940228" cy="584775"/>
           </a:xfrm>
           <a:prstGeom prst="rect">
             <a:avLst/>
@@ -49212,7 +49454,207 @@
                 <a:latin typeface="Arial" panose="020B0604020202020204" pitchFamily="34" charset="0"/>
                 <a:cs typeface="Arial" panose="020B0604020202020204" pitchFamily="34" charset="0"/>
               </a:rPr>
-              <a:t>Products</a:t>
+              <a:t>Free Products</a:t>
+            </a:r>
+          </a:p>
+        </p:txBody>
+      </p:sp>
+      <p:sp>
+        <p:nvSpPr>
+          <p:cNvPr id="9" name="textruta 8">
+            <a:extLst>
+              <a:ext uri="{FF2B5EF4-FFF2-40B4-BE49-F238E27FC236}">
+                <a16:creationId xmlns:a16="http://schemas.microsoft.com/office/drawing/2014/main" id="{8ECB690A-55A1-CC44-B525-8363E61065FD}"/>
+              </a:ext>
+            </a:extLst>
+          </p:cNvPr>
+          <p:cNvSpPr txBox="1"/>
+          <p:nvPr/>
+        </p:nvSpPr>
+        <p:spPr>
+          <a:xfrm>
+            <a:off x="2373085" y="4245253"/>
+            <a:ext cx="1125538" cy="369332"/>
+          </a:xfrm>
+          <a:prstGeom prst="rect">
+            <a:avLst/>
+          </a:prstGeom>
+          <a:noFill/>
+        </p:spPr>
+        <p:txBody>
+          <a:bodyPr wrap="square" rtlCol="0">
+            <a:spAutoFit/>
+          </a:bodyPr>
+          <a:lstStyle/>
+          <a:p>
+            <a:pPr algn="ctr"/>
+            <a:r>
+              <a:rPr lang="en-US" dirty="0">
+                <a:solidFill>
+                  <a:schemeClr val="bg1"/>
+                </a:solidFill>
+              </a:rPr>
+              <a:t>To Do</a:t>
+            </a:r>
+          </a:p>
+        </p:txBody>
+      </p:sp>
+      <p:sp>
+        <p:nvSpPr>
+          <p:cNvPr id="10" name="textruta 9">
+            <a:extLst>
+              <a:ext uri="{FF2B5EF4-FFF2-40B4-BE49-F238E27FC236}">
+                <a16:creationId xmlns:a16="http://schemas.microsoft.com/office/drawing/2014/main" id="{615224C7-0AB1-BB46-B657-E76ECE8450E4}"/>
+              </a:ext>
+            </a:extLst>
+          </p:cNvPr>
+          <p:cNvSpPr txBox="1"/>
+          <p:nvPr/>
+        </p:nvSpPr>
+        <p:spPr>
+          <a:xfrm>
+            <a:off x="3771899" y="4245253"/>
+            <a:ext cx="1125538" cy="369332"/>
+          </a:xfrm>
+          <a:prstGeom prst="rect">
+            <a:avLst/>
+          </a:prstGeom>
+          <a:noFill/>
+        </p:spPr>
+        <p:txBody>
+          <a:bodyPr wrap="square" rtlCol="0">
+            <a:spAutoFit/>
+          </a:bodyPr>
+          <a:lstStyle/>
+          <a:p>
+            <a:pPr algn="ctr"/>
+            <a:r>
+              <a:rPr lang="en-US" dirty="0">
+                <a:solidFill>
+                  <a:schemeClr val="bg1"/>
+                </a:solidFill>
+              </a:rPr>
+              <a:t>Chat</a:t>
+            </a:r>
+          </a:p>
+        </p:txBody>
+      </p:sp>
+      <p:sp>
+        <p:nvSpPr>
+          <p:cNvPr id="11" name="textruta 10">
+            <a:extLst>
+              <a:ext uri="{FF2B5EF4-FFF2-40B4-BE49-F238E27FC236}">
+                <a16:creationId xmlns:a16="http://schemas.microsoft.com/office/drawing/2014/main" id="{CCC4455F-6542-424F-BE39-73FF38AD9F11}"/>
+              </a:ext>
+            </a:extLst>
+          </p:cNvPr>
+          <p:cNvSpPr txBox="1"/>
+          <p:nvPr/>
+        </p:nvSpPr>
+        <p:spPr>
+          <a:xfrm>
+            <a:off x="5170713" y="4245253"/>
+            <a:ext cx="1125538" cy="369332"/>
+          </a:xfrm>
+          <a:prstGeom prst="rect">
+            <a:avLst/>
+          </a:prstGeom>
+          <a:noFill/>
+        </p:spPr>
+        <p:txBody>
+          <a:bodyPr wrap="square" rtlCol="0">
+            <a:spAutoFit/>
+          </a:bodyPr>
+          <a:lstStyle/>
+          <a:p>
+            <a:pPr algn="ctr"/>
+            <a:r>
+              <a:rPr lang="en-US" dirty="0">
+                <a:solidFill>
+                  <a:schemeClr val="bg1"/>
+                </a:solidFill>
+              </a:rPr>
+              <a:t>Note</a:t>
+            </a:r>
+          </a:p>
+        </p:txBody>
+      </p:sp>
+      <p:sp>
+        <p:nvSpPr>
+          <p:cNvPr id="12" name="textruta 11">
+            <a:extLst>
+              <a:ext uri="{FF2B5EF4-FFF2-40B4-BE49-F238E27FC236}">
+                <a16:creationId xmlns:a16="http://schemas.microsoft.com/office/drawing/2014/main" id="{D71BC43F-F16A-504C-8E03-F9DE9A5CD649}"/>
+              </a:ext>
+            </a:extLst>
+          </p:cNvPr>
+          <p:cNvSpPr txBox="1"/>
+          <p:nvPr/>
+        </p:nvSpPr>
+        <p:spPr>
+          <a:xfrm>
+            <a:off x="6569527" y="4245253"/>
+            <a:ext cx="1125538" cy="369332"/>
+          </a:xfrm>
+          <a:prstGeom prst="rect">
+            <a:avLst/>
+          </a:prstGeom>
+          <a:noFill/>
+        </p:spPr>
+        <p:txBody>
+          <a:bodyPr wrap="square" rtlCol="0">
+            <a:spAutoFit/>
+          </a:bodyPr>
+          <a:lstStyle/>
+          <a:p>
+            <a:pPr algn="ctr"/>
+            <a:r>
+              <a:rPr lang="en-US" dirty="0">
+                <a:solidFill>
+                  <a:schemeClr val="bg1"/>
+                </a:solidFill>
+              </a:rPr>
+              <a:t>Crypto</a:t>
+            </a:r>
+          </a:p>
+        </p:txBody>
+      </p:sp>
+      <p:sp>
+        <p:nvSpPr>
+          <p:cNvPr id="13" name="textruta 12">
+            <a:extLst>
+              <a:ext uri="{FF2B5EF4-FFF2-40B4-BE49-F238E27FC236}">
+                <a16:creationId xmlns:a16="http://schemas.microsoft.com/office/drawing/2014/main" id="{FF1A54E3-5B5B-C348-A3B7-CD438B23B80E}"/>
+              </a:ext>
+            </a:extLst>
+          </p:cNvPr>
+          <p:cNvSpPr txBox="1"/>
+          <p:nvPr/>
+        </p:nvSpPr>
+        <p:spPr>
+          <a:xfrm>
+            <a:off x="7968341" y="4245253"/>
+            <a:ext cx="1125538" cy="369332"/>
+          </a:xfrm>
+          <a:prstGeom prst="rect">
+            <a:avLst/>
+          </a:prstGeom>
+          <a:noFill/>
+        </p:spPr>
+        <p:txBody>
+          <a:bodyPr wrap="square" rtlCol="0">
+            <a:spAutoFit/>
+          </a:bodyPr>
+          <a:lstStyle/>
+          <a:p>
+            <a:pPr algn="ctr"/>
+            <a:r>
+              <a:rPr lang="en-US" dirty="0">
+                <a:solidFill>
+                  <a:schemeClr val="bg1"/>
+                </a:solidFill>
+              </a:rPr>
+              <a:t>Stream</a:t>
             </a:r>
           </a:p>
         </p:txBody>
@@ -49230,7 +49672,1229 @@
 </p:sld>
 </file>
 
-<file path=ppt/slides/slide21.xml><?xml version="1.0" encoding="utf-8"?>
+<file path=ppt/slides/slide22.xml><?xml version="1.0" encoding="utf-8"?>
+<p:sld xmlns:a="http://schemas.openxmlformats.org/drawingml/2006/main" xmlns:r="http://schemas.openxmlformats.org/officeDocument/2006/relationships" xmlns:p="http://schemas.openxmlformats.org/presentationml/2006/main">
+  <p:cSld>
+    <p:bg>
+      <p:bgPr>
+        <a:gradFill flip="none" rotWithShape="1">
+          <a:gsLst>
+            <a:gs pos="0">
+              <a:schemeClr val="accent2">
+                <a:lumMod val="89000"/>
+              </a:schemeClr>
+            </a:gs>
+            <a:gs pos="23000">
+              <a:schemeClr val="accent2">
+                <a:lumMod val="89000"/>
+              </a:schemeClr>
+            </a:gs>
+            <a:gs pos="69000">
+              <a:schemeClr val="accent2">
+                <a:lumMod val="75000"/>
+              </a:schemeClr>
+            </a:gs>
+            <a:gs pos="97000">
+              <a:schemeClr val="accent2">
+                <a:lumMod val="70000"/>
+              </a:schemeClr>
+            </a:gs>
+          </a:gsLst>
+          <a:path path="circle">
+            <a:fillToRect l="50000" t="50000" r="50000" b="50000"/>
+          </a:path>
+          <a:tileRect/>
+        </a:gradFill>
+        <a:effectLst/>
+      </p:bgPr>
+    </p:bg>
+    <p:spTree>
+      <p:nvGrpSpPr>
+        <p:cNvPr id="1" name=""/>
+        <p:cNvGrpSpPr/>
+        <p:nvPr/>
+      </p:nvGrpSpPr>
+      <p:grpSpPr>
+        <a:xfrm>
+          <a:off x="0" y="0"/>
+          <a:ext cx="0" cy="0"/>
+          <a:chOff x="0" y="0"/>
+          <a:chExt cx="0" cy="0"/>
+        </a:xfrm>
+      </p:grpSpPr>
+      <p:sp>
+        <p:nvSpPr>
+          <p:cNvPr id="4" name="Underrubrik 2">
+            <a:extLst>
+              <a:ext uri="{FF2B5EF4-FFF2-40B4-BE49-F238E27FC236}">
+                <a16:creationId xmlns:a16="http://schemas.microsoft.com/office/drawing/2014/main" id="{9586897A-3A50-A242-8F8C-C0FFD7368263}"/>
+              </a:ext>
+            </a:extLst>
+          </p:cNvPr>
+          <p:cNvSpPr txBox="1">
+            <a:spLocks/>
+          </p:cNvSpPr>
+          <p:nvPr/>
+        </p:nvSpPr>
+        <p:spPr>
+          <a:xfrm>
+            <a:off x="1524000" y="3602038"/>
+            <a:ext cx="9144000" cy="1655762"/>
+          </a:xfrm>
+          <a:prstGeom prst="rect">
+            <a:avLst/>
+          </a:prstGeom>
+        </p:spPr>
+        <p:txBody>
+          <a:bodyPr/>
+          <a:lstStyle>
+            <a:lvl1pPr marL="228600" indent="-228600" algn="l" defTabSz="914400" rtl="0" eaLnBrk="1" latinLnBrk="0" hangingPunct="1">
+              <a:lnSpc>
+                <a:spcPct val="90000"/>
+              </a:lnSpc>
+              <a:spcBef>
+                <a:spcPts val="1000"/>
+              </a:spcBef>
+              <a:buFont typeface="Arial" panose="020B0604020202020204" pitchFamily="34" charset="0"/>
+              <a:buChar char="•"/>
+              <a:defRPr sz="2800" kern="1200">
+                <a:solidFill>
+                  <a:schemeClr val="tx1"/>
+                </a:solidFill>
+                <a:latin typeface="+mn-lt"/>
+                <a:ea typeface="+mn-ea"/>
+                <a:cs typeface="+mn-cs"/>
+              </a:defRPr>
+            </a:lvl1pPr>
+            <a:lvl2pPr marL="685800" indent="-228600" algn="l" defTabSz="914400" rtl="0" eaLnBrk="1" latinLnBrk="0" hangingPunct="1">
+              <a:lnSpc>
+                <a:spcPct val="90000"/>
+              </a:lnSpc>
+              <a:spcBef>
+                <a:spcPts val="500"/>
+              </a:spcBef>
+              <a:buFont typeface="Arial" panose="020B0604020202020204" pitchFamily="34" charset="0"/>
+              <a:buChar char="•"/>
+              <a:defRPr sz="2400" kern="1200">
+                <a:solidFill>
+                  <a:schemeClr val="tx1"/>
+                </a:solidFill>
+                <a:latin typeface="+mn-lt"/>
+                <a:ea typeface="+mn-ea"/>
+                <a:cs typeface="+mn-cs"/>
+              </a:defRPr>
+            </a:lvl2pPr>
+            <a:lvl3pPr marL="1143000" indent="-228600" algn="l" defTabSz="914400" rtl="0" eaLnBrk="1" latinLnBrk="0" hangingPunct="1">
+              <a:lnSpc>
+                <a:spcPct val="90000"/>
+              </a:lnSpc>
+              <a:spcBef>
+                <a:spcPts val="500"/>
+              </a:spcBef>
+              <a:buFont typeface="Arial" panose="020B0604020202020204" pitchFamily="34" charset="0"/>
+              <a:buChar char="•"/>
+              <a:defRPr sz="2000" kern="1200">
+                <a:solidFill>
+                  <a:schemeClr val="tx1"/>
+                </a:solidFill>
+                <a:latin typeface="+mn-lt"/>
+                <a:ea typeface="+mn-ea"/>
+                <a:cs typeface="+mn-cs"/>
+              </a:defRPr>
+            </a:lvl3pPr>
+            <a:lvl4pPr marL="1600200" indent="-228600" algn="l" defTabSz="914400" rtl="0" eaLnBrk="1" latinLnBrk="0" hangingPunct="1">
+              <a:lnSpc>
+                <a:spcPct val="90000"/>
+              </a:lnSpc>
+              <a:spcBef>
+                <a:spcPts val="500"/>
+              </a:spcBef>
+              <a:buFont typeface="Arial" panose="020B0604020202020204" pitchFamily="34" charset="0"/>
+              <a:buChar char="•"/>
+              <a:defRPr sz="1800" kern="1200">
+                <a:solidFill>
+                  <a:schemeClr val="tx1"/>
+                </a:solidFill>
+                <a:latin typeface="+mn-lt"/>
+                <a:ea typeface="+mn-ea"/>
+                <a:cs typeface="+mn-cs"/>
+              </a:defRPr>
+            </a:lvl4pPr>
+            <a:lvl5pPr marL="2057400" indent="-228600" algn="l" defTabSz="914400" rtl="0" eaLnBrk="1" latinLnBrk="0" hangingPunct="1">
+              <a:lnSpc>
+                <a:spcPct val="90000"/>
+              </a:lnSpc>
+              <a:spcBef>
+                <a:spcPts val="500"/>
+              </a:spcBef>
+              <a:buFont typeface="Arial" panose="020B0604020202020204" pitchFamily="34" charset="0"/>
+              <a:buChar char="•"/>
+              <a:defRPr sz="1800" kern="1200">
+                <a:solidFill>
+                  <a:schemeClr val="tx1"/>
+                </a:solidFill>
+                <a:latin typeface="+mn-lt"/>
+                <a:ea typeface="+mn-ea"/>
+                <a:cs typeface="+mn-cs"/>
+              </a:defRPr>
+            </a:lvl5pPr>
+            <a:lvl6pPr marL="2514600" indent="-228600" algn="l" defTabSz="914400" rtl="0" eaLnBrk="1" latinLnBrk="0" hangingPunct="1">
+              <a:lnSpc>
+                <a:spcPct val="90000"/>
+              </a:lnSpc>
+              <a:spcBef>
+                <a:spcPts val="500"/>
+              </a:spcBef>
+              <a:buFont typeface="Arial" panose="020B0604020202020204" pitchFamily="34" charset="0"/>
+              <a:buChar char="•"/>
+              <a:defRPr sz="1800" kern="1200">
+                <a:solidFill>
+                  <a:schemeClr val="tx1"/>
+                </a:solidFill>
+                <a:latin typeface="+mn-lt"/>
+                <a:ea typeface="+mn-ea"/>
+                <a:cs typeface="+mn-cs"/>
+              </a:defRPr>
+            </a:lvl6pPr>
+            <a:lvl7pPr marL="2971800" indent="-228600" algn="l" defTabSz="914400" rtl="0" eaLnBrk="1" latinLnBrk="0" hangingPunct="1">
+              <a:lnSpc>
+                <a:spcPct val="90000"/>
+              </a:lnSpc>
+              <a:spcBef>
+                <a:spcPts val="500"/>
+              </a:spcBef>
+              <a:buFont typeface="Arial" panose="020B0604020202020204" pitchFamily="34" charset="0"/>
+              <a:buChar char="•"/>
+              <a:defRPr sz="1800" kern="1200">
+                <a:solidFill>
+                  <a:schemeClr val="tx1"/>
+                </a:solidFill>
+                <a:latin typeface="+mn-lt"/>
+                <a:ea typeface="+mn-ea"/>
+                <a:cs typeface="+mn-cs"/>
+              </a:defRPr>
+            </a:lvl7pPr>
+            <a:lvl8pPr marL="3429000" indent="-228600" algn="l" defTabSz="914400" rtl="0" eaLnBrk="1" latinLnBrk="0" hangingPunct="1">
+              <a:lnSpc>
+                <a:spcPct val="90000"/>
+              </a:lnSpc>
+              <a:spcBef>
+                <a:spcPts val="500"/>
+              </a:spcBef>
+              <a:buFont typeface="Arial" panose="020B0604020202020204" pitchFamily="34" charset="0"/>
+              <a:buChar char="•"/>
+              <a:defRPr sz="1800" kern="1200">
+                <a:solidFill>
+                  <a:schemeClr val="tx1"/>
+                </a:solidFill>
+                <a:latin typeface="+mn-lt"/>
+                <a:ea typeface="+mn-ea"/>
+                <a:cs typeface="+mn-cs"/>
+              </a:defRPr>
+            </a:lvl8pPr>
+            <a:lvl9pPr marL="3886200" indent="-228600" algn="l" defTabSz="914400" rtl="0" eaLnBrk="1" latinLnBrk="0" hangingPunct="1">
+              <a:lnSpc>
+                <a:spcPct val="90000"/>
+              </a:lnSpc>
+              <a:spcBef>
+                <a:spcPts val="500"/>
+              </a:spcBef>
+              <a:buFont typeface="Arial" panose="020B0604020202020204" pitchFamily="34" charset="0"/>
+              <a:buChar char="•"/>
+              <a:defRPr sz="1800" kern="1200">
+                <a:solidFill>
+                  <a:schemeClr val="tx1"/>
+                </a:solidFill>
+                <a:latin typeface="+mn-lt"/>
+                <a:ea typeface="+mn-ea"/>
+                <a:cs typeface="+mn-cs"/>
+              </a:defRPr>
+            </a:lvl9pPr>
+          </a:lstStyle>
+          <a:p>
+            <a:pPr marL="342900" indent="-342900">
+              <a:buFont typeface=".Apple Color Emoji UI"/>
+              <a:buChar char="👁"/>
+            </a:pPr>
+            <a:endParaRPr lang="en-US" dirty="0">
+              <a:solidFill>
+                <a:schemeClr val="bg1"/>
+              </a:solidFill>
+            </a:endParaRPr>
+          </a:p>
+        </p:txBody>
+      </p:sp>
+      <p:pic>
+        <p:nvPicPr>
+          <p:cNvPr id="2" name="Bildobjekt 1">
+            <a:extLst>
+              <a:ext uri="{FF2B5EF4-FFF2-40B4-BE49-F238E27FC236}">
+                <a16:creationId xmlns:a16="http://schemas.microsoft.com/office/drawing/2014/main" id="{8EAB878B-B6AE-7040-B1C6-10AC3FA4ABC5}"/>
+              </a:ext>
+            </a:extLst>
+          </p:cNvPr>
+          <p:cNvPicPr>
+            <a:picLocks noChangeAspect="1"/>
+          </p:cNvPicPr>
+          <p:nvPr/>
+        </p:nvPicPr>
+        <p:blipFill>
+          <a:blip r:embed="rId2"/>
+          <a:stretch>
+            <a:fillRect/>
+          </a:stretch>
+        </p:blipFill>
+        <p:spPr>
+          <a:xfrm>
+            <a:off x="2373085" y="3039268"/>
+            <a:ext cx="1125538" cy="1125538"/>
+          </a:xfrm>
+          <a:prstGeom prst="rect">
+            <a:avLst/>
+          </a:prstGeom>
+        </p:spPr>
+      </p:pic>
+      <p:pic>
+        <p:nvPicPr>
+          <p:cNvPr id="3" name="Bildobjekt 2">
+            <a:extLst>
+              <a:ext uri="{FF2B5EF4-FFF2-40B4-BE49-F238E27FC236}">
+                <a16:creationId xmlns:a16="http://schemas.microsoft.com/office/drawing/2014/main" id="{06B54DFC-4BAD-3847-AD1D-A7CEAAD2B7E4}"/>
+              </a:ext>
+            </a:extLst>
+          </p:cNvPr>
+          <p:cNvPicPr>
+            <a:picLocks noChangeAspect="1"/>
+          </p:cNvPicPr>
+          <p:nvPr/>
+        </p:nvPicPr>
+        <p:blipFill>
+          <a:blip r:embed="rId3"/>
+          <a:stretch>
+            <a:fillRect/>
+          </a:stretch>
+        </p:blipFill>
+        <p:spPr>
+          <a:xfrm>
+            <a:off x="3771899" y="3039268"/>
+            <a:ext cx="1125538" cy="1125538"/>
+          </a:xfrm>
+          <a:prstGeom prst="rect">
+            <a:avLst/>
+          </a:prstGeom>
+        </p:spPr>
+      </p:pic>
+      <p:pic>
+        <p:nvPicPr>
+          <p:cNvPr id="5" name="Bildobjekt 4">
+            <a:extLst>
+              <a:ext uri="{FF2B5EF4-FFF2-40B4-BE49-F238E27FC236}">
+                <a16:creationId xmlns:a16="http://schemas.microsoft.com/office/drawing/2014/main" id="{62EF8F75-305C-1648-A691-FEDA1D13EF09}"/>
+              </a:ext>
+            </a:extLst>
+          </p:cNvPr>
+          <p:cNvPicPr>
+            <a:picLocks noChangeAspect="1"/>
+          </p:cNvPicPr>
+          <p:nvPr/>
+        </p:nvPicPr>
+        <p:blipFill>
+          <a:blip r:embed="rId4"/>
+          <a:stretch>
+            <a:fillRect/>
+          </a:stretch>
+        </p:blipFill>
+        <p:spPr>
+          <a:xfrm>
+            <a:off x="5170713" y="3039268"/>
+            <a:ext cx="1125538" cy="1125538"/>
+          </a:xfrm>
+          <a:prstGeom prst="rect">
+            <a:avLst/>
+          </a:prstGeom>
+        </p:spPr>
+      </p:pic>
+      <p:pic>
+        <p:nvPicPr>
+          <p:cNvPr id="6" name="Bildobjekt 5">
+            <a:extLst>
+              <a:ext uri="{FF2B5EF4-FFF2-40B4-BE49-F238E27FC236}">
+                <a16:creationId xmlns:a16="http://schemas.microsoft.com/office/drawing/2014/main" id="{7A2A4658-BBFB-DF4B-87E2-774ABFFE472B}"/>
+              </a:ext>
+            </a:extLst>
+          </p:cNvPr>
+          <p:cNvPicPr>
+            <a:picLocks noChangeAspect="1"/>
+          </p:cNvPicPr>
+          <p:nvPr/>
+        </p:nvPicPr>
+        <p:blipFill>
+          <a:blip r:embed="rId5"/>
+          <a:stretch>
+            <a:fillRect/>
+          </a:stretch>
+        </p:blipFill>
+        <p:spPr>
+          <a:xfrm>
+            <a:off x="6569527" y="3039268"/>
+            <a:ext cx="1125538" cy="1125538"/>
+          </a:xfrm>
+          <a:prstGeom prst="rect">
+            <a:avLst/>
+          </a:prstGeom>
+        </p:spPr>
+      </p:pic>
+      <p:pic>
+        <p:nvPicPr>
+          <p:cNvPr id="7" name="Bildobjekt 6">
+            <a:extLst>
+              <a:ext uri="{FF2B5EF4-FFF2-40B4-BE49-F238E27FC236}">
+                <a16:creationId xmlns:a16="http://schemas.microsoft.com/office/drawing/2014/main" id="{B1653EF2-E52D-A94F-884F-675F6F3BFEE9}"/>
+              </a:ext>
+            </a:extLst>
+          </p:cNvPr>
+          <p:cNvPicPr>
+            <a:picLocks noChangeAspect="1"/>
+          </p:cNvPicPr>
+          <p:nvPr/>
+        </p:nvPicPr>
+        <p:blipFill>
+          <a:blip r:embed="rId6"/>
+          <a:stretch>
+            <a:fillRect/>
+          </a:stretch>
+        </p:blipFill>
+        <p:spPr>
+          <a:xfrm>
+            <a:off x="7968342" y="3039269"/>
+            <a:ext cx="1125538" cy="1125538"/>
+          </a:xfrm>
+          <a:prstGeom prst="rect">
+            <a:avLst/>
+          </a:prstGeom>
+        </p:spPr>
+      </p:pic>
+      <p:sp>
+        <p:nvSpPr>
+          <p:cNvPr id="8" name="textruta 7">
+            <a:extLst>
+              <a:ext uri="{FF2B5EF4-FFF2-40B4-BE49-F238E27FC236}">
+                <a16:creationId xmlns:a16="http://schemas.microsoft.com/office/drawing/2014/main" id="{8280CE2F-2664-9B49-B7E2-7FB99505124C}"/>
+              </a:ext>
+            </a:extLst>
+          </p:cNvPr>
+          <p:cNvSpPr txBox="1"/>
+          <p:nvPr/>
+        </p:nvSpPr>
+        <p:spPr>
+          <a:xfrm>
+            <a:off x="4263368" y="1811278"/>
+            <a:ext cx="2940228" cy="584775"/>
+          </a:xfrm>
+          <a:prstGeom prst="rect">
+            <a:avLst/>
+          </a:prstGeom>
+          <a:noFill/>
+        </p:spPr>
+        <p:txBody>
+          <a:bodyPr wrap="none" rtlCol="0">
+            <a:spAutoFit/>
+          </a:bodyPr>
+          <a:lstStyle/>
+          <a:p>
+            <a:r>
+              <a:rPr lang="en-US" sz="3200" b="1" dirty="0">
+                <a:solidFill>
+                  <a:schemeClr val="bg1"/>
+                </a:solidFill>
+                <a:latin typeface="Arial" panose="020B0604020202020204" pitchFamily="34" charset="0"/>
+                <a:cs typeface="Arial" panose="020B0604020202020204" pitchFamily="34" charset="0"/>
+              </a:rPr>
+              <a:t>Paid Products</a:t>
+            </a:r>
+          </a:p>
+        </p:txBody>
+      </p:sp>
+      <p:sp>
+        <p:nvSpPr>
+          <p:cNvPr id="9" name="textruta 8">
+            <a:extLst>
+              <a:ext uri="{FF2B5EF4-FFF2-40B4-BE49-F238E27FC236}">
+                <a16:creationId xmlns:a16="http://schemas.microsoft.com/office/drawing/2014/main" id="{8ECB690A-55A1-CC44-B525-8363E61065FD}"/>
+              </a:ext>
+            </a:extLst>
+          </p:cNvPr>
+          <p:cNvSpPr txBox="1"/>
+          <p:nvPr/>
+        </p:nvSpPr>
+        <p:spPr>
+          <a:xfrm>
+            <a:off x="2373085" y="4245253"/>
+            <a:ext cx="1125538" cy="369332"/>
+          </a:xfrm>
+          <a:prstGeom prst="rect">
+            <a:avLst/>
+          </a:prstGeom>
+          <a:noFill/>
+        </p:spPr>
+        <p:txBody>
+          <a:bodyPr wrap="square" rtlCol="0">
+            <a:spAutoFit/>
+          </a:bodyPr>
+          <a:lstStyle/>
+          <a:p>
+            <a:pPr algn="ctr"/>
+            <a:r>
+              <a:rPr lang="en-US" dirty="0">
+                <a:solidFill>
+                  <a:schemeClr val="bg1"/>
+                </a:solidFill>
+              </a:rPr>
+              <a:t>To Do+</a:t>
+            </a:r>
+          </a:p>
+        </p:txBody>
+      </p:sp>
+      <p:sp>
+        <p:nvSpPr>
+          <p:cNvPr id="10" name="textruta 9">
+            <a:extLst>
+              <a:ext uri="{FF2B5EF4-FFF2-40B4-BE49-F238E27FC236}">
+                <a16:creationId xmlns:a16="http://schemas.microsoft.com/office/drawing/2014/main" id="{615224C7-0AB1-BB46-B657-E76ECE8450E4}"/>
+              </a:ext>
+            </a:extLst>
+          </p:cNvPr>
+          <p:cNvSpPr txBox="1"/>
+          <p:nvPr/>
+        </p:nvSpPr>
+        <p:spPr>
+          <a:xfrm>
+            <a:off x="3771899" y="4245253"/>
+            <a:ext cx="1125538" cy="369332"/>
+          </a:xfrm>
+          <a:prstGeom prst="rect">
+            <a:avLst/>
+          </a:prstGeom>
+          <a:noFill/>
+        </p:spPr>
+        <p:txBody>
+          <a:bodyPr wrap="square" rtlCol="0">
+            <a:spAutoFit/>
+          </a:bodyPr>
+          <a:lstStyle/>
+          <a:p>
+            <a:pPr algn="ctr"/>
+            <a:r>
+              <a:rPr lang="en-US" dirty="0">
+                <a:solidFill>
+                  <a:schemeClr val="bg1"/>
+                </a:solidFill>
+              </a:rPr>
+              <a:t>Chat+</a:t>
+            </a:r>
+          </a:p>
+        </p:txBody>
+      </p:sp>
+      <p:sp>
+        <p:nvSpPr>
+          <p:cNvPr id="11" name="textruta 10">
+            <a:extLst>
+              <a:ext uri="{FF2B5EF4-FFF2-40B4-BE49-F238E27FC236}">
+                <a16:creationId xmlns:a16="http://schemas.microsoft.com/office/drawing/2014/main" id="{CCC4455F-6542-424F-BE39-73FF38AD9F11}"/>
+              </a:ext>
+            </a:extLst>
+          </p:cNvPr>
+          <p:cNvSpPr txBox="1"/>
+          <p:nvPr/>
+        </p:nvSpPr>
+        <p:spPr>
+          <a:xfrm>
+            <a:off x="5170713" y="4245253"/>
+            <a:ext cx="1125538" cy="369332"/>
+          </a:xfrm>
+          <a:prstGeom prst="rect">
+            <a:avLst/>
+          </a:prstGeom>
+          <a:noFill/>
+        </p:spPr>
+        <p:txBody>
+          <a:bodyPr wrap="square" rtlCol="0">
+            <a:spAutoFit/>
+          </a:bodyPr>
+          <a:lstStyle/>
+          <a:p>
+            <a:pPr algn="ctr"/>
+            <a:r>
+              <a:rPr lang="en-US" dirty="0">
+                <a:solidFill>
+                  <a:schemeClr val="bg1"/>
+                </a:solidFill>
+              </a:rPr>
+              <a:t>Note+</a:t>
+            </a:r>
+          </a:p>
+        </p:txBody>
+      </p:sp>
+      <p:sp>
+        <p:nvSpPr>
+          <p:cNvPr id="12" name="textruta 11">
+            <a:extLst>
+              <a:ext uri="{FF2B5EF4-FFF2-40B4-BE49-F238E27FC236}">
+                <a16:creationId xmlns:a16="http://schemas.microsoft.com/office/drawing/2014/main" id="{D71BC43F-F16A-504C-8E03-F9DE9A5CD649}"/>
+              </a:ext>
+            </a:extLst>
+          </p:cNvPr>
+          <p:cNvSpPr txBox="1"/>
+          <p:nvPr/>
+        </p:nvSpPr>
+        <p:spPr>
+          <a:xfrm>
+            <a:off x="6569527" y="4245253"/>
+            <a:ext cx="1125538" cy="369332"/>
+          </a:xfrm>
+          <a:prstGeom prst="rect">
+            <a:avLst/>
+          </a:prstGeom>
+          <a:noFill/>
+        </p:spPr>
+        <p:txBody>
+          <a:bodyPr wrap="square" rtlCol="0">
+            <a:spAutoFit/>
+          </a:bodyPr>
+          <a:lstStyle/>
+          <a:p>
+            <a:pPr algn="ctr"/>
+            <a:r>
+              <a:rPr lang="en-US" dirty="0">
+                <a:solidFill>
+                  <a:schemeClr val="bg1"/>
+                </a:solidFill>
+              </a:rPr>
+              <a:t>Crypto+</a:t>
+            </a:r>
+          </a:p>
+        </p:txBody>
+      </p:sp>
+      <p:sp>
+        <p:nvSpPr>
+          <p:cNvPr id="13" name="textruta 12">
+            <a:extLst>
+              <a:ext uri="{FF2B5EF4-FFF2-40B4-BE49-F238E27FC236}">
+                <a16:creationId xmlns:a16="http://schemas.microsoft.com/office/drawing/2014/main" id="{FF1A54E3-5B5B-C348-A3B7-CD438B23B80E}"/>
+              </a:ext>
+            </a:extLst>
+          </p:cNvPr>
+          <p:cNvSpPr txBox="1"/>
+          <p:nvPr/>
+        </p:nvSpPr>
+        <p:spPr>
+          <a:xfrm>
+            <a:off x="7968341" y="4245253"/>
+            <a:ext cx="1125538" cy="369332"/>
+          </a:xfrm>
+          <a:prstGeom prst="rect">
+            <a:avLst/>
+          </a:prstGeom>
+          <a:noFill/>
+        </p:spPr>
+        <p:txBody>
+          <a:bodyPr wrap="square" rtlCol="0">
+            <a:spAutoFit/>
+          </a:bodyPr>
+          <a:lstStyle/>
+          <a:p>
+            <a:pPr algn="ctr"/>
+            <a:r>
+              <a:rPr lang="en-US" dirty="0">
+                <a:solidFill>
+                  <a:schemeClr val="bg1"/>
+                </a:solidFill>
+              </a:rPr>
+              <a:t>Stream+</a:t>
+            </a:r>
+          </a:p>
+        </p:txBody>
+      </p:sp>
+      <p:sp>
+        <p:nvSpPr>
+          <p:cNvPr id="15" name="Plus 14">
+            <a:extLst>
+              <a:ext uri="{FF2B5EF4-FFF2-40B4-BE49-F238E27FC236}">
+                <a16:creationId xmlns:a16="http://schemas.microsoft.com/office/drawing/2014/main" id="{4ED5F642-482A-844C-BF8B-3A32E1588909}"/>
+              </a:ext>
+            </a:extLst>
+          </p:cNvPr>
+          <p:cNvSpPr/>
+          <p:nvPr/>
+        </p:nvSpPr>
+        <p:spPr>
+          <a:xfrm>
+            <a:off x="2447698" y="3122605"/>
+            <a:ext cx="157163" cy="157163"/>
+          </a:xfrm>
+          <a:prstGeom prst="mathPlus">
+            <a:avLst/>
+          </a:prstGeom>
+          <a:solidFill>
+            <a:schemeClr val="bg1"/>
+          </a:solidFill>
+          <a:ln>
+            <a:noFill/>
+          </a:ln>
+        </p:spPr>
+        <p:style>
+          <a:lnRef idx="2">
+            <a:schemeClr val="accent1">
+              <a:shade val="50000"/>
+            </a:schemeClr>
+          </a:lnRef>
+          <a:fillRef idx="1">
+            <a:schemeClr val="accent1"/>
+          </a:fillRef>
+          <a:effectRef idx="0">
+            <a:schemeClr val="accent1"/>
+          </a:effectRef>
+          <a:fontRef idx="minor">
+            <a:schemeClr val="lt1"/>
+          </a:fontRef>
+        </p:style>
+        <p:txBody>
+          <a:bodyPr rtlCol="0" anchor="ctr"/>
+          <a:lstStyle/>
+          <a:p>
+            <a:pPr algn="ctr"/>
+            <a:endParaRPr lang="en-US"/>
+          </a:p>
+        </p:txBody>
+      </p:sp>
+      <p:sp>
+        <p:nvSpPr>
+          <p:cNvPr id="17" name="Plus 16">
+            <a:extLst>
+              <a:ext uri="{FF2B5EF4-FFF2-40B4-BE49-F238E27FC236}">
+                <a16:creationId xmlns:a16="http://schemas.microsoft.com/office/drawing/2014/main" id="{89CE3E62-8420-C044-9098-2FFF85CB991E}"/>
+              </a:ext>
+            </a:extLst>
+          </p:cNvPr>
+          <p:cNvSpPr/>
+          <p:nvPr/>
+        </p:nvSpPr>
+        <p:spPr>
+          <a:xfrm>
+            <a:off x="3854222" y="3122605"/>
+            <a:ext cx="157163" cy="157163"/>
+          </a:xfrm>
+          <a:prstGeom prst="mathPlus">
+            <a:avLst/>
+          </a:prstGeom>
+          <a:solidFill>
+            <a:schemeClr val="bg1"/>
+          </a:solidFill>
+          <a:ln>
+            <a:noFill/>
+          </a:ln>
+        </p:spPr>
+        <p:style>
+          <a:lnRef idx="2">
+            <a:schemeClr val="accent1">
+              <a:shade val="50000"/>
+            </a:schemeClr>
+          </a:lnRef>
+          <a:fillRef idx="1">
+            <a:schemeClr val="accent1"/>
+          </a:fillRef>
+          <a:effectRef idx="0">
+            <a:schemeClr val="accent1"/>
+          </a:effectRef>
+          <a:fontRef idx="minor">
+            <a:schemeClr val="lt1"/>
+          </a:fontRef>
+        </p:style>
+        <p:txBody>
+          <a:bodyPr rtlCol="0" anchor="ctr"/>
+          <a:lstStyle/>
+          <a:p>
+            <a:pPr algn="ctr"/>
+            <a:endParaRPr lang="en-US"/>
+          </a:p>
+        </p:txBody>
+      </p:sp>
+      <p:sp>
+        <p:nvSpPr>
+          <p:cNvPr id="18" name="Plus 17">
+            <a:extLst>
+              <a:ext uri="{FF2B5EF4-FFF2-40B4-BE49-F238E27FC236}">
+                <a16:creationId xmlns:a16="http://schemas.microsoft.com/office/drawing/2014/main" id="{B844F6F4-7EFF-6D44-86F8-1C9272495B90}"/>
+              </a:ext>
+            </a:extLst>
+          </p:cNvPr>
+          <p:cNvSpPr/>
+          <p:nvPr/>
+        </p:nvSpPr>
+        <p:spPr>
+          <a:xfrm>
+            <a:off x="5256391" y="3123267"/>
+            <a:ext cx="157163" cy="157163"/>
+          </a:xfrm>
+          <a:prstGeom prst="mathPlus">
+            <a:avLst/>
+          </a:prstGeom>
+          <a:solidFill>
+            <a:schemeClr val="bg1"/>
+          </a:solidFill>
+          <a:ln>
+            <a:noFill/>
+          </a:ln>
+        </p:spPr>
+        <p:style>
+          <a:lnRef idx="2">
+            <a:schemeClr val="accent1">
+              <a:shade val="50000"/>
+            </a:schemeClr>
+          </a:lnRef>
+          <a:fillRef idx="1">
+            <a:schemeClr val="accent1"/>
+          </a:fillRef>
+          <a:effectRef idx="0">
+            <a:schemeClr val="accent1"/>
+          </a:effectRef>
+          <a:fontRef idx="minor">
+            <a:schemeClr val="lt1"/>
+          </a:fontRef>
+        </p:style>
+        <p:txBody>
+          <a:bodyPr rtlCol="0" anchor="ctr"/>
+          <a:lstStyle/>
+          <a:p>
+            <a:pPr algn="ctr"/>
+            <a:endParaRPr lang="en-US"/>
+          </a:p>
+        </p:txBody>
+      </p:sp>
+      <p:sp>
+        <p:nvSpPr>
+          <p:cNvPr id="19" name="Plus 18">
+            <a:extLst>
+              <a:ext uri="{FF2B5EF4-FFF2-40B4-BE49-F238E27FC236}">
+                <a16:creationId xmlns:a16="http://schemas.microsoft.com/office/drawing/2014/main" id="{5EE51C32-5393-AB4F-8AC3-6417D0290117}"/>
+              </a:ext>
+            </a:extLst>
+          </p:cNvPr>
+          <p:cNvSpPr/>
+          <p:nvPr/>
+        </p:nvSpPr>
+        <p:spPr>
+          <a:xfrm>
+            <a:off x="6654081" y="3123267"/>
+            <a:ext cx="157163" cy="157163"/>
+          </a:xfrm>
+          <a:prstGeom prst="mathPlus">
+            <a:avLst/>
+          </a:prstGeom>
+          <a:solidFill>
+            <a:schemeClr val="bg1"/>
+          </a:solidFill>
+          <a:ln>
+            <a:noFill/>
+          </a:ln>
+        </p:spPr>
+        <p:style>
+          <a:lnRef idx="2">
+            <a:schemeClr val="accent1">
+              <a:shade val="50000"/>
+            </a:schemeClr>
+          </a:lnRef>
+          <a:fillRef idx="1">
+            <a:schemeClr val="accent1"/>
+          </a:fillRef>
+          <a:effectRef idx="0">
+            <a:schemeClr val="accent1"/>
+          </a:effectRef>
+          <a:fontRef idx="minor">
+            <a:schemeClr val="lt1"/>
+          </a:fontRef>
+        </p:style>
+        <p:txBody>
+          <a:bodyPr rtlCol="0" anchor="ctr"/>
+          <a:lstStyle/>
+          <a:p>
+            <a:pPr algn="ctr"/>
+            <a:endParaRPr lang="en-US"/>
+          </a:p>
+        </p:txBody>
+      </p:sp>
+      <p:sp>
+        <p:nvSpPr>
+          <p:cNvPr id="20" name="Plus 19">
+            <a:extLst>
+              <a:ext uri="{FF2B5EF4-FFF2-40B4-BE49-F238E27FC236}">
+                <a16:creationId xmlns:a16="http://schemas.microsoft.com/office/drawing/2014/main" id="{D8D48E07-D6FD-B54F-A24F-9F8FBE3C7F71}"/>
+              </a:ext>
+            </a:extLst>
+          </p:cNvPr>
+          <p:cNvSpPr/>
+          <p:nvPr/>
+        </p:nvSpPr>
+        <p:spPr>
+          <a:xfrm>
+            <a:off x="8061645" y="3123267"/>
+            <a:ext cx="157163" cy="157163"/>
+          </a:xfrm>
+          <a:prstGeom prst="mathPlus">
+            <a:avLst/>
+          </a:prstGeom>
+          <a:solidFill>
+            <a:schemeClr val="bg1"/>
+          </a:solidFill>
+          <a:ln>
+            <a:noFill/>
+          </a:ln>
+        </p:spPr>
+        <p:style>
+          <a:lnRef idx="2">
+            <a:schemeClr val="accent1">
+              <a:shade val="50000"/>
+            </a:schemeClr>
+          </a:lnRef>
+          <a:fillRef idx="1">
+            <a:schemeClr val="accent1"/>
+          </a:fillRef>
+          <a:effectRef idx="0">
+            <a:schemeClr val="accent1"/>
+          </a:effectRef>
+          <a:fontRef idx="minor">
+            <a:schemeClr val="lt1"/>
+          </a:fontRef>
+        </p:style>
+        <p:txBody>
+          <a:bodyPr rtlCol="0" anchor="ctr"/>
+          <a:lstStyle/>
+          <a:p>
+            <a:pPr algn="ctr"/>
+            <a:endParaRPr lang="en-US"/>
+          </a:p>
+        </p:txBody>
+      </p:sp>
+    </p:spTree>
+    <p:extLst>
+      <p:ext uri="{BB962C8B-B14F-4D97-AF65-F5344CB8AC3E}">
+        <p14:creationId xmlns:p14="http://schemas.microsoft.com/office/powerpoint/2010/main" val="78824574"/>
+      </p:ext>
+    </p:extLst>
+  </p:cSld>
+  <p:clrMapOvr>
+    <a:masterClrMapping/>
+  </p:clrMapOvr>
+</p:sld>
+</file>
+
+<file path=ppt/slides/slide23.xml><?xml version="1.0" encoding="utf-8"?>
+<p:sld xmlns:a="http://schemas.openxmlformats.org/drawingml/2006/main" xmlns:r="http://schemas.openxmlformats.org/officeDocument/2006/relationships" xmlns:p="http://schemas.openxmlformats.org/presentationml/2006/main">
+  <p:cSld>
+    <p:bg>
+      <p:bgPr>
+        <a:gradFill flip="none" rotWithShape="1">
+          <a:gsLst>
+            <a:gs pos="0">
+              <a:schemeClr val="accent2">
+                <a:lumMod val="89000"/>
+              </a:schemeClr>
+            </a:gs>
+            <a:gs pos="23000">
+              <a:schemeClr val="accent2">
+                <a:lumMod val="89000"/>
+              </a:schemeClr>
+            </a:gs>
+            <a:gs pos="69000">
+              <a:schemeClr val="accent2">
+                <a:lumMod val="75000"/>
+              </a:schemeClr>
+            </a:gs>
+            <a:gs pos="97000">
+              <a:schemeClr val="accent2">
+                <a:lumMod val="70000"/>
+              </a:schemeClr>
+            </a:gs>
+          </a:gsLst>
+          <a:path path="circle">
+            <a:fillToRect l="50000" t="50000" r="50000" b="50000"/>
+          </a:path>
+          <a:tileRect/>
+        </a:gradFill>
+        <a:effectLst/>
+      </p:bgPr>
+    </p:bg>
+    <p:spTree>
+      <p:nvGrpSpPr>
+        <p:cNvPr id="1" name=""/>
+        <p:cNvGrpSpPr/>
+        <p:nvPr/>
+      </p:nvGrpSpPr>
+      <p:grpSpPr>
+        <a:xfrm>
+          <a:off x="0" y="0"/>
+          <a:ext cx="0" cy="0"/>
+          <a:chOff x="0" y="0"/>
+          <a:chExt cx="0" cy="0"/>
+        </a:xfrm>
+      </p:grpSpPr>
+      <p:sp>
+        <p:nvSpPr>
+          <p:cNvPr id="4" name="Underrubrik 2">
+            <a:extLst>
+              <a:ext uri="{FF2B5EF4-FFF2-40B4-BE49-F238E27FC236}">
+                <a16:creationId xmlns:a16="http://schemas.microsoft.com/office/drawing/2014/main" id="{9586897A-3A50-A242-8F8C-C0FFD7368263}"/>
+              </a:ext>
+            </a:extLst>
+          </p:cNvPr>
+          <p:cNvSpPr txBox="1">
+            <a:spLocks/>
+          </p:cNvSpPr>
+          <p:nvPr/>
+        </p:nvSpPr>
+        <p:spPr>
+          <a:xfrm>
+            <a:off x="1524000" y="3602038"/>
+            <a:ext cx="9144000" cy="1655762"/>
+          </a:xfrm>
+          <a:prstGeom prst="rect">
+            <a:avLst/>
+          </a:prstGeom>
+        </p:spPr>
+        <p:txBody>
+          <a:bodyPr/>
+          <a:lstStyle>
+            <a:lvl1pPr marL="228600" indent="-228600" algn="l" defTabSz="914400" rtl="0" eaLnBrk="1" latinLnBrk="0" hangingPunct="1">
+              <a:lnSpc>
+                <a:spcPct val="90000"/>
+              </a:lnSpc>
+              <a:spcBef>
+                <a:spcPts val="1000"/>
+              </a:spcBef>
+              <a:buFont typeface="Arial" panose="020B0604020202020204" pitchFamily="34" charset="0"/>
+              <a:buChar char="•"/>
+              <a:defRPr sz="2800" kern="1200">
+                <a:solidFill>
+                  <a:schemeClr val="tx1"/>
+                </a:solidFill>
+                <a:latin typeface="+mn-lt"/>
+                <a:ea typeface="+mn-ea"/>
+                <a:cs typeface="+mn-cs"/>
+              </a:defRPr>
+            </a:lvl1pPr>
+            <a:lvl2pPr marL="685800" indent="-228600" algn="l" defTabSz="914400" rtl="0" eaLnBrk="1" latinLnBrk="0" hangingPunct="1">
+              <a:lnSpc>
+                <a:spcPct val="90000"/>
+              </a:lnSpc>
+              <a:spcBef>
+                <a:spcPts val="500"/>
+              </a:spcBef>
+              <a:buFont typeface="Arial" panose="020B0604020202020204" pitchFamily="34" charset="0"/>
+              <a:buChar char="•"/>
+              <a:defRPr sz="2400" kern="1200">
+                <a:solidFill>
+                  <a:schemeClr val="tx1"/>
+                </a:solidFill>
+                <a:latin typeface="+mn-lt"/>
+                <a:ea typeface="+mn-ea"/>
+                <a:cs typeface="+mn-cs"/>
+              </a:defRPr>
+            </a:lvl2pPr>
+            <a:lvl3pPr marL="1143000" indent="-228600" algn="l" defTabSz="914400" rtl="0" eaLnBrk="1" latinLnBrk="0" hangingPunct="1">
+              <a:lnSpc>
+                <a:spcPct val="90000"/>
+              </a:lnSpc>
+              <a:spcBef>
+                <a:spcPts val="500"/>
+              </a:spcBef>
+              <a:buFont typeface="Arial" panose="020B0604020202020204" pitchFamily="34" charset="0"/>
+              <a:buChar char="•"/>
+              <a:defRPr sz="2000" kern="1200">
+                <a:solidFill>
+                  <a:schemeClr val="tx1"/>
+                </a:solidFill>
+                <a:latin typeface="+mn-lt"/>
+                <a:ea typeface="+mn-ea"/>
+                <a:cs typeface="+mn-cs"/>
+              </a:defRPr>
+            </a:lvl3pPr>
+            <a:lvl4pPr marL="1600200" indent="-228600" algn="l" defTabSz="914400" rtl="0" eaLnBrk="1" latinLnBrk="0" hangingPunct="1">
+              <a:lnSpc>
+                <a:spcPct val="90000"/>
+              </a:lnSpc>
+              <a:spcBef>
+                <a:spcPts val="500"/>
+              </a:spcBef>
+              <a:buFont typeface="Arial" panose="020B0604020202020204" pitchFamily="34" charset="0"/>
+              <a:buChar char="•"/>
+              <a:defRPr sz="1800" kern="1200">
+                <a:solidFill>
+                  <a:schemeClr val="tx1"/>
+                </a:solidFill>
+                <a:latin typeface="+mn-lt"/>
+                <a:ea typeface="+mn-ea"/>
+                <a:cs typeface="+mn-cs"/>
+              </a:defRPr>
+            </a:lvl4pPr>
+            <a:lvl5pPr marL="2057400" indent="-228600" algn="l" defTabSz="914400" rtl="0" eaLnBrk="1" latinLnBrk="0" hangingPunct="1">
+              <a:lnSpc>
+                <a:spcPct val="90000"/>
+              </a:lnSpc>
+              <a:spcBef>
+                <a:spcPts val="500"/>
+              </a:spcBef>
+              <a:buFont typeface="Arial" panose="020B0604020202020204" pitchFamily="34" charset="0"/>
+              <a:buChar char="•"/>
+              <a:defRPr sz="1800" kern="1200">
+                <a:solidFill>
+                  <a:schemeClr val="tx1"/>
+                </a:solidFill>
+                <a:latin typeface="+mn-lt"/>
+                <a:ea typeface="+mn-ea"/>
+                <a:cs typeface="+mn-cs"/>
+              </a:defRPr>
+            </a:lvl5pPr>
+            <a:lvl6pPr marL="2514600" indent="-228600" algn="l" defTabSz="914400" rtl="0" eaLnBrk="1" latinLnBrk="0" hangingPunct="1">
+              <a:lnSpc>
+                <a:spcPct val="90000"/>
+              </a:lnSpc>
+              <a:spcBef>
+                <a:spcPts val="500"/>
+              </a:spcBef>
+              <a:buFont typeface="Arial" panose="020B0604020202020204" pitchFamily="34" charset="0"/>
+              <a:buChar char="•"/>
+              <a:defRPr sz="1800" kern="1200">
+                <a:solidFill>
+                  <a:schemeClr val="tx1"/>
+                </a:solidFill>
+                <a:latin typeface="+mn-lt"/>
+                <a:ea typeface="+mn-ea"/>
+                <a:cs typeface="+mn-cs"/>
+              </a:defRPr>
+            </a:lvl6pPr>
+            <a:lvl7pPr marL="2971800" indent="-228600" algn="l" defTabSz="914400" rtl="0" eaLnBrk="1" latinLnBrk="0" hangingPunct="1">
+              <a:lnSpc>
+                <a:spcPct val="90000"/>
+              </a:lnSpc>
+              <a:spcBef>
+                <a:spcPts val="500"/>
+              </a:spcBef>
+              <a:buFont typeface="Arial" panose="020B0604020202020204" pitchFamily="34" charset="0"/>
+              <a:buChar char="•"/>
+              <a:defRPr sz="1800" kern="1200">
+                <a:solidFill>
+                  <a:schemeClr val="tx1"/>
+                </a:solidFill>
+                <a:latin typeface="+mn-lt"/>
+                <a:ea typeface="+mn-ea"/>
+                <a:cs typeface="+mn-cs"/>
+              </a:defRPr>
+            </a:lvl7pPr>
+            <a:lvl8pPr marL="3429000" indent="-228600" algn="l" defTabSz="914400" rtl="0" eaLnBrk="1" latinLnBrk="0" hangingPunct="1">
+              <a:lnSpc>
+                <a:spcPct val="90000"/>
+              </a:lnSpc>
+              <a:spcBef>
+                <a:spcPts val="500"/>
+              </a:spcBef>
+              <a:buFont typeface="Arial" panose="020B0604020202020204" pitchFamily="34" charset="0"/>
+              <a:buChar char="•"/>
+              <a:defRPr sz="1800" kern="1200">
+                <a:solidFill>
+                  <a:schemeClr val="tx1"/>
+                </a:solidFill>
+                <a:latin typeface="+mn-lt"/>
+                <a:ea typeface="+mn-ea"/>
+                <a:cs typeface="+mn-cs"/>
+              </a:defRPr>
+            </a:lvl8pPr>
+            <a:lvl9pPr marL="3886200" indent="-228600" algn="l" defTabSz="914400" rtl="0" eaLnBrk="1" latinLnBrk="0" hangingPunct="1">
+              <a:lnSpc>
+                <a:spcPct val="90000"/>
+              </a:lnSpc>
+              <a:spcBef>
+                <a:spcPts val="500"/>
+              </a:spcBef>
+              <a:buFont typeface="Arial" panose="020B0604020202020204" pitchFamily="34" charset="0"/>
+              <a:buChar char="•"/>
+              <a:defRPr sz="1800" kern="1200">
+                <a:solidFill>
+                  <a:schemeClr val="tx1"/>
+                </a:solidFill>
+                <a:latin typeface="+mn-lt"/>
+                <a:ea typeface="+mn-ea"/>
+                <a:cs typeface="+mn-cs"/>
+              </a:defRPr>
+            </a:lvl9pPr>
+          </a:lstStyle>
+          <a:p>
+            <a:pPr marL="342900" indent="-342900">
+              <a:buFont typeface=".Apple Color Emoji UI"/>
+              <a:buChar char="👁"/>
+            </a:pPr>
+            <a:endParaRPr lang="en-US" dirty="0">
+              <a:solidFill>
+                <a:schemeClr val="bg1"/>
+              </a:solidFill>
+            </a:endParaRPr>
+          </a:p>
+        </p:txBody>
+      </p:sp>
+      <p:sp>
+        <p:nvSpPr>
+          <p:cNvPr id="8" name="textruta 7">
+            <a:extLst>
+              <a:ext uri="{FF2B5EF4-FFF2-40B4-BE49-F238E27FC236}">
+                <a16:creationId xmlns:a16="http://schemas.microsoft.com/office/drawing/2014/main" id="{8280CE2F-2664-9B49-B7E2-7FB99505124C}"/>
+              </a:ext>
+            </a:extLst>
+          </p:cNvPr>
+          <p:cNvSpPr txBox="1"/>
+          <p:nvPr/>
+        </p:nvSpPr>
+        <p:spPr>
+          <a:xfrm>
+            <a:off x="5057895" y="2187059"/>
+            <a:ext cx="2076209" cy="584775"/>
+          </a:xfrm>
+          <a:prstGeom prst="rect">
+            <a:avLst/>
+          </a:prstGeom>
+          <a:noFill/>
+        </p:spPr>
+        <p:txBody>
+          <a:bodyPr wrap="none" rtlCol="0">
+            <a:spAutoFit/>
+          </a:bodyPr>
+          <a:lstStyle/>
+          <a:p>
+            <a:r>
+              <a:rPr lang="en-US" sz="3200" b="1" dirty="0">
+                <a:solidFill>
+                  <a:schemeClr val="bg1"/>
+                </a:solidFill>
+                <a:latin typeface="Arial" panose="020B0604020202020204" pitchFamily="34" charset="0"/>
+                <a:cs typeface="Arial" panose="020B0604020202020204" pitchFamily="34" charset="0"/>
+              </a:rPr>
+              <a:t>Platforms</a:t>
+            </a:r>
+          </a:p>
+        </p:txBody>
+      </p:sp>
+    </p:spTree>
+    <p:extLst>
+      <p:ext uri="{BB962C8B-B14F-4D97-AF65-F5344CB8AC3E}">
+        <p14:creationId xmlns:p14="http://schemas.microsoft.com/office/powerpoint/2010/main" val="624521810"/>
+      </p:ext>
+    </p:extLst>
+  </p:cSld>
+  <p:clrMapOvr>
+    <a:masterClrMapping/>
+  </p:clrMapOvr>
+</p:sld>
+</file>
+
+<file path=ppt/slides/slide24.xml><?xml version="1.0" encoding="utf-8"?>
 <p:sld xmlns:a="http://schemas.openxmlformats.org/drawingml/2006/main" xmlns:r="http://schemas.openxmlformats.org/officeDocument/2006/relationships" xmlns:p="http://schemas.openxmlformats.org/presentationml/2006/main">
   <p:cSld>
     <p:bg>
@@ -49388,7 +51052,7 @@
 </p:sld>
 </file>
 
-<file path=ppt/slides/slide22.xml><?xml version="1.0" encoding="utf-8"?>
+<file path=ppt/slides/slide25.xml><?xml version="1.0" encoding="utf-8"?>
 <p:sld xmlns:a="http://schemas.openxmlformats.org/drawingml/2006/main" xmlns:r="http://schemas.openxmlformats.org/officeDocument/2006/relationships" xmlns:p="http://schemas.openxmlformats.org/presentationml/2006/main">
   <p:cSld>
     <p:bg>
@@ -50787,8 +52451,8 @@
   </p:clrMapOvr>
   <mc:AlternateContent xmlns:mc="http://schemas.openxmlformats.org/markup-compatibility/2006" xmlns:p15="http://schemas.microsoft.com/office/powerpoint/2012/main">
     <mc:Choice Requires="p15">
-      <p:transition xmlns:p14="http://schemas.microsoft.com/office/powerpoint/2010/main" spd="slow" p14:dur="10000">
-        <p15:prstTrans prst="fallOver"/>
+      <p:transition xmlns:p14="http://schemas.microsoft.com/office/powerpoint/2010/main" spd="slow" p14:dur="6000">
+        <p15:prstTrans prst="curtains"/>
       </p:transition>
     </mc:Choice>
     <mc:Fallback xmlns="">
